--- a/Presentation.pptx
+++ b/Presentation.pptx
@@ -7,11 +7,22 @@
   <p:sldIdLst>
     <p:sldId id="256" r:id="rId2"/>
     <p:sldId id="257" r:id="rId3"/>
-    <p:sldId id="258" r:id="rId4"/>
-    <p:sldId id="259" r:id="rId5"/>
-    <p:sldId id="260" r:id="rId6"/>
-    <p:sldId id="261" r:id="rId7"/>
-    <p:sldId id="262" r:id="rId8"/>
+    <p:sldId id="259" r:id="rId4"/>
+    <p:sldId id="258" r:id="rId5"/>
+    <p:sldId id="263" r:id="rId6"/>
+    <p:sldId id="271" r:id="rId7"/>
+    <p:sldId id="260" r:id="rId8"/>
+    <p:sldId id="261" r:id="rId9"/>
+    <p:sldId id="262" r:id="rId10"/>
+    <p:sldId id="266" r:id="rId11"/>
+    <p:sldId id="264" r:id="rId12"/>
+    <p:sldId id="265" r:id="rId13"/>
+    <p:sldId id="267" r:id="rId14"/>
+    <p:sldId id="268" r:id="rId15"/>
+    <p:sldId id="272" r:id="rId16"/>
+    <p:sldId id="269" r:id="rId17"/>
+    <p:sldId id="270" r:id="rId18"/>
+    <p:sldId id="273" r:id="rId19"/>
   </p:sldIdLst>
   <p:sldSz cx="12192000" cy="6858000"/>
   <p:notesSz cx="6858000" cy="9144000"/>
@@ -110,7 +121,6988 @@
       </a:defRPr>
     </a:lvl9pPr>
   </p:defaultTextStyle>
+  <p:extLst>
+    <p:ext uri="{EFAFB233-063F-42B5-8137-9DF3F51BA10A}">
+      <p15:sldGuideLst xmlns:p15="http://schemas.microsoft.com/office/powerpoint/2012/main"/>
+    </p:ext>
+  </p:extLst>
 </p:presentation>
+</file>
+
+<file path=ppt/diagrams/colors1.xml><?xml version="1.0" encoding="utf-8"?>
+<dgm:colorsDef xmlns:dgm="http://schemas.openxmlformats.org/drawingml/2006/diagram" xmlns:a="http://schemas.openxmlformats.org/drawingml/2006/main" uniqueId="urn:microsoft.com/office/officeart/2005/8/colors/accent1_2">
+  <dgm:title val=""/>
+  <dgm:desc val=""/>
+  <dgm:catLst>
+    <dgm:cat type="accent1" pri="11200"/>
+  </dgm:catLst>
+  <dgm:styleLbl name="node0">
+    <dgm:fillClrLst meth="repeat">
+      <a:schemeClr val="accent1"/>
+    </dgm:fillClrLst>
+    <dgm:linClrLst meth="repeat">
+      <a:schemeClr val="lt1"/>
+    </dgm:linClrLst>
+    <dgm:effectClrLst/>
+    <dgm:txLinClrLst/>
+    <dgm:txFillClrLst/>
+    <dgm:txEffectClrLst/>
+  </dgm:styleLbl>
+  <dgm:styleLbl name="alignNode1">
+    <dgm:fillClrLst meth="repeat">
+      <a:schemeClr val="accent1"/>
+    </dgm:fillClrLst>
+    <dgm:linClrLst meth="repeat">
+      <a:schemeClr val="accent1"/>
+    </dgm:linClrLst>
+    <dgm:effectClrLst/>
+    <dgm:txLinClrLst/>
+    <dgm:txFillClrLst/>
+    <dgm:txEffectClrLst/>
+  </dgm:styleLbl>
+  <dgm:styleLbl name="node1">
+    <dgm:fillClrLst meth="repeat">
+      <a:schemeClr val="accent1"/>
+    </dgm:fillClrLst>
+    <dgm:linClrLst meth="repeat">
+      <a:schemeClr val="lt1"/>
+    </dgm:linClrLst>
+    <dgm:effectClrLst/>
+    <dgm:txLinClrLst/>
+    <dgm:txFillClrLst/>
+    <dgm:txEffectClrLst/>
+  </dgm:styleLbl>
+  <dgm:styleLbl name="lnNode1">
+    <dgm:fillClrLst meth="repeat">
+      <a:schemeClr val="accent1"/>
+    </dgm:fillClrLst>
+    <dgm:linClrLst meth="repeat">
+      <a:schemeClr val="lt1"/>
+    </dgm:linClrLst>
+    <dgm:effectClrLst/>
+    <dgm:txLinClrLst/>
+    <dgm:txFillClrLst/>
+    <dgm:txEffectClrLst/>
+  </dgm:styleLbl>
+  <dgm:styleLbl name="vennNode1">
+    <dgm:fillClrLst meth="repeat">
+      <a:schemeClr val="accent1">
+        <a:alpha val="50000"/>
+      </a:schemeClr>
+    </dgm:fillClrLst>
+    <dgm:linClrLst meth="repeat">
+      <a:schemeClr val="lt1"/>
+    </dgm:linClrLst>
+    <dgm:effectClrLst/>
+    <dgm:txLinClrLst/>
+    <dgm:txFillClrLst/>
+    <dgm:txEffectClrLst/>
+  </dgm:styleLbl>
+  <dgm:styleLbl name="node2">
+    <dgm:fillClrLst meth="repeat">
+      <a:schemeClr val="accent1"/>
+    </dgm:fillClrLst>
+    <dgm:linClrLst meth="repeat">
+      <a:schemeClr val="lt1"/>
+    </dgm:linClrLst>
+    <dgm:effectClrLst/>
+    <dgm:txLinClrLst/>
+    <dgm:txFillClrLst/>
+    <dgm:txEffectClrLst/>
+  </dgm:styleLbl>
+  <dgm:styleLbl name="node3">
+    <dgm:fillClrLst meth="repeat">
+      <a:schemeClr val="accent1"/>
+    </dgm:fillClrLst>
+    <dgm:linClrLst meth="repeat">
+      <a:schemeClr val="lt1"/>
+    </dgm:linClrLst>
+    <dgm:effectClrLst/>
+    <dgm:txLinClrLst/>
+    <dgm:txFillClrLst/>
+    <dgm:txEffectClrLst/>
+  </dgm:styleLbl>
+  <dgm:styleLbl name="node4">
+    <dgm:fillClrLst meth="repeat">
+      <a:schemeClr val="accent1"/>
+    </dgm:fillClrLst>
+    <dgm:linClrLst meth="repeat">
+      <a:schemeClr val="lt1"/>
+    </dgm:linClrLst>
+    <dgm:effectClrLst/>
+    <dgm:txLinClrLst/>
+    <dgm:txFillClrLst/>
+    <dgm:txEffectClrLst/>
+  </dgm:styleLbl>
+  <dgm:styleLbl name="fgImgPlace1">
+    <dgm:fillClrLst meth="repeat">
+      <a:schemeClr val="accent1">
+        <a:tint val="50000"/>
+      </a:schemeClr>
+    </dgm:fillClrLst>
+    <dgm:linClrLst meth="repeat">
+      <a:schemeClr val="lt1"/>
+    </dgm:linClrLst>
+    <dgm:effectClrLst/>
+    <dgm:txLinClrLst/>
+    <dgm:txFillClrLst meth="repeat">
+      <a:schemeClr val="lt1"/>
+    </dgm:txFillClrLst>
+    <dgm:txEffectClrLst/>
+  </dgm:styleLbl>
+  <dgm:styleLbl name="alignImgPlace1">
+    <dgm:fillClrLst meth="repeat">
+      <a:schemeClr val="accent1">
+        <a:tint val="50000"/>
+      </a:schemeClr>
+    </dgm:fillClrLst>
+    <dgm:linClrLst meth="repeat">
+      <a:schemeClr val="lt1"/>
+    </dgm:linClrLst>
+    <dgm:effectClrLst/>
+    <dgm:txLinClrLst/>
+    <dgm:txFillClrLst meth="repeat">
+      <a:schemeClr val="lt1"/>
+    </dgm:txFillClrLst>
+    <dgm:txEffectClrLst/>
+  </dgm:styleLbl>
+  <dgm:styleLbl name="bgImgPlace1">
+    <dgm:fillClrLst meth="repeat">
+      <a:schemeClr val="accent1">
+        <a:tint val="50000"/>
+      </a:schemeClr>
+    </dgm:fillClrLst>
+    <dgm:linClrLst meth="repeat">
+      <a:schemeClr val="lt1"/>
+    </dgm:linClrLst>
+    <dgm:effectClrLst/>
+    <dgm:txLinClrLst/>
+    <dgm:txFillClrLst meth="repeat">
+      <a:schemeClr val="lt1"/>
+    </dgm:txFillClrLst>
+    <dgm:txEffectClrLst/>
+  </dgm:styleLbl>
+  <dgm:styleLbl name="sibTrans2D1">
+    <dgm:fillClrLst meth="repeat">
+      <a:schemeClr val="accent1">
+        <a:tint val="60000"/>
+      </a:schemeClr>
+    </dgm:fillClrLst>
+    <dgm:linClrLst meth="repeat">
+      <a:schemeClr val="accent1">
+        <a:tint val="60000"/>
+      </a:schemeClr>
+    </dgm:linClrLst>
+    <dgm:effectClrLst/>
+    <dgm:txLinClrLst/>
+    <dgm:txFillClrLst/>
+    <dgm:txEffectClrLst/>
+  </dgm:styleLbl>
+  <dgm:styleLbl name="fgSibTrans2D1">
+    <dgm:fillClrLst meth="repeat">
+      <a:schemeClr val="accent1">
+        <a:tint val="60000"/>
+      </a:schemeClr>
+    </dgm:fillClrLst>
+    <dgm:linClrLst meth="repeat">
+      <a:schemeClr val="accent1">
+        <a:tint val="60000"/>
+      </a:schemeClr>
+    </dgm:linClrLst>
+    <dgm:effectClrLst/>
+    <dgm:txLinClrLst/>
+    <dgm:txFillClrLst/>
+    <dgm:txEffectClrLst/>
+  </dgm:styleLbl>
+  <dgm:styleLbl name="bgSibTrans2D1">
+    <dgm:fillClrLst meth="repeat">
+      <a:schemeClr val="accent1">
+        <a:tint val="60000"/>
+      </a:schemeClr>
+    </dgm:fillClrLst>
+    <dgm:linClrLst meth="repeat">
+      <a:schemeClr val="accent1">
+        <a:tint val="60000"/>
+      </a:schemeClr>
+    </dgm:linClrLst>
+    <dgm:effectClrLst/>
+    <dgm:txLinClrLst/>
+    <dgm:txFillClrLst/>
+    <dgm:txEffectClrLst/>
+  </dgm:styleLbl>
+  <dgm:styleLbl name="sibTrans1D1">
+    <dgm:fillClrLst meth="repeat">
+      <a:schemeClr val="accent1"/>
+    </dgm:fillClrLst>
+    <dgm:linClrLst meth="repeat">
+      <a:schemeClr val="accent1"/>
+    </dgm:linClrLst>
+    <dgm:effectClrLst/>
+    <dgm:txLinClrLst/>
+    <dgm:txFillClrLst meth="repeat">
+      <a:schemeClr val="tx1"/>
+    </dgm:txFillClrLst>
+    <dgm:txEffectClrLst/>
+  </dgm:styleLbl>
+  <dgm:styleLbl name="callout">
+    <dgm:fillClrLst meth="repeat">
+      <a:schemeClr val="accent1"/>
+    </dgm:fillClrLst>
+    <dgm:linClrLst meth="repeat">
+      <a:schemeClr val="accent1">
+        <a:tint val="50000"/>
+      </a:schemeClr>
+    </dgm:linClrLst>
+    <dgm:effectClrLst/>
+    <dgm:txLinClrLst/>
+    <dgm:txFillClrLst meth="repeat">
+      <a:schemeClr val="tx1"/>
+    </dgm:txFillClrLst>
+    <dgm:txEffectClrLst/>
+  </dgm:styleLbl>
+  <dgm:styleLbl name="asst0">
+    <dgm:fillClrLst meth="repeat">
+      <a:schemeClr val="accent1"/>
+    </dgm:fillClrLst>
+    <dgm:linClrLst meth="repeat">
+      <a:schemeClr val="lt1"/>
+    </dgm:linClrLst>
+    <dgm:effectClrLst/>
+    <dgm:txLinClrLst/>
+    <dgm:txFillClrLst/>
+    <dgm:txEffectClrLst/>
+  </dgm:styleLbl>
+  <dgm:styleLbl name="asst1">
+    <dgm:fillClrLst meth="repeat">
+      <a:schemeClr val="accent1"/>
+    </dgm:fillClrLst>
+    <dgm:linClrLst meth="repeat">
+      <a:schemeClr val="lt1"/>
+    </dgm:linClrLst>
+    <dgm:effectClrLst/>
+    <dgm:txLinClrLst/>
+    <dgm:txFillClrLst/>
+    <dgm:txEffectClrLst/>
+  </dgm:styleLbl>
+  <dgm:styleLbl name="asst2">
+    <dgm:fillClrLst meth="repeat">
+      <a:schemeClr val="accent1"/>
+    </dgm:fillClrLst>
+    <dgm:linClrLst meth="repeat">
+      <a:schemeClr val="lt1"/>
+    </dgm:linClrLst>
+    <dgm:effectClrLst/>
+    <dgm:txLinClrLst/>
+    <dgm:txFillClrLst/>
+    <dgm:txEffectClrLst/>
+  </dgm:styleLbl>
+  <dgm:styleLbl name="asst3">
+    <dgm:fillClrLst meth="repeat">
+      <a:schemeClr val="accent1"/>
+    </dgm:fillClrLst>
+    <dgm:linClrLst meth="repeat">
+      <a:schemeClr val="lt1"/>
+    </dgm:linClrLst>
+    <dgm:effectClrLst/>
+    <dgm:txLinClrLst/>
+    <dgm:txFillClrLst/>
+    <dgm:txEffectClrLst/>
+  </dgm:styleLbl>
+  <dgm:styleLbl name="asst4">
+    <dgm:fillClrLst meth="repeat">
+      <a:schemeClr val="accent1"/>
+    </dgm:fillClrLst>
+    <dgm:linClrLst meth="repeat">
+      <a:schemeClr val="lt1"/>
+    </dgm:linClrLst>
+    <dgm:effectClrLst/>
+    <dgm:txLinClrLst/>
+    <dgm:txFillClrLst/>
+    <dgm:txEffectClrLst/>
+  </dgm:styleLbl>
+  <dgm:styleLbl name="parChTrans2D1">
+    <dgm:fillClrLst meth="repeat">
+      <a:schemeClr val="accent1">
+        <a:tint val="60000"/>
+      </a:schemeClr>
+    </dgm:fillClrLst>
+    <dgm:linClrLst meth="repeat">
+      <a:schemeClr val="accent1">
+        <a:tint val="60000"/>
+      </a:schemeClr>
+    </dgm:linClrLst>
+    <dgm:effectClrLst/>
+    <dgm:txLinClrLst/>
+    <dgm:txFillClrLst meth="repeat">
+      <a:schemeClr val="lt1"/>
+    </dgm:txFillClrLst>
+    <dgm:txEffectClrLst/>
+  </dgm:styleLbl>
+  <dgm:styleLbl name="parChTrans2D2">
+    <dgm:fillClrLst meth="repeat">
+      <a:schemeClr val="accent1"/>
+    </dgm:fillClrLst>
+    <dgm:linClrLst meth="repeat">
+      <a:schemeClr val="accent1"/>
+    </dgm:linClrLst>
+    <dgm:effectClrLst/>
+    <dgm:txLinClrLst/>
+    <dgm:txFillClrLst meth="repeat">
+      <a:schemeClr val="lt1"/>
+    </dgm:txFillClrLst>
+    <dgm:txEffectClrLst/>
+  </dgm:styleLbl>
+  <dgm:styleLbl name="parChTrans2D3">
+    <dgm:fillClrLst meth="repeat">
+      <a:schemeClr val="accent1"/>
+    </dgm:fillClrLst>
+    <dgm:linClrLst meth="repeat">
+      <a:schemeClr val="accent1"/>
+    </dgm:linClrLst>
+    <dgm:effectClrLst/>
+    <dgm:txLinClrLst/>
+    <dgm:txFillClrLst meth="repeat">
+      <a:schemeClr val="lt1"/>
+    </dgm:txFillClrLst>
+    <dgm:txEffectClrLst/>
+  </dgm:styleLbl>
+  <dgm:styleLbl name="parChTrans2D4">
+    <dgm:fillClrLst meth="repeat">
+      <a:schemeClr val="accent1"/>
+    </dgm:fillClrLst>
+    <dgm:linClrLst meth="repeat">
+      <a:schemeClr val="accent1"/>
+    </dgm:linClrLst>
+    <dgm:effectClrLst/>
+    <dgm:txLinClrLst/>
+    <dgm:txFillClrLst meth="repeat">
+      <a:schemeClr val="lt1"/>
+    </dgm:txFillClrLst>
+    <dgm:txEffectClrLst/>
+  </dgm:styleLbl>
+  <dgm:styleLbl name="parChTrans1D1">
+    <dgm:fillClrLst meth="repeat">
+      <a:schemeClr val="accent1"/>
+    </dgm:fillClrLst>
+    <dgm:linClrLst meth="repeat">
+      <a:schemeClr val="accent1">
+        <a:shade val="60000"/>
+      </a:schemeClr>
+    </dgm:linClrLst>
+    <dgm:effectClrLst/>
+    <dgm:txLinClrLst/>
+    <dgm:txFillClrLst meth="repeat">
+      <a:schemeClr val="tx1"/>
+    </dgm:txFillClrLst>
+    <dgm:txEffectClrLst/>
+  </dgm:styleLbl>
+  <dgm:styleLbl name="parChTrans1D2">
+    <dgm:fillClrLst meth="repeat">
+      <a:schemeClr val="accent1"/>
+    </dgm:fillClrLst>
+    <dgm:linClrLst meth="repeat">
+      <a:schemeClr val="accent1">
+        <a:shade val="60000"/>
+      </a:schemeClr>
+    </dgm:linClrLst>
+    <dgm:effectClrLst/>
+    <dgm:txLinClrLst/>
+    <dgm:txFillClrLst meth="repeat">
+      <a:schemeClr val="tx1"/>
+    </dgm:txFillClrLst>
+    <dgm:txEffectClrLst/>
+  </dgm:styleLbl>
+  <dgm:styleLbl name="parChTrans1D3">
+    <dgm:fillClrLst meth="repeat">
+      <a:schemeClr val="accent1"/>
+    </dgm:fillClrLst>
+    <dgm:linClrLst meth="repeat">
+      <a:schemeClr val="accent1">
+        <a:shade val="80000"/>
+      </a:schemeClr>
+    </dgm:linClrLst>
+    <dgm:effectClrLst/>
+    <dgm:txLinClrLst/>
+    <dgm:txFillClrLst meth="repeat">
+      <a:schemeClr val="tx1"/>
+    </dgm:txFillClrLst>
+    <dgm:txEffectClrLst/>
+  </dgm:styleLbl>
+  <dgm:styleLbl name="parChTrans1D4">
+    <dgm:fillClrLst meth="repeat">
+      <a:schemeClr val="accent1"/>
+    </dgm:fillClrLst>
+    <dgm:linClrLst meth="repeat">
+      <a:schemeClr val="accent1">
+        <a:shade val="80000"/>
+      </a:schemeClr>
+    </dgm:linClrLst>
+    <dgm:effectClrLst/>
+    <dgm:txLinClrLst/>
+    <dgm:txFillClrLst meth="repeat">
+      <a:schemeClr val="tx1"/>
+    </dgm:txFillClrLst>
+    <dgm:txEffectClrLst/>
+  </dgm:styleLbl>
+  <dgm:styleLbl name="fgAcc1">
+    <dgm:fillClrLst meth="repeat">
+      <a:schemeClr val="lt1">
+        <a:alpha val="90000"/>
+      </a:schemeClr>
+    </dgm:fillClrLst>
+    <dgm:linClrLst meth="repeat">
+      <a:schemeClr val="accent1"/>
+    </dgm:linClrLst>
+    <dgm:effectClrLst/>
+    <dgm:txLinClrLst/>
+    <dgm:txFillClrLst meth="repeat">
+      <a:schemeClr val="dk1"/>
+    </dgm:txFillClrLst>
+    <dgm:txEffectClrLst/>
+  </dgm:styleLbl>
+  <dgm:styleLbl name="conFgAcc1">
+    <dgm:fillClrLst meth="repeat">
+      <a:schemeClr val="lt1">
+        <a:alpha val="90000"/>
+      </a:schemeClr>
+    </dgm:fillClrLst>
+    <dgm:linClrLst meth="repeat">
+      <a:schemeClr val="accent1"/>
+    </dgm:linClrLst>
+    <dgm:effectClrLst/>
+    <dgm:txLinClrLst/>
+    <dgm:txFillClrLst meth="repeat">
+      <a:schemeClr val="dk1"/>
+    </dgm:txFillClrLst>
+    <dgm:txEffectClrLst/>
+  </dgm:styleLbl>
+  <dgm:styleLbl name="alignAcc1">
+    <dgm:fillClrLst meth="repeat">
+      <a:schemeClr val="lt1">
+        <a:alpha val="90000"/>
+      </a:schemeClr>
+    </dgm:fillClrLst>
+    <dgm:linClrLst meth="repeat">
+      <a:schemeClr val="accent1"/>
+    </dgm:linClrLst>
+    <dgm:effectClrLst/>
+    <dgm:txLinClrLst/>
+    <dgm:txFillClrLst meth="repeat">
+      <a:schemeClr val="dk1"/>
+    </dgm:txFillClrLst>
+    <dgm:txEffectClrLst/>
+  </dgm:styleLbl>
+  <dgm:styleLbl name="trAlignAcc1">
+    <dgm:fillClrLst meth="repeat">
+      <a:schemeClr val="lt1">
+        <a:alpha val="40000"/>
+      </a:schemeClr>
+    </dgm:fillClrLst>
+    <dgm:linClrLst meth="repeat">
+      <a:schemeClr val="accent1"/>
+    </dgm:linClrLst>
+    <dgm:effectClrLst/>
+    <dgm:txLinClrLst/>
+    <dgm:txFillClrLst meth="repeat">
+      <a:schemeClr val="dk1"/>
+    </dgm:txFillClrLst>
+    <dgm:txEffectClrLst/>
+  </dgm:styleLbl>
+  <dgm:styleLbl name="bgAcc1">
+    <dgm:fillClrLst meth="repeat">
+      <a:schemeClr val="lt1">
+        <a:alpha val="90000"/>
+      </a:schemeClr>
+    </dgm:fillClrLst>
+    <dgm:linClrLst meth="repeat">
+      <a:schemeClr val="accent1"/>
+    </dgm:linClrLst>
+    <dgm:effectClrLst/>
+    <dgm:txLinClrLst/>
+    <dgm:txFillClrLst meth="repeat">
+      <a:schemeClr val="dk1"/>
+    </dgm:txFillClrLst>
+    <dgm:txEffectClrLst/>
+  </dgm:styleLbl>
+  <dgm:styleLbl name="solidFgAcc1">
+    <dgm:fillClrLst meth="repeat">
+      <a:schemeClr val="lt1"/>
+    </dgm:fillClrLst>
+    <dgm:linClrLst meth="repeat">
+      <a:schemeClr val="accent1"/>
+    </dgm:linClrLst>
+    <dgm:effectClrLst/>
+    <dgm:txLinClrLst/>
+    <dgm:txFillClrLst meth="repeat">
+      <a:schemeClr val="dk1"/>
+    </dgm:txFillClrLst>
+    <dgm:txEffectClrLst/>
+  </dgm:styleLbl>
+  <dgm:styleLbl name="solidAlignAcc1">
+    <dgm:fillClrLst meth="repeat">
+      <a:schemeClr val="lt1"/>
+    </dgm:fillClrLst>
+    <dgm:linClrLst meth="repeat">
+      <a:schemeClr val="accent1"/>
+    </dgm:linClrLst>
+    <dgm:effectClrLst/>
+    <dgm:txLinClrLst/>
+    <dgm:txFillClrLst meth="repeat">
+      <a:schemeClr val="dk1"/>
+    </dgm:txFillClrLst>
+    <dgm:txEffectClrLst/>
+  </dgm:styleLbl>
+  <dgm:styleLbl name="solidBgAcc1">
+    <dgm:fillClrLst meth="repeat">
+      <a:schemeClr val="lt1"/>
+    </dgm:fillClrLst>
+    <dgm:linClrLst meth="repeat">
+      <a:schemeClr val="accent1"/>
+    </dgm:linClrLst>
+    <dgm:effectClrLst/>
+    <dgm:txLinClrLst/>
+    <dgm:txFillClrLst meth="repeat">
+      <a:schemeClr val="dk1"/>
+    </dgm:txFillClrLst>
+    <dgm:txEffectClrLst/>
+  </dgm:styleLbl>
+  <dgm:styleLbl name="fgAccFollowNode1">
+    <dgm:fillClrLst meth="repeat">
+      <a:schemeClr val="accent1">
+        <a:alpha val="90000"/>
+        <a:tint val="40000"/>
+      </a:schemeClr>
+    </dgm:fillClrLst>
+    <dgm:linClrLst meth="repeat">
+      <a:schemeClr val="accent1">
+        <a:alpha val="90000"/>
+        <a:tint val="40000"/>
+      </a:schemeClr>
+    </dgm:linClrLst>
+    <dgm:effectClrLst/>
+    <dgm:txLinClrLst/>
+    <dgm:txFillClrLst meth="repeat">
+      <a:schemeClr val="dk1"/>
+    </dgm:txFillClrLst>
+    <dgm:txEffectClrLst/>
+  </dgm:styleLbl>
+  <dgm:styleLbl name="alignAccFollowNode1">
+    <dgm:fillClrLst meth="repeat">
+      <a:schemeClr val="accent1">
+        <a:alpha val="90000"/>
+        <a:tint val="40000"/>
+      </a:schemeClr>
+    </dgm:fillClrLst>
+    <dgm:linClrLst meth="repeat">
+      <a:schemeClr val="accent1">
+        <a:alpha val="90000"/>
+        <a:tint val="40000"/>
+      </a:schemeClr>
+    </dgm:linClrLst>
+    <dgm:effectClrLst/>
+    <dgm:txLinClrLst/>
+    <dgm:txFillClrLst meth="repeat">
+      <a:schemeClr val="dk1"/>
+    </dgm:txFillClrLst>
+    <dgm:txEffectClrLst/>
+  </dgm:styleLbl>
+  <dgm:styleLbl name="bgAccFollowNode1">
+    <dgm:fillClrLst meth="repeat">
+      <a:schemeClr val="accent1">
+        <a:alpha val="90000"/>
+        <a:tint val="40000"/>
+      </a:schemeClr>
+    </dgm:fillClrLst>
+    <dgm:linClrLst meth="repeat">
+      <a:schemeClr val="accent1">
+        <a:alpha val="90000"/>
+        <a:tint val="40000"/>
+      </a:schemeClr>
+    </dgm:linClrLst>
+    <dgm:effectClrLst/>
+    <dgm:txLinClrLst/>
+    <dgm:txFillClrLst meth="repeat">
+      <a:schemeClr val="dk1"/>
+    </dgm:txFillClrLst>
+    <dgm:txEffectClrLst/>
+  </dgm:styleLbl>
+  <dgm:styleLbl name="fgAcc0">
+    <dgm:fillClrLst meth="repeat">
+      <a:schemeClr val="lt1">
+        <a:alpha val="90000"/>
+      </a:schemeClr>
+    </dgm:fillClrLst>
+    <dgm:linClrLst meth="repeat">
+      <a:schemeClr val="accent1"/>
+    </dgm:linClrLst>
+    <dgm:effectClrLst/>
+    <dgm:txLinClrLst/>
+    <dgm:txFillClrLst meth="repeat">
+      <a:schemeClr val="dk1"/>
+    </dgm:txFillClrLst>
+    <dgm:txEffectClrLst/>
+  </dgm:styleLbl>
+  <dgm:styleLbl name="fgAcc2">
+    <dgm:fillClrLst meth="repeat">
+      <a:schemeClr val="lt1">
+        <a:alpha val="90000"/>
+      </a:schemeClr>
+    </dgm:fillClrLst>
+    <dgm:linClrLst meth="repeat">
+      <a:schemeClr val="accent1"/>
+    </dgm:linClrLst>
+    <dgm:effectClrLst/>
+    <dgm:txLinClrLst/>
+    <dgm:txFillClrLst meth="repeat">
+      <a:schemeClr val="dk1"/>
+    </dgm:txFillClrLst>
+    <dgm:txEffectClrLst/>
+  </dgm:styleLbl>
+  <dgm:styleLbl name="fgAcc3">
+    <dgm:fillClrLst meth="repeat">
+      <a:schemeClr val="lt1">
+        <a:alpha val="90000"/>
+      </a:schemeClr>
+    </dgm:fillClrLst>
+    <dgm:linClrLst meth="repeat">
+      <a:schemeClr val="accent1"/>
+    </dgm:linClrLst>
+    <dgm:effectClrLst/>
+    <dgm:txLinClrLst/>
+    <dgm:txFillClrLst meth="repeat">
+      <a:schemeClr val="dk1"/>
+    </dgm:txFillClrLst>
+    <dgm:txEffectClrLst/>
+  </dgm:styleLbl>
+  <dgm:styleLbl name="fgAcc4">
+    <dgm:fillClrLst meth="repeat">
+      <a:schemeClr val="lt1">
+        <a:alpha val="90000"/>
+      </a:schemeClr>
+    </dgm:fillClrLst>
+    <dgm:linClrLst meth="repeat">
+      <a:schemeClr val="accent1"/>
+    </dgm:linClrLst>
+    <dgm:effectClrLst/>
+    <dgm:txLinClrLst/>
+    <dgm:txFillClrLst meth="repeat">
+      <a:schemeClr val="dk1"/>
+    </dgm:txFillClrLst>
+    <dgm:txEffectClrLst/>
+  </dgm:styleLbl>
+  <dgm:styleLbl name="bgShp">
+    <dgm:fillClrLst meth="repeat">
+      <a:schemeClr val="accent1">
+        <a:tint val="40000"/>
+      </a:schemeClr>
+    </dgm:fillClrLst>
+    <dgm:linClrLst meth="repeat">
+      <a:schemeClr val="accent1"/>
+    </dgm:linClrLst>
+    <dgm:effectClrLst/>
+    <dgm:txLinClrLst/>
+    <dgm:txFillClrLst meth="repeat">
+      <a:schemeClr val="dk1"/>
+    </dgm:txFillClrLst>
+    <dgm:txEffectClrLst/>
+  </dgm:styleLbl>
+  <dgm:styleLbl name="dkBgShp">
+    <dgm:fillClrLst meth="repeat">
+      <a:schemeClr val="accent1">
+        <a:shade val="80000"/>
+      </a:schemeClr>
+    </dgm:fillClrLst>
+    <dgm:linClrLst meth="repeat">
+      <a:schemeClr val="accent1"/>
+    </dgm:linClrLst>
+    <dgm:effectClrLst/>
+    <dgm:txLinClrLst/>
+    <dgm:txFillClrLst meth="repeat">
+      <a:schemeClr val="lt1"/>
+    </dgm:txFillClrLst>
+    <dgm:txEffectClrLst/>
+  </dgm:styleLbl>
+  <dgm:styleLbl name="trBgShp">
+    <dgm:fillClrLst meth="repeat">
+      <a:schemeClr val="accent1">
+        <a:tint val="50000"/>
+        <a:alpha val="40000"/>
+      </a:schemeClr>
+    </dgm:fillClrLst>
+    <dgm:linClrLst meth="repeat">
+      <a:schemeClr val="accent1"/>
+    </dgm:linClrLst>
+    <dgm:effectClrLst/>
+    <dgm:txLinClrLst/>
+    <dgm:txFillClrLst meth="repeat">
+      <a:schemeClr val="lt1"/>
+    </dgm:txFillClrLst>
+    <dgm:txEffectClrLst/>
+  </dgm:styleLbl>
+  <dgm:styleLbl name="fgShp">
+    <dgm:fillClrLst meth="repeat">
+      <a:schemeClr val="accent1">
+        <a:tint val="60000"/>
+      </a:schemeClr>
+    </dgm:fillClrLst>
+    <dgm:linClrLst meth="repeat">
+      <a:schemeClr val="lt1"/>
+    </dgm:linClrLst>
+    <dgm:effectClrLst/>
+    <dgm:txLinClrLst/>
+    <dgm:txFillClrLst meth="repeat">
+      <a:schemeClr val="dk1"/>
+    </dgm:txFillClrLst>
+    <dgm:txEffectClrLst/>
+  </dgm:styleLbl>
+  <dgm:styleLbl name="revTx">
+    <dgm:fillClrLst meth="repeat">
+      <a:schemeClr val="lt1">
+        <a:alpha val="0"/>
+      </a:schemeClr>
+    </dgm:fillClrLst>
+    <dgm:linClrLst meth="repeat">
+      <a:schemeClr val="dk1">
+        <a:alpha val="0"/>
+      </a:schemeClr>
+    </dgm:linClrLst>
+    <dgm:effectClrLst/>
+    <dgm:txLinClrLst/>
+    <dgm:txFillClrLst meth="repeat">
+      <a:schemeClr val="tx1"/>
+    </dgm:txFillClrLst>
+    <dgm:txEffectClrLst/>
+  </dgm:styleLbl>
+</dgm:colorsDef>
+</file>
+
+<file path=ppt/diagrams/colors2.xml><?xml version="1.0" encoding="utf-8"?>
+<dgm:colorsDef xmlns:dgm="http://schemas.openxmlformats.org/drawingml/2006/diagram" xmlns:a="http://schemas.openxmlformats.org/drawingml/2006/main" uniqueId="urn:microsoft.com/office/officeart/2005/8/colors/accent1_2">
+  <dgm:title val=""/>
+  <dgm:desc val=""/>
+  <dgm:catLst>
+    <dgm:cat type="accent1" pri="11200"/>
+  </dgm:catLst>
+  <dgm:styleLbl name="node0">
+    <dgm:fillClrLst meth="repeat">
+      <a:schemeClr val="accent1"/>
+    </dgm:fillClrLst>
+    <dgm:linClrLst meth="repeat">
+      <a:schemeClr val="lt1"/>
+    </dgm:linClrLst>
+    <dgm:effectClrLst/>
+    <dgm:txLinClrLst/>
+    <dgm:txFillClrLst/>
+    <dgm:txEffectClrLst/>
+  </dgm:styleLbl>
+  <dgm:styleLbl name="alignNode1">
+    <dgm:fillClrLst meth="repeat">
+      <a:schemeClr val="accent1"/>
+    </dgm:fillClrLst>
+    <dgm:linClrLst meth="repeat">
+      <a:schemeClr val="accent1"/>
+    </dgm:linClrLst>
+    <dgm:effectClrLst/>
+    <dgm:txLinClrLst/>
+    <dgm:txFillClrLst/>
+    <dgm:txEffectClrLst/>
+  </dgm:styleLbl>
+  <dgm:styleLbl name="node1">
+    <dgm:fillClrLst meth="repeat">
+      <a:schemeClr val="accent1"/>
+    </dgm:fillClrLst>
+    <dgm:linClrLst meth="repeat">
+      <a:schemeClr val="lt1"/>
+    </dgm:linClrLst>
+    <dgm:effectClrLst/>
+    <dgm:txLinClrLst/>
+    <dgm:txFillClrLst/>
+    <dgm:txEffectClrLst/>
+  </dgm:styleLbl>
+  <dgm:styleLbl name="lnNode1">
+    <dgm:fillClrLst meth="repeat">
+      <a:schemeClr val="accent1"/>
+    </dgm:fillClrLst>
+    <dgm:linClrLst meth="repeat">
+      <a:schemeClr val="lt1"/>
+    </dgm:linClrLst>
+    <dgm:effectClrLst/>
+    <dgm:txLinClrLst/>
+    <dgm:txFillClrLst/>
+    <dgm:txEffectClrLst/>
+  </dgm:styleLbl>
+  <dgm:styleLbl name="vennNode1">
+    <dgm:fillClrLst meth="repeat">
+      <a:schemeClr val="accent1">
+        <a:alpha val="50000"/>
+      </a:schemeClr>
+    </dgm:fillClrLst>
+    <dgm:linClrLst meth="repeat">
+      <a:schemeClr val="lt1"/>
+    </dgm:linClrLst>
+    <dgm:effectClrLst/>
+    <dgm:txLinClrLst/>
+    <dgm:txFillClrLst/>
+    <dgm:txEffectClrLst/>
+  </dgm:styleLbl>
+  <dgm:styleLbl name="node2">
+    <dgm:fillClrLst meth="repeat">
+      <a:schemeClr val="accent1"/>
+    </dgm:fillClrLst>
+    <dgm:linClrLst meth="repeat">
+      <a:schemeClr val="lt1"/>
+    </dgm:linClrLst>
+    <dgm:effectClrLst/>
+    <dgm:txLinClrLst/>
+    <dgm:txFillClrLst/>
+    <dgm:txEffectClrLst/>
+  </dgm:styleLbl>
+  <dgm:styleLbl name="node3">
+    <dgm:fillClrLst meth="repeat">
+      <a:schemeClr val="accent1"/>
+    </dgm:fillClrLst>
+    <dgm:linClrLst meth="repeat">
+      <a:schemeClr val="lt1"/>
+    </dgm:linClrLst>
+    <dgm:effectClrLst/>
+    <dgm:txLinClrLst/>
+    <dgm:txFillClrLst/>
+    <dgm:txEffectClrLst/>
+  </dgm:styleLbl>
+  <dgm:styleLbl name="node4">
+    <dgm:fillClrLst meth="repeat">
+      <a:schemeClr val="accent1"/>
+    </dgm:fillClrLst>
+    <dgm:linClrLst meth="repeat">
+      <a:schemeClr val="lt1"/>
+    </dgm:linClrLst>
+    <dgm:effectClrLst/>
+    <dgm:txLinClrLst/>
+    <dgm:txFillClrLst/>
+    <dgm:txEffectClrLst/>
+  </dgm:styleLbl>
+  <dgm:styleLbl name="fgImgPlace1">
+    <dgm:fillClrLst meth="repeat">
+      <a:schemeClr val="accent1">
+        <a:tint val="50000"/>
+      </a:schemeClr>
+    </dgm:fillClrLst>
+    <dgm:linClrLst meth="repeat">
+      <a:schemeClr val="lt1"/>
+    </dgm:linClrLst>
+    <dgm:effectClrLst/>
+    <dgm:txLinClrLst/>
+    <dgm:txFillClrLst meth="repeat">
+      <a:schemeClr val="lt1"/>
+    </dgm:txFillClrLst>
+    <dgm:txEffectClrLst/>
+  </dgm:styleLbl>
+  <dgm:styleLbl name="alignImgPlace1">
+    <dgm:fillClrLst meth="repeat">
+      <a:schemeClr val="accent1">
+        <a:tint val="50000"/>
+      </a:schemeClr>
+    </dgm:fillClrLst>
+    <dgm:linClrLst meth="repeat">
+      <a:schemeClr val="lt1"/>
+    </dgm:linClrLst>
+    <dgm:effectClrLst/>
+    <dgm:txLinClrLst/>
+    <dgm:txFillClrLst meth="repeat">
+      <a:schemeClr val="lt1"/>
+    </dgm:txFillClrLst>
+    <dgm:txEffectClrLst/>
+  </dgm:styleLbl>
+  <dgm:styleLbl name="bgImgPlace1">
+    <dgm:fillClrLst meth="repeat">
+      <a:schemeClr val="accent1">
+        <a:tint val="50000"/>
+      </a:schemeClr>
+    </dgm:fillClrLst>
+    <dgm:linClrLst meth="repeat">
+      <a:schemeClr val="lt1"/>
+    </dgm:linClrLst>
+    <dgm:effectClrLst/>
+    <dgm:txLinClrLst/>
+    <dgm:txFillClrLst meth="repeat">
+      <a:schemeClr val="lt1"/>
+    </dgm:txFillClrLst>
+    <dgm:txEffectClrLst/>
+  </dgm:styleLbl>
+  <dgm:styleLbl name="sibTrans2D1">
+    <dgm:fillClrLst meth="repeat">
+      <a:schemeClr val="accent1">
+        <a:tint val="60000"/>
+      </a:schemeClr>
+    </dgm:fillClrLst>
+    <dgm:linClrLst meth="repeat">
+      <a:schemeClr val="accent1">
+        <a:tint val="60000"/>
+      </a:schemeClr>
+    </dgm:linClrLst>
+    <dgm:effectClrLst/>
+    <dgm:txLinClrLst/>
+    <dgm:txFillClrLst/>
+    <dgm:txEffectClrLst/>
+  </dgm:styleLbl>
+  <dgm:styleLbl name="fgSibTrans2D1">
+    <dgm:fillClrLst meth="repeat">
+      <a:schemeClr val="accent1">
+        <a:tint val="60000"/>
+      </a:schemeClr>
+    </dgm:fillClrLst>
+    <dgm:linClrLst meth="repeat">
+      <a:schemeClr val="accent1">
+        <a:tint val="60000"/>
+      </a:schemeClr>
+    </dgm:linClrLst>
+    <dgm:effectClrLst/>
+    <dgm:txLinClrLst/>
+    <dgm:txFillClrLst/>
+    <dgm:txEffectClrLst/>
+  </dgm:styleLbl>
+  <dgm:styleLbl name="bgSibTrans2D1">
+    <dgm:fillClrLst meth="repeat">
+      <a:schemeClr val="accent1">
+        <a:tint val="60000"/>
+      </a:schemeClr>
+    </dgm:fillClrLst>
+    <dgm:linClrLst meth="repeat">
+      <a:schemeClr val="accent1">
+        <a:tint val="60000"/>
+      </a:schemeClr>
+    </dgm:linClrLst>
+    <dgm:effectClrLst/>
+    <dgm:txLinClrLst/>
+    <dgm:txFillClrLst/>
+    <dgm:txEffectClrLst/>
+  </dgm:styleLbl>
+  <dgm:styleLbl name="sibTrans1D1">
+    <dgm:fillClrLst meth="repeat">
+      <a:schemeClr val="accent1"/>
+    </dgm:fillClrLst>
+    <dgm:linClrLst meth="repeat">
+      <a:schemeClr val="accent1"/>
+    </dgm:linClrLst>
+    <dgm:effectClrLst/>
+    <dgm:txLinClrLst/>
+    <dgm:txFillClrLst meth="repeat">
+      <a:schemeClr val="tx1"/>
+    </dgm:txFillClrLst>
+    <dgm:txEffectClrLst/>
+  </dgm:styleLbl>
+  <dgm:styleLbl name="callout">
+    <dgm:fillClrLst meth="repeat">
+      <a:schemeClr val="accent1"/>
+    </dgm:fillClrLst>
+    <dgm:linClrLst meth="repeat">
+      <a:schemeClr val="accent1">
+        <a:tint val="50000"/>
+      </a:schemeClr>
+    </dgm:linClrLst>
+    <dgm:effectClrLst/>
+    <dgm:txLinClrLst/>
+    <dgm:txFillClrLst meth="repeat">
+      <a:schemeClr val="tx1"/>
+    </dgm:txFillClrLst>
+    <dgm:txEffectClrLst/>
+  </dgm:styleLbl>
+  <dgm:styleLbl name="asst0">
+    <dgm:fillClrLst meth="repeat">
+      <a:schemeClr val="accent1"/>
+    </dgm:fillClrLst>
+    <dgm:linClrLst meth="repeat">
+      <a:schemeClr val="lt1"/>
+    </dgm:linClrLst>
+    <dgm:effectClrLst/>
+    <dgm:txLinClrLst/>
+    <dgm:txFillClrLst/>
+    <dgm:txEffectClrLst/>
+  </dgm:styleLbl>
+  <dgm:styleLbl name="asst1">
+    <dgm:fillClrLst meth="repeat">
+      <a:schemeClr val="accent1"/>
+    </dgm:fillClrLst>
+    <dgm:linClrLst meth="repeat">
+      <a:schemeClr val="lt1"/>
+    </dgm:linClrLst>
+    <dgm:effectClrLst/>
+    <dgm:txLinClrLst/>
+    <dgm:txFillClrLst/>
+    <dgm:txEffectClrLst/>
+  </dgm:styleLbl>
+  <dgm:styleLbl name="asst2">
+    <dgm:fillClrLst meth="repeat">
+      <a:schemeClr val="accent1"/>
+    </dgm:fillClrLst>
+    <dgm:linClrLst meth="repeat">
+      <a:schemeClr val="lt1"/>
+    </dgm:linClrLst>
+    <dgm:effectClrLst/>
+    <dgm:txLinClrLst/>
+    <dgm:txFillClrLst/>
+    <dgm:txEffectClrLst/>
+  </dgm:styleLbl>
+  <dgm:styleLbl name="asst3">
+    <dgm:fillClrLst meth="repeat">
+      <a:schemeClr val="accent1"/>
+    </dgm:fillClrLst>
+    <dgm:linClrLst meth="repeat">
+      <a:schemeClr val="lt1"/>
+    </dgm:linClrLst>
+    <dgm:effectClrLst/>
+    <dgm:txLinClrLst/>
+    <dgm:txFillClrLst/>
+    <dgm:txEffectClrLst/>
+  </dgm:styleLbl>
+  <dgm:styleLbl name="asst4">
+    <dgm:fillClrLst meth="repeat">
+      <a:schemeClr val="accent1"/>
+    </dgm:fillClrLst>
+    <dgm:linClrLst meth="repeat">
+      <a:schemeClr val="lt1"/>
+    </dgm:linClrLst>
+    <dgm:effectClrLst/>
+    <dgm:txLinClrLst/>
+    <dgm:txFillClrLst/>
+    <dgm:txEffectClrLst/>
+  </dgm:styleLbl>
+  <dgm:styleLbl name="parChTrans2D1">
+    <dgm:fillClrLst meth="repeat">
+      <a:schemeClr val="accent1">
+        <a:tint val="60000"/>
+      </a:schemeClr>
+    </dgm:fillClrLst>
+    <dgm:linClrLst meth="repeat">
+      <a:schemeClr val="accent1">
+        <a:tint val="60000"/>
+      </a:schemeClr>
+    </dgm:linClrLst>
+    <dgm:effectClrLst/>
+    <dgm:txLinClrLst/>
+    <dgm:txFillClrLst meth="repeat">
+      <a:schemeClr val="lt1"/>
+    </dgm:txFillClrLst>
+    <dgm:txEffectClrLst/>
+  </dgm:styleLbl>
+  <dgm:styleLbl name="parChTrans2D2">
+    <dgm:fillClrLst meth="repeat">
+      <a:schemeClr val="accent1"/>
+    </dgm:fillClrLst>
+    <dgm:linClrLst meth="repeat">
+      <a:schemeClr val="accent1"/>
+    </dgm:linClrLst>
+    <dgm:effectClrLst/>
+    <dgm:txLinClrLst/>
+    <dgm:txFillClrLst meth="repeat">
+      <a:schemeClr val="lt1"/>
+    </dgm:txFillClrLst>
+    <dgm:txEffectClrLst/>
+  </dgm:styleLbl>
+  <dgm:styleLbl name="parChTrans2D3">
+    <dgm:fillClrLst meth="repeat">
+      <a:schemeClr val="accent1"/>
+    </dgm:fillClrLst>
+    <dgm:linClrLst meth="repeat">
+      <a:schemeClr val="accent1"/>
+    </dgm:linClrLst>
+    <dgm:effectClrLst/>
+    <dgm:txLinClrLst/>
+    <dgm:txFillClrLst meth="repeat">
+      <a:schemeClr val="lt1"/>
+    </dgm:txFillClrLst>
+    <dgm:txEffectClrLst/>
+  </dgm:styleLbl>
+  <dgm:styleLbl name="parChTrans2D4">
+    <dgm:fillClrLst meth="repeat">
+      <a:schemeClr val="accent1"/>
+    </dgm:fillClrLst>
+    <dgm:linClrLst meth="repeat">
+      <a:schemeClr val="accent1"/>
+    </dgm:linClrLst>
+    <dgm:effectClrLst/>
+    <dgm:txLinClrLst/>
+    <dgm:txFillClrLst meth="repeat">
+      <a:schemeClr val="lt1"/>
+    </dgm:txFillClrLst>
+    <dgm:txEffectClrLst/>
+  </dgm:styleLbl>
+  <dgm:styleLbl name="parChTrans1D1">
+    <dgm:fillClrLst meth="repeat">
+      <a:schemeClr val="accent1"/>
+    </dgm:fillClrLst>
+    <dgm:linClrLst meth="repeat">
+      <a:schemeClr val="accent1">
+        <a:shade val="60000"/>
+      </a:schemeClr>
+    </dgm:linClrLst>
+    <dgm:effectClrLst/>
+    <dgm:txLinClrLst/>
+    <dgm:txFillClrLst meth="repeat">
+      <a:schemeClr val="tx1"/>
+    </dgm:txFillClrLst>
+    <dgm:txEffectClrLst/>
+  </dgm:styleLbl>
+  <dgm:styleLbl name="parChTrans1D2">
+    <dgm:fillClrLst meth="repeat">
+      <a:schemeClr val="accent1"/>
+    </dgm:fillClrLst>
+    <dgm:linClrLst meth="repeat">
+      <a:schemeClr val="accent1">
+        <a:shade val="60000"/>
+      </a:schemeClr>
+    </dgm:linClrLst>
+    <dgm:effectClrLst/>
+    <dgm:txLinClrLst/>
+    <dgm:txFillClrLst meth="repeat">
+      <a:schemeClr val="tx1"/>
+    </dgm:txFillClrLst>
+    <dgm:txEffectClrLst/>
+  </dgm:styleLbl>
+  <dgm:styleLbl name="parChTrans1D3">
+    <dgm:fillClrLst meth="repeat">
+      <a:schemeClr val="accent1"/>
+    </dgm:fillClrLst>
+    <dgm:linClrLst meth="repeat">
+      <a:schemeClr val="accent1">
+        <a:shade val="80000"/>
+      </a:schemeClr>
+    </dgm:linClrLst>
+    <dgm:effectClrLst/>
+    <dgm:txLinClrLst/>
+    <dgm:txFillClrLst meth="repeat">
+      <a:schemeClr val="tx1"/>
+    </dgm:txFillClrLst>
+    <dgm:txEffectClrLst/>
+  </dgm:styleLbl>
+  <dgm:styleLbl name="parChTrans1D4">
+    <dgm:fillClrLst meth="repeat">
+      <a:schemeClr val="accent1"/>
+    </dgm:fillClrLst>
+    <dgm:linClrLst meth="repeat">
+      <a:schemeClr val="accent1">
+        <a:shade val="80000"/>
+      </a:schemeClr>
+    </dgm:linClrLst>
+    <dgm:effectClrLst/>
+    <dgm:txLinClrLst/>
+    <dgm:txFillClrLst meth="repeat">
+      <a:schemeClr val="tx1"/>
+    </dgm:txFillClrLst>
+    <dgm:txEffectClrLst/>
+  </dgm:styleLbl>
+  <dgm:styleLbl name="fgAcc1">
+    <dgm:fillClrLst meth="repeat">
+      <a:schemeClr val="lt1">
+        <a:alpha val="90000"/>
+      </a:schemeClr>
+    </dgm:fillClrLst>
+    <dgm:linClrLst meth="repeat">
+      <a:schemeClr val="accent1"/>
+    </dgm:linClrLst>
+    <dgm:effectClrLst/>
+    <dgm:txLinClrLst/>
+    <dgm:txFillClrLst meth="repeat">
+      <a:schemeClr val="dk1"/>
+    </dgm:txFillClrLst>
+    <dgm:txEffectClrLst/>
+  </dgm:styleLbl>
+  <dgm:styleLbl name="conFgAcc1">
+    <dgm:fillClrLst meth="repeat">
+      <a:schemeClr val="lt1">
+        <a:alpha val="90000"/>
+      </a:schemeClr>
+    </dgm:fillClrLst>
+    <dgm:linClrLst meth="repeat">
+      <a:schemeClr val="accent1"/>
+    </dgm:linClrLst>
+    <dgm:effectClrLst/>
+    <dgm:txLinClrLst/>
+    <dgm:txFillClrLst meth="repeat">
+      <a:schemeClr val="dk1"/>
+    </dgm:txFillClrLst>
+    <dgm:txEffectClrLst/>
+  </dgm:styleLbl>
+  <dgm:styleLbl name="alignAcc1">
+    <dgm:fillClrLst meth="repeat">
+      <a:schemeClr val="lt1">
+        <a:alpha val="90000"/>
+      </a:schemeClr>
+    </dgm:fillClrLst>
+    <dgm:linClrLst meth="repeat">
+      <a:schemeClr val="accent1"/>
+    </dgm:linClrLst>
+    <dgm:effectClrLst/>
+    <dgm:txLinClrLst/>
+    <dgm:txFillClrLst meth="repeat">
+      <a:schemeClr val="dk1"/>
+    </dgm:txFillClrLst>
+    <dgm:txEffectClrLst/>
+  </dgm:styleLbl>
+  <dgm:styleLbl name="trAlignAcc1">
+    <dgm:fillClrLst meth="repeat">
+      <a:schemeClr val="lt1">
+        <a:alpha val="40000"/>
+      </a:schemeClr>
+    </dgm:fillClrLst>
+    <dgm:linClrLst meth="repeat">
+      <a:schemeClr val="accent1"/>
+    </dgm:linClrLst>
+    <dgm:effectClrLst/>
+    <dgm:txLinClrLst/>
+    <dgm:txFillClrLst meth="repeat">
+      <a:schemeClr val="dk1"/>
+    </dgm:txFillClrLst>
+    <dgm:txEffectClrLst/>
+  </dgm:styleLbl>
+  <dgm:styleLbl name="bgAcc1">
+    <dgm:fillClrLst meth="repeat">
+      <a:schemeClr val="lt1">
+        <a:alpha val="90000"/>
+      </a:schemeClr>
+    </dgm:fillClrLst>
+    <dgm:linClrLst meth="repeat">
+      <a:schemeClr val="accent1"/>
+    </dgm:linClrLst>
+    <dgm:effectClrLst/>
+    <dgm:txLinClrLst/>
+    <dgm:txFillClrLst meth="repeat">
+      <a:schemeClr val="dk1"/>
+    </dgm:txFillClrLst>
+    <dgm:txEffectClrLst/>
+  </dgm:styleLbl>
+  <dgm:styleLbl name="solidFgAcc1">
+    <dgm:fillClrLst meth="repeat">
+      <a:schemeClr val="lt1"/>
+    </dgm:fillClrLst>
+    <dgm:linClrLst meth="repeat">
+      <a:schemeClr val="accent1"/>
+    </dgm:linClrLst>
+    <dgm:effectClrLst/>
+    <dgm:txLinClrLst/>
+    <dgm:txFillClrLst meth="repeat">
+      <a:schemeClr val="dk1"/>
+    </dgm:txFillClrLst>
+    <dgm:txEffectClrLst/>
+  </dgm:styleLbl>
+  <dgm:styleLbl name="solidAlignAcc1">
+    <dgm:fillClrLst meth="repeat">
+      <a:schemeClr val="lt1"/>
+    </dgm:fillClrLst>
+    <dgm:linClrLst meth="repeat">
+      <a:schemeClr val="accent1"/>
+    </dgm:linClrLst>
+    <dgm:effectClrLst/>
+    <dgm:txLinClrLst/>
+    <dgm:txFillClrLst meth="repeat">
+      <a:schemeClr val="dk1"/>
+    </dgm:txFillClrLst>
+    <dgm:txEffectClrLst/>
+  </dgm:styleLbl>
+  <dgm:styleLbl name="solidBgAcc1">
+    <dgm:fillClrLst meth="repeat">
+      <a:schemeClr val="lt1"/>
+    </dgm:fillClrLst>
+    <dgm:linClrLst meth="repeat">
+      <a:schemeClr val="accent1"/>
+    </dgm:linClrLst>
+    <dgm:effectClrLst/>
+    <dgm:txLinClrLst/>
+    <dgm:txFillClrLst meth="repeat">
+      <a:schemeClr val="dk1"/>
+    </dgm:txFillClrLst>
+    <dgm:txEffectClrLst/>
+  </dgm:styleLbl>
+  <dgm:styleLbl name="fgAccFollowNode1">
+    <dgm:fillClrLst meth="repeat">
+      <a:schemeClr val="accent1">
+        <a:alpha val="90000"/>
+        <a:tint val="40000"/>
+      </a:schemeClr>
+    </dgm:fillClrLst>
+    <dgm:linClrLst meth="repeat">
+      <a:schemeClr val="accent1">
+        <a:alpha val="90000"/>
+        <a:tint val="40000"/>
+      </a:schemeClr>
+    </dgm:linClrLst>
+    <dgm:effectClrLst/>
+    <dgm:txLinClrLst/>
+    <dgm:txFillClrLst meth="repeat">
+      <a:schemeClr val="dk1"/>
+    </dgm:txFillClrLst>
+    <dgm:txEffectClrLst/>
+  </dgm:styleLbl>
+  <dgm:styleLbl name="alignAccFollowNode1">
+    <dgm:fillClrLst meth="repeat">
+      <a:schemeClr val="accent1">
+        <a:alpha val="90000"/>
+        <a:tint val="40000"/>
+      </a:schemeClr>
+    </dgm:fillClrLst>
+    <dgm:linClrLst meth="repeat">
+      <a:schemeClr val="accent1">
+        <a:alpha val="90000"/>
+        <a:tint val="40000"/>
+      </a:schemeClr>
+    </dgm:linClrLst>
+    <dgm:effectClrLst/>
+    <dgm:txLinClrLst/>
+    <dgm:txFillClrLst meth="repeat">
+      <a:schemeClr val="dk1"/>
+    </dgm:txFillClrLst>
+    <dgm:txEffectClrLst/>
+  </dgm:styleLbl>
+  <dgm:styleLbl name="bgAccFollowNode1">
+    <dgm:fillClrLst meth="repeat">
+      <a:schemeClr val="accent1">
+        <a:alpha val="90000"/>
+        <a:tint val="40000"/>
+      </a:schemeClr>
+    </dgm:fillClrLst>
+    <dgm:linClrLst meth="repeat">
+      <a:schemeClr val="accent1">
+        <a:alpha val="90000"/>
+        <a:tint val="40000"/>
+      </a:schemeClr>
+    </dgm:linClrLst>
+    <dgm:effectClrLst/>
+    <dgm:txLinClrLst/>
+    <dgm:txFillClrLst meth="repeat">
+      <a:schemeClr val="dk1"/>
+    </dgm:txFillClrLst>
+    <dgm:txEffectClrLst/>
+  </dgm:styleLbl>
+  <dgm:styleLbl name="fgAcc0">
+    <dgm:fillClrLst meth="repeat">
+      <a:schemeClr val="lt1">
+        <a:alpha val="90000"/>
+      </a:schemeClr>
+    </dgm:fillClrLst>
+    <dgm:linClrLst meth="repeat">
+      <a:schemeClr val="accent1"/>
+    </dgm:linClrLst>
+    <dgm:effectClrLst/>
+    <dgm:txLinClrLst/>
+    <dgm:txFillClrLst meth="repeat">
+      <a:schemeClr val="dk1"/>
+    </dgm:txFillClrLst>
+    <dgm:txEffectClrLst/>
+  </dgm:styleLbl>
+  <dgm:styleLbl name="fgAcc2">
+    <dgm:fillClrLst meth="repeat">
+      <a:schemeClr val="lt1">
+        <a:alpha val="90000"/>
+      </a:schemeClr>
+    </dgm:fillClrLst>
+    <dgm:linClrLst meth="repeat">
+      <a:schemeClr val="accent1"/>
+    </dgm:linClrLst>
+    <dgm:effectClrLst/>
+    <dgm:txLinClrLst/>
+    <dgm:txFillClrLst meth="repeat">
+      <a:schemeClr val="dk1"/>
+    </dgm:txFillClrLst>
+    <dgm:txEffectClrLst/>
+  </dgm:styleLbl>
+  <dgm:styleLbl name="fgAcc3">
+    <dgm:fillClrLst meth="repeat">
+      <a:schemeClr val="lt1">
+        <a:alpha val="90000"/>
+      </a:schemeClr>
+    </dgm:fillClrLst>
+    <dgm:linClrLst meth="repeat">
+      <a:schemeClr val="accent1"/>
+    </dgm:linClrLst>
+    <dgm:effectClrLst/>
+    <dgm:txLinClrLst/>
+    <dgm:txFillClrLst meth="repeat">
+      <a:schemeClr val="dk1"/>
+    </dgm:txFillClrLst>
+    <dgm:txEffectClrLst/>
+  </dgm:styleLbl>
+  <dgm:styleLbl name="fgAcc4">
+    <dgm:fillClrLst meth="repeat">
+      <a:schemeClr val="lt1">
+        <a:alpha val="90000"/>
+      </a:schemeClr>
+    </dgm:fillClrLst>
+    <dgm:linClrLst meth="repeat">
+      <a:schemeClr val="accent1"/>
+    </dgm:linClrLst>
+    <dgm:effectClrLst/>
+    <dgm:txLinClrLst/>
+    <dgm:txFillClrLst meth="repeat">
+      <a:schemeClr val="dk1"/>
+    </dgm:txFillClrLst>
+    <dgm:txEffectClrLst/>
+  </dgm:styleLbl>
+  <dgm:styleLbl name="bgShp">
+    <dgm:fillClrLst meth="repeat">
+      <a:schemeClr val="accent1">
+        <a:tint val="40000"/>
+      </a:schemeClr>
+    </dgm:fillClrLst>
+    <dgm:linClrLst meth="repeat">
+      <a:schemeClr val="accent1"/>
+    </dgm:linClrLst>
+    <dgm:effectClrLst/>
+    <dgm:txLinClrLst/>
+    <dgm:txFillClrLst meth="repeat">
+      <a:schemeClr val="dk1"/>
+    </dgm:txFillClrLst>
+    <dgm:txEffectClrLst/>
+  </dgm:styleLbl>
+  <dgm:styleLbl name="dkBgShp">
+    <dgm:fillClrLst meth="repeat">
+      <a:schemeClr val="accent1">
+        <a:shade val="80000"/>
+      </a:schemeClr>
+    </dgm:fillClrLst>
+    <dgm:linClrLst meth="repeat">
+      <a:schemeClr val="accent1"/>
+    </dgm:linClrLst>
+    <dgm:effectClrLst/>
+    <dgm:txLinClrLst/>
+    <dgm:txFillClrLst meth="repeat">
+      <a:schemeClr val="lt1"/>
+    </dgm:txFillClrLst>
+    <dgm:txEffectClrLst/>
+  </dgm:styleLbl>
+  <dgm:styleLbl name="trBgShp">
+    <dgm:fillClrLst meth="repeat">
+      <a:schemeClr val="accent1">
+        <a:tint val="50000"/>
+        <a:alpha val="40000"/>
+      </a:schemeClr>
+    </dgm:fillClrLst>
+    <dgm:linClrLst meth="repeat">
+      <a:schemeClr val="accent1"/>
+    </dgm:linClrLst>
+    <dgm:effectClrLst/>
+    <dgm:txLinClrLst/>
+    <dgm:txFillClrLst meth="repeat">
+      <a:schemeClr val="lt1"/>
+    </dgm:txFillClrLst>
+    <dgm:txEffectClrLst/>
+  </dgm:styleLbl>
+  <dgm:styleLbl name="fgShp">
+    <dgm:fillClrLst meth="repeat">
+      <a:schemeClr val="accent1">
+        <a:tint val="60000"/>
+      </a:schemeClr>
+    </dgm:fillClrLst>
+    <dgm:linClrLst meth="repeat">
+      <a:schemeClr val="lt1"/>
+    </dgm:linClrLst>
+    <dgm:effectClrLst/>
+    <dgm:txLinClrLst/>
+    <dgm:txFillClrLst meth="repeat">
+      <a:schemeClr val="dk1"/>
+    </dgm:txFillClrLst>
+    <dgm:txEffectClrLst/>
+  </dgm:styleLbl>
+  <dgm:styleLbl name="revTx">
+    <dgm:fillClrLst meth="repeat">
+      <a:schemeClr val="lt1">
+        <a:alpha val="0"/>
+      </a:schemeClr>
+    </dgm:fillClrLst>
+    <dgm:linClrLst meth="repeat">
+      <a:schemeClr val="dk1">
+        <a:alpha val="0"/>
+      </a:schemeClr>
+    </dgm:linClrLst>
+    <dgm:effectClrLst/>
+    <dgm:txLinClrLst/>
+    <dgm:txFillClrLst meth="repeat">
+      <a:schemeClr val="tx1"/>
+    </dgm:txFillClrLst>
+    <dgm:txEffectClrLst/>
+  </dgm:styleLbl>
+</dgm:colorsDef>
+</file>
+
+<file path=ppt/diagrams/colors3.xml><?xml version="1.0" encoding="utf-8"?>
+<dgm:colorsDef xmlns:dgm="http://schemas.openxmlformats.org/drawingml/2006/diagram" xmlns:a="http://schemas.openxmlformats.org/drawingml/2006/main" uniqueId="urn:microsoft.com/office/officeart/2005/8/colors/accent1_2">
+  <dgm:title val=""/>
+  <dgm:desc val=""/>
+  <dgm:catLst>
+    <dgm:cat type="accent1" pri="11200"/>
+  </dgm:catLst>
+  <dgm:styleLbl name="node0">
+    <dgm:fillClrLst meth="repeat">
+      <a:schemeClr val="accent1"/>
+    </dgm:fillClrLst>
+    <dgm:linClrLst meth="repeat">
+      <a:schemeClr val="lt1"/>
+    </dgm:linClrLst>
+    <dgm:effectClrLst/>
+    <dgm:txLinClrLst/>
+    <dgm:txFillClrLst/>
+    <dgm:txEffectClrLst/>
+  </dgm:styleLbl>
+  <dgm:styleLbl name="alignNode1">
+    <dgm:fillClrLst meth="repeat">
+      <a:schemeClr val="accent1"/>
+    </dgm:fillClrLst>
+    <dgm:linClrLst meth="repeat">
+      <a:schemeClr val="accent1"/>
+    </dgm:linClrLst>
+    <dgm:effectClrLst/>
+    <dgm:txLinClrLst/>
+    <dgm:txFillClrLst/>
+    <dgm:txEffectClrLst/>
+  </dgm:styleLbl>
+  <dgm:styleLbl name="node1">
+    <dgm:fillClrLst meth="repeat">
+      <a:schemeClr val="accent1"/>
+    </dgm:fillClrLst>
+    <dgm:linClrLst meth="repeat">
+      <a:schemeClr val="lt1"/>
+    </dgm:linClrLst>
+    <dgm:effectClrLst/>
+    <dgm:txLinClrLst/>
+    <dgm:txFillClrLst/>
+    <dgm:txEffectClrLst/>
+  </dgm:styleLbl>
+  <dgm:styleLbl name="lnNode1">
+    <dgm:fillClrLst meth="repeat">
+      <a:schemeClr val="accent1"/>
+    </dgm:fillClrLst>
+    <dgm:linClrLst meth="repeat">
+      <a:schemeClr val="lt1"/>
+    </dgm:linClrLst>
+    <dgm:effectClrLst/>
+    <dgm:txLinClrLst/>
+    <dgm:txFillClrLst/>
+    <dgm:txEffectClrLst/>
+  </dgm:styleLbl>
+  <dgm:styleLbl name="vennNode1">
+    <dgm:fillClrLst meth="repeat">
+      <a:schemeClr val="accent1">
+        <a:alpha val="50000"/>
+      </a:schemeClr>
+    </dgm:fillClrLst>
+    <dgm:linClrLst meth="repeat">
+      <a:schemeClr val="lt1"/>
+    </dgm:linClrLst>
+    <dgm:effectClrLst/>
+    <dgm:txLinClrLst/>
+    <dgm:txFillClrLst/>
+    <dgm:txEffectClrLst/>
+  </dgm:styleLbl>
+  <dgm:styleLbl name="node2">
+    <dgm:fillClrLst meth="repeat">
+      <a:schemeClr val="accent1"/>
+    </dgm:fillClrLst>
+    <dgm:linClrLst meth="repeat">
+      <a:schemeClr val="lt1"/>
+    </dgm:linClrLst>
+    <dgm:effectClrLst/>
+    <dgm:txLinClrLst/>
+    <dgm:txFillClrLst/>
+    <dgm:txEffectClrLst/>
+  </dgm:styleLbl>
+  <dgm:styleLbl name="node3">
+    <dgm:fillClrLst meth="repeat">
+      <a:schemeClr val="accent1"/>
+    </dgm:fillClrLst>
+    <dgm:linClrLst meth="repeat">
+      <a:schemeClr val="lt1"/>
+    </dgm:linClrLst>
+    <dgm:effectClrLst/>
+    <dgm:txLinClrLst/>
+    <dgm:txFillClrLst/>
+    <dgm:txEffectClrLst/>
+  </dgm:styleLbl>
+  <dgm:styleLbl name="node4">
+    <dgm:fillClrLst meth="repeat">
+      <a:schemeClr val="accent1"/>
+    </dgm:fillClrLst>
+    <dgm:linClrLst meth="repeat">
+      <a:schemeClr val="lt1"/>
+    </dgm:linClrLst>
+    <dgm:effectClrLst/>
+    <dgm:txLinClrLst/>
+    <dgm:txFillClrLst/>
+    <dgm:txEffectClrLst/>
+  </dgm:styleLbl>
+  <dgm:styleLbl name="fgImgPlace1">
+    <dgm:fillClrLst meth="repeat">
+      <a:schemeClr val="accent1">
+        <a:tint val="50000"/>
+      </a:schemeClr>
+    </dgm:fillClrLst>
+    <dgm:linClrLst meth="repeat">
+      <a:schemeClr val="lt1"/>
+    </dgm:linClrLst>
+    <dgm:effectClrLst/>
+    <dgm:txLinClrLst/>
+    <dgm:txFillClrLst meth="repeat">
+      <a:schemeClr val="lt1"/>
+    </dgm:txFillClrLst>
+    <dgm:txEffectClrLst/>
+  </dgm:styleLbl>
+  <dgm:styleLbl name="alignImgPlace1">
+    <dgm:fillClrLst meth="repeat">
+      <a:schemeClr val="accent1">
+        <a:tint val="50000"/>
+      </a:schemeClr>
+    </dgm:fillClrLst>
+    <dgm:linClrLst meth="repeat">
+      <a:schemeClr val="lt1"/>
+    </dgm:linClrLst>
+    <dgm:effectClrLst/>
+    <dgm:txLinClrLst/>
+    <dgm:txFillClrLst meth="repeat">
+      <a:schemeClr val="lt1"/>
+    </dgm:txFillClrLst>
+    <dgm:txEffectClrLst/>
+  </dgm:styleLbl>
+  <dgm:styleLbl name="bgImgPlace1">
+    <dgm:fillClrLst meth="repeat">
+      <a:schemeClr val="accent1">
+        <a:tint val="50000"/>
+      </a:schemeClr>
+    </dgm:fillClrLst>
+    <dgm:linClrLst meth="repeat">
+      <a:schemeClr val="lt1"/>
+    </dgm:linClrLst>
+    <dgm:effectClrLst/>
+    <dgm:txLinClrLst/>
+    <dgm:txFillClrLst meth="repeat">
+      <a:schemeClr val="lt1"/>
+    </dgm:txFillClrLst>
+    <dgm:txEffectClrLst/>
+  </dgm:styleLbl>
+  <dgm:styleLbl name="sibTrans2D1">
+    <dgm:fillClrLst meth="repeat">
+      <a:schemeClr val="accent1">
+        <a:tint val="60000"/>
+      </a:schemeClr>
+    </dgm:fillClrLst>
+    <dgm:linClrLst meth="repeat">
+      <a:schemeClr val="accent1">
+        <a:tint val="60000"/>
+      </a:schemeClr>
+    </dgm:linClrLst>
+    <dgm:effectClrLst/>
+    <dgm:txLinClrLst/>
+    <dgm:txFillClrLst/>
+    <dgm:txEffectClrLst/>
+  </dgm:styleLbl>
+  <dgm:styleLbl name="fgSibTrans2D1">
+    <dgm:fillClrLst meth="repeat">
+      <a:schemeClr val="accent1">
+        <a:tint val="60000"/>
+      </a:schemeClr>
+    </dgm:fillClrLst>
+    <dgm:linClrLst meth="repeat">
+      <a:schemeClr val="accent1">
+        <a:tint val="60000"/>
+      </a:schemeClr>
+    </dgm:linClrLst>
+    <dgm:effectClrLst/>
+    <dgm:txLinClrLst/>
+    <dgm:txFillClrLst/>
+    <dgm:txEffectClrLst/>
+  </dgm:styleLbl>
+  <dgm:styleLbl name="bgSibTrans2D1">
+    <dgm:fillClrLst meth="repeat">
+      <a:schemeClr val="accent1">
+        <a:tint val="60000"/>
+      </a:schemeClr>
+    </dgm:fillClrLst>
+    <dgm:linClrLst meth="repeat">
+      <a:schemeClr val="accent1">
+        <a:tint val="60000"/>
+      </a:schemeClr>
+    </dgm:linClrLst>
+    <dgm:effectClrLst/>
+    <dgm:txLinClrLst/>
+    <dgm:txFillClrLst/>
+    <dgm:txEffectClrLst/>
+  </dgm:styleLbl>
+  <dgm:styleLbl name="sibTrans1D1">
+    <dgm:fillClrLst meth="repeat">
+      <a:schemeClr val="accent1"/>
+    </dgm:fillClrLst>
+    <dgm:linClrLst meth="repeat">
+      <a:schemeClr val="accent1"/>
+    </dgm:linClrLst>
+    <dgm:effectClrLst/>
+    <dgm:txLinClrLst/>
+    <dgm:txFillClrLst meth="repeat">
+      <a:schemeClr val="tx1"/>
+    </dgm:txFillClrLst>
+    <dgm:txEffectClrLst/>
+  </dgm:styleLbl>
+  <dgm:styleLbl name="callout">
+    <dgm:fillClrLst meth="repeat">
+      <a:schemeClr val="accent1"/>
+    </dgm:fillClrLst>
+    <dgm:linClrLst meth="repeat">
+      <a:schemeClr val="accent1">
+        <a:tint val="50000"/>
+      </a:schemeClr>
+    </dgm:linClrLst>
+    <dgm:effectClrLst/>
+    <dgm:txLinClrLst/>
+    <dgm:txFillClrLst meth="repeat">
+      <a:schemeClr val="tx1"/>
+    </dgm:txFillClrLst>
+    <dgm:txEffectClrLst/>
+  </dgm:styleLbl>
+  <dgm:styleLbl name="asst0">
+    <dgm:fillClrLst meth="repeat">
+      <a:schemeClr val="accent1"/>
+    </dgm:fillClrLst>
+    <dgm:linClrLst meth="repeat">
+      <a:schemeClr val="lt1"/>
+    </dgm:linClrLst>
+    <dgm:effectClrLst/>
+    <dgm:txLinClrLst/>
+    <dgm:txFillClrLst/>
+    <dgm:txEffectClrLst/>
+  </dgm:styleLbl>
+  <dgm:styleLbl name="asst1">
+    <dgm:fillClrLst meth="repeat">
+      <a:schemeClr val="accent1"/>
+    </dgm:fillClrLst>
+    <dgm:linClrLst meth="repeat">
+      <a:schemeClr val="lt1"/>
+    </dgm:linClrLst>
+    <dgm:effectClrLst/>
+    <dgm:txLinClrLst/>
+    <dgm:txFillClrLst/>
+    <dgm:txEffectClrLst/>
+  </dgm:styleLbl>
+  <dgm:styleLbl name="asst2">
+    <dgm:fillClrLst meth="repeat">
+      <a:schemeClr val="accent1"/>
+    </dgm:fillClrLst>
+    <dgm:linClrLst meth="repeat">
+      <a:schemeClr val="lt1"/>
+    </dgm:linClrLst>
+    <dgm:effectClrLst/>
+    <dgm:txLinClrLst/>
+    <dgm:txFillClrLst/>
+    <dgm:txEffectClrLst/>
+  </dgm:styleLbl>
+  <dgm:styleLbl name="asst3">
+    <dgm:fillClrLst meth="repeat">
+      <a:schemeClr val="accent1"/>
+    </dgm:fillClrLst>
+    <dgm:linClrLst meth="repeat">
+      <a:schemeClr val="lt1"/>
+    </dgm:linClrLst>
+    <dgm:effectClrLst/>
+    <dgm:txLinClrLst/>
+    <dgm:txFillClrLst/>
+    <dgm:txEffectClrLst/>
+  </dgm:styleLbl>
+  <dgm:styleLbl name="asst4">
+    <dgm:fillClrLst meth="repeat">
+      <a:schemeClr val="accent1"/>
+    </dgm:fillClrLst>
+    <dgm:linClrLst meth="repeat">
+      <a:schemeClr val="lt1"/>
+    </dgm:linClrLst>
+    <dgm:effectClrLst/>
+    <dgm:txLinClrLst/>
+    <dgm:txFillClrLst/>
+    <dgm:txEffectClrLst/>
+  </dgm:styleLbl>
+  <dgm:styleLbl name="parChTrans2D1">
+    <dgm:fillClrLst meth="repeat">
+      <a:schemeClr val="accent1">
+        <a:tint val="60000"/>
+      </a:schemeClr>
+    </dgm:fillClrLst>
+    <dgm:linClrLst meth="repeat">
+      <a:schemeClr val="accent1">
+        <a:tint val="60000"/>
+      </a:schemeClr>
+    </dgm:linClrLst>
+    <dgm:effectClrLst/>
+    <dgm:txLinClrLst/>
+    <dgm:txFillClrLst meth="repeat">
+      <a:schemeClr val="lt1"/>
+    </dgm:txFillClrLst>
+    <dgm:txEffectClrLst/>
+  </dgm:styleLbl>
+  <dgm:styleLbl name="parChTrans2D2">
+    <dgm:fillClrLst meth="repeat">
+      <a:schemeClr val="accent1"/>
+    </dgm:fillClrLst>
+    <dgm:linClrLst meth="repeat">
+      <a:schemeClr val="accent1"/>
+    </dgm:linClrLst>
+    <dgm:effectClrLst/>
+    <dgm:txLinClrLst/>
+    <dgm:txFillClrLst meth="repeat">
+      <a:schemeClr val="lt1"/>
+    </dgm:txFillClrLst>
+    <dgm:txEffectClrLst/>
+  </dgm:styleLbl>
+  <dgm:styleLbl name="parChTrans2D3">
+    <dgm:fillClrLst meth="repeat">
+      <a:schemeClr val="accent1"/>
+    </dgm:fillClrLst>
+    <dgm:linClrLst meth="repeat">
+      <a:schemeClr val="accent1"/>
+    </dgm:linClrLst>
+    <dgm:effectClrLst/>
+    <dgm:txLinClrLst/>
+    <dgm:txFillClrLst meth="repeat">
+      <a:schemeClr val="lt1"/>
+    </dgm:txFillClrLst>
+    <dgm:txEffectClrLst/>
+  </dgm:styleLbl>
+  <dgm:styleLbl name="parChTrans2D4">
+    <dgm:fillClrLst meth="repeat">
+      <a:schemeClr val="accent1"/>
+    </dgm:fillClrLst>
+    <dgm:linClrLst meth="repeat">
+      <a:schemeClr val="accent1"/>
+    </dgm:linClrLst>
+    <dgm:effectClrLst/>
+    <dgm:txLinClrLst/>
+    <dgm:txFillClrLst meth="repeat">
+      <a:schemeClr val="lt1"/>
+    </dgm:txFillClrLst>
+    <dgm:txEffectClrLst/>
+  </dgm:styleLbl>
+  <dgm:styleLbl name="parChTrans1D1">
+    <dgm:fillClrLst meth="repeat">
+      <a:schemeClr val="accent1"/>
+    </dgm:fillClrLst>
+    <dgm:linClrLst meth="repeat">
+      <a:schemeClr val="accent1">
+        <a:shade val="60000"/>
+      </a:schemeClr>
+    </dgm:linClrLst>
+    <dgm:effectClrLst/>
+    <dgm:txLinClrLst/>
+    <dgm:txFillClrLst meth="repeat">
+      <a:schemeClr val="tx1"/>
+    </dgm:txFillClrLst>
+    <dgm:txEffectClrLst/>
+  </dgm:styleLbl>
+  <dgm:styleLbl name="parChTrans1D2">
+    <dgm:fillClrLst meth="repeat">
+      <a:schemeClr val="accent1"/>
+    </dgm:fillClrLst>
+    <dgm:linClrLst meth="repeat">
+      <a:schemeClr val="accent1">
+        <a:shade val="60000"/>
+      </a:schemeClr>
+    </dgm:linClrLst>
+    <dgm:effectClrLst/>
+    <dgm:txLinClrLst/>
+    <dgm:txFillClrLst meth="repeat">
+      <a:schemeClr val="tx1"/>
+    </dgm:txFillClrLst>
+    <dgm:txEffectClrLst/>
+  </dgm:styleLbl>
+  <dgm:styleLbl name="parChTrans1D3">
+    <dgm:fillClrLst meth="repeat">
+      <a:schemeClr val="accent1"/>
+    </dgm:fillClrLst>
+    <dgm:linClrLst meth="repeat">
+      <a:schemeClr val="accent1">
+        <a:shade val="80000"/>
+      </a:schemeClr>
+    </dgm:linClrLst>
+    <dgm:effectClrLst/>
+    <dgm:txLinClrLst/>
+    <dgm:txFillClrLst meth="repeat">
+      <a:schemeClr val="tx1"/>
+    </dgm:txFillClrLst>
+    <dgm:txEffectClrLst/>
+  </dgm:styleLbl>
+  <dgm:styleLbl name="parChTrans1D4">
+    <dgm:fillClrLst meth="repeat">
+      <a:schemeClr val="accent1"/>
+    </dgm:fillClrLst>
+    <dgm:linClrLst meth="repeat">
+      <a:schemeClr val="accent1">
+        <a:shade val="80000"/>
+      </a:schemeClr>
+    </dgm:linClrLst>
+    <dgm:effectClrLst/>
+    <dgm:txLinClrLst/>
+    <dgm:txFillClrLst meth="repeat">
+      <a:schemeClr val="tx1"/>
+    </dgm:txFillClrLst>
+    <dgm:txEffectClrLst/>
+  </dgm:styleLbl>
+  <dgm:styleLbl name="fgAcc1">
+    <dgm:fillClrLst meth="repeat">
+      <a:schemeClr val="lt1">
+        <a:alpha val="90000"/>
+      </a:schemeClr>
+    </dgm:fillClrLst>
+    <dgm:linClrLst meth="repeat">
+      <a:schemeClr val="accent1"/>
+    </dgm:linClrLst>
+    <dgm:effectClrLst/>
+    <dgm:txLinClrLst/>
+    <dgm:txFillClrLst meth="repeat">
+      <a:schemeClr val="dk1"/>
+    </dgm:txFillClrLst>
+    <dgm:txEffectClrLst/>
+  </dgm:styleLbl>
+  <dgm:styleLbl name="conFgAcc1">
+    <dgm:fillClrLst meth="repeat">
+      <a:schemeClr val="lt1">
+        <a:alpha val="90000"/>
+      </a:schemeClr>
+    </dgm:fillClrLst>
+    <dgm:linClrLst meth="repeat">
+      <a:schemeClr val="accent1"/>
+    </dgm:linClrLst>
+    <dgm:effectClrLst/>
+    <dgm:txLinClrLst/>
+    <dgm:txFillClrLst meth="repeat">
+      <a:schemeClr val="dk1"/>
+    </dgm:txFillClrLst>
+    <dgm:txEffectClrLst/>
+  </dgm:styleLbl>
+  <dgm:styleLbl name="alignAcc1">
+    <dgm:fillClrLst meth="repeat">
+      <a:schemeClr val="lt1">
+        <a:alpha val="90000"/>
+      </a:schemeClr>
+    </dgm:fillClrLst>
+    <dgm:linClrLst meth="repeat">
+      <a:schemeClr val="accent1"/>
+    </dgm:linClrLst>
+    <dgm:effectClrLst/>
+    <dgm:txLinClrLst/>
+    <dgm:txFillClrLst meth="repeat">
+      <a:schemeClr val="dk1"/>
+    </dgm:txFillClrLst>
+    <dgm:txEffectClrLst/>
+  </dgm:styleLbl>
+  <dgm:styleLbl name="trAlignAcc1">
+    <dgm:fillClrLst meth="repeat">
+      <a:schemeClr val="lt1">
+        <a:alpha val="40000"/>
+      </a:schemeClr>
+    </dgm:fillClrLst>
+    <dgm:linClrLst meth="repeat">
+      <a:schemeClr val="accent1"/>
+    </dgm:linClrLst>
+    <dgm:effectClrLst/>
+    <dgm:txLinClrLst/>
+    <dgm:txFillClrLst meth="repeat">
+      <a:schemeClr val="dk1"/>
+    </dgm:txFillClrLst>
+    <dgm:txEffectClrLst/>
+  </dgm:styleLbl>
+  <dgm:styleLbl name="bgAcc1">
+    <dgm:fillClrLst meth="repeat">
+      <a:schemeClr val="lt1">
+        <a:alpha val="90000"/>
+      </a:schemeClr>
+    </dgm:fillClrLst>
+    <dgm:linClrLst meth="repeat">
+      <a:schemeClr val="accent1"/>
+    </dgm:linClrLst>
+    <dgm:effectClrLst/>
+    <dgm:txLinClrLst/>
+    <dgm:txFillClrLst meth="repeat">
+      <a:schemeClr val="dk1"/>
+    </dgm:txFillClrLst>
+    <dgm:txEffectClrLst/>
+  </dgm:styleLbl>
+  <dgm:styleLbl name="solidFgAcc1">
+    <dgm:fillClrLst meth="repeat">
+      <a:schemeClr val="lt1"/>
+    </dgm:fillClrLst>
+    <dgm:linClrLst meth="repeat">
+      <a:schemeClr val="accent1"/>
+    </dgm:linClrLst>
+    <dgm:effectClrLst/>
+    <dgm:txLinClrLst/>
+    <dgm:txFillClrLst meth="repeat">
+      <a:schemeClr val="dk1"/>
+    </dgm:txFillClrLst>
+    <dgm:txEffectClrLst/>
+  </dgm:styleLbl>
+  <dgm:styleLbl name="solidAlignAcc1">
+    <dgm:fillClrLst meth="repeat">
+      <a:schemeClr val="lt1"/>
+    </dgm:fillClrLst>
+    <dgm:linClrLst meth="repeat">
+      <a:schemeClr val="accent1"/>
+    </dgm:linClrLst>
+    <dgm:effectClrLst/>
+    <dgm:txLinClrLst/>
+    <dgm:txFillClrLst meth="repeat">
+      <a:schemeClr val="dk1"/>
+    </dgm:txFillClrLst>
+    <dgm:txEffectClrLst/>
+  </dgm:styleLbl>
+  <dgm:styleLbl name="solidBgAcc1">
+    <dgm:fillClrLst meth="repeat">
+      <a:schemeClr val="lt1"/>
+    </dgm:fillClrLst>
+    <dgm:linClrLst meth="repeat">
+      <a:schemeClr val="accent1"/>
+    </dgm:linClrLst>
+    <dgm:effectClrLst/>
+    <dgm:txLinClrLst/>
+    <dgm:txFillClrLst meth="repeat">
+      <a:schemeClr val="dk1"/>
+    </dgm:txFillClrLst>
+    <dgm:txEffectClrLst/>
+  </dgm:styleLbl>
+  <dgm:styleLbl name="fgAccFollowNode1">
+    <dgm:fillClrLst meth="repeat">
+      <a:schemeClr val="accent1">
+        <a:alpha val="90000"/>
+        <a:tint val="40000"/>
+      </a:schemeClr>
+    </dgm:fillClrLst>
+    <dgm:linClrLst meth="repeat">
+      <a:schemeClr val="accent1">
+        <a:alpha val="90000"/>
+        <a:tint val="40000"/>
+      </a:schemeClr>
+    </dgm:linClrLst>
+    <dgm:effectClrLst/>
+    <dgm:txLinClrLst/>
+    <dgm:txFillClrLst meth="repeat">
+      <a:schemeClr val="dk1"/>
+    </dgm:txFillClrLst>
+    <dgm:txEffectClrLst/>
+  </dgm:styleLbl>
+  <dgm:styleLbl name="alignAccFollowNode1">
+    <dgm:fillClrLst meth="repeat">
+      <a:schemeClr val="accent1">
+        <a:alpha val="90000"/>
+        <a:tint val="40000"/>
+      </a:schemeClr>
+    </dgm:fillClrLst>
+    <dgm:linClrLst meth="repeat">
+      <a:schemeClr val="accent1">
+        <a:alpha val="90000"/>
+        <a:tint val="40000"/>
+      </a:schemeClr>
+    </dgm:linClrLst>
+    <dgm:effectClrLst/>
+    <dgm:txLinClrLst/>
+    <dgm:txFillClrLst meth="repeat">
+      <a:schemeClr val="dk1"/>
+    </dgm:txFillClrLst>
+    <dgm:txEffectClrLst/>
+  </dgm:styleLbl>
+  <dgm:styleLbl name="bgAccFollowNode1">
+    <dgm:fillClrLst meth="repeat">
+      <a:schemeClr val="accent1">
+        <a:alpha val="90000"/>
+        <a:tint val="40000"/>
+      </a:schemeClr>
+    </dgm:fillClrLst>
+    <dgm:linClrLst meth="repeat">
+      <a:schemeClr val="accent1">
+        <a:alpha val="90000"/>
+        <a:tint val="40000"/>
+      </a:schemeClr>
+    </dgm:linClrLst>
+    <dgm:effectClrLst/>
+    <dgm:txLinClrLst/>
+    <dgm:txFillClrLst meth="repeat">
+      <a:schemeClr val="dk1"/>
+    </dgm:txFillClrLst>
+    <dgm:txEffectClrLst/>
+  </dgm:styleLbl>
+  <dgm:styleLbl name="fgAcc0">
+    <dgm:fillClrLst meth="repeat">
+      <a:schemeClr val="lt1">
+        <a:alpha val="90000"/>
+      </a:schemeClr>
+    </dgm:fillClrLst>
+    <dgm:linClrLst meth="repeat">
+      <a:schemeClr val="accent1"/>
+    </dgm:linClrLst>
+    <dgm:effectClrLst/>
+    <dgm:txLinClrLst/>
+    <dgm:txFillClrLst meth="repeat">
+      <a:schemeClr val="dk1"/>
+    </dgm:txFillClrLst>
+    <dgm:txEffectClrLst/>
+  </dgm:styleLbl>
+  <dgm:styleLbl name="fgAcc2">
+    <dgm:fillClrLst meth="repeat">
+      <a:schemeClr val="lt1">
+        <a:alpha val="90000"/>
+      </a:schemeClr>
+    </dgm:fillClrLst>
+    <dgm:linClrLst meth="repeat">
+      <a:schemeClr val="accent1"/>
+    </dgm:linClrLst>
+    <dgm:effectClrLst/>
+    <dgm:txLinClrLst/>
+    <dgm:txFillClrLst meth="repeat">
+      <a:schemeClr val="dk1"/>
+    </dgm:txFillClrLst>
+    <dgm:txEffectClrLst/>
+  </dgm:styleLbl>
+  <dgm:styleLbl name="fgAcc3">
+    <dgm:fillClrLst meth="repeat">
+      <a:schemeClr val="lt1">
+        <a:alpha val="90000"/>
+      </a:schemeClr>
+    </dgm:fillClrLst>
+    <dgm:linClrLst meth="repeat">
+      <a:schemeClr val="accent1"/>
+    </dgm:linClrLst>
+    <dgm:effectClrLst/>
+    <dgm:txLinClrLst/>
+    <dgm:txFillClrLst meth="repeat">
+      <a:schemeClr val="dk1"/>
+    </dgm:txFillClrLst>
+    <dgm:txEffectClrLst/>
+  </dgm:styleLbl>
+  <dgm:styleLbl name="fgAcc4">
+    <dgm:fillClrLst meth="repeat">
+      <a:schemeClr val="lt1">
+        <a:alpha val="90000"/>
+      </a:schemeClr>
+    </dgm:fillClrLst>
+    <dgm:linClrLst meth="repeat">
+      <a:schemeClr val="accent1"/>
+    </dgm:linClrLst>
+    <dgm:effectClrLst/>
+    <dgm:txLinClrLst/>
+    <dgm:txFillClrLst meth="repeat">
+      <a:schemeClr val="dk1"/>
+    </dgm:txFillClrLst>
+    <dgm:txEffectClrLst/>
+  </dgm:styleLbl>
+  <dgm:styleLbl name="bgShp">
+    <dgm:fillClrLst meth="repeat">
+      <a:schemeClr val="accent1">
+        <a:tint val="40000"/>
+      </a:schemeClr>
+    </dgm:fillClrLst>
+    <dgm:linClrLst meth="repeat">
+      <a:schemeClr val="accent1"/>
+    </dgm:linClrLst>
+    <dgm:effectClrLst/>
+    <dgm:txLinClrLst/>
+    <dgm:txFillClrLst meth="repeat">
+      <a:schemeClr val="dk1"/>
+    </dgm:txFillClrLst>
+    <dgm:txEffectClrLst/>
+  </dgm:styleLbl>
+  <dgm:styleLbl name="dkBgShp">
+    <dgm:fillClrLst meth="repeat">
+      <a:schemeClr val="accent1">
+        <a:shade val="80000"/>
+      </a:schemeClr>
+    </dgm:fillClrLst>
+    <dgm:linClrLst meth="repeat">
+      <a:schemeClr val="accent1"/>
+    </dgm:linClrLst>
+    <dgm:effectClrLst/>
+    <dgm:txLinClrLst/>
+    <dgm:txFillClrLst meth="repeat">
+      <a:schemeClr val="lt1"/>
+    </dgm:txFillClrLst>
+    <dgm:txEffectClrLst/>
+  </dgm:styleLbl>
+  <dgm:styleLbl name="trBgShp">
+    <dgm:fillClrLst meth="repeat">
+      <a:schemeClr val="accent1">
+        <a:tint val="50000"/>
+        <a:alpha val="40000"/>
+      </a:schemeClr>
+    </dgm:fillClrLst>
+    <dgm:linClrLst meth="repeat">
+      <a:schemeClr val="accent1"/>
+    </dgm:linClrLst>
+    <dgm:effectClrLst/>
+    <dgm:txLinClrLst/>
+    <dgm:txFillClrLst meth="repeat">
+      <a:schemeClr val="lt1"/>
+    </dgm:txFillClrLst>
+    <dgm:txEffectClrLst/>
+  </dgm:styleLbl>
+  <dgm:styleLbl name="fgShp">
+    <dgm:fillClrLst meth="repeat">
+      <a:schemeClr val="accent1">
+        <a:tint val="60000"/>
+      </a:schemeClr>
+    </dgm:fillClrLst>
+    <dgm:linClrLst meth="repeat">
+      <a:schemeClr val="lt1"/>
+    </dgm:linClrLst>
+    <dgm:effectClrLst/>
+    <dgm:txLinClrLst/>
+    <dgm:txFillClrLst meth="repeat">
+      <a:schemeClr val="dk1"/>
+    </dgm:txFillClrLst>
+    <dgm:txEffectClrLst/>
+  </dgm:styleLbl>
+  <dgm:styleLbl name="revTx">
+    <dgm:fillClrLst meth="repeat">
+      <a:schemeClr val="lt1">
+        <a:alpha val="0"/>
+      </a:schemeClr>
+    </dgm:fillClrLst>
+    <dgm:linClrLst meth="repeat">
+      <a:schemeClr val="dk1">
+        <a:alpha val="0"/>
+      </a:schemeClr>
+    </dgm:linClrLst>
+    <dgm:effectClrLst/>
+    <dgm:txLinClrLst/>
+    <dgm:txFillClrLst meth="repeat">
+      <a:schemeClr val="tx1"/>
+    </dgm:txFillClrLst>
+    <dgm:txEffectClrLst/>
+  </dgm:styleLbl>
+</dgm:colorsDef>
+</file>
+
+<file path=ppt/diagrams/data1.xml><?xml version="1.0" encoding="utf-8"?>
+<dgm:dataModel xmlns:dgm="http://schemas.openxmlformats.org/drawingml/2006/diagram" xmlns:a="http://schemas.openxmlformats.org/drawingml/2006/main">
+  <dgm:ptLst>
+    <dgm:pt modelId="{7E140F5A-F317-4611-8CDC-6550E4977FCC}" type="doc">
+      <dgm:prSet loTypeId="urn:microsoft.com/office/officeart/2008/layout/TitledPictureBlocks" loCatId="picture" qsTypeId="urn:microsoft.com/office/officeart/2005/8/quickstyle/simple1" qsCatId="simple" csTypeId="urn:microsoft.com/office/officeart/2005/8/colors/accent1_2" csCatId="accent1" phldr="1"/>
+      <dgm:spPr/>
+    </dgm:pt>
+    <dgm:pt modelId="{30048F9D-3315-4F4F-83B9-5D5BBBB08234}">
+      <dgm:prSet phldrT="[Text]"/>
+      <dgm:spPr/>
+      <dgm:t>
+        <a:bodyPr/>
+        <a:lstStyle/>
+        <a:p>
+          <a:r>
+            <a:rPr lang="en-US" dirty="0" smtClean="0"/>
+            <a:t>Figure 1 – </a:t>
+          </a:r>
+          <a:r>
+            <a:rPr lang="en-US" smtClean="0"/>
+            <a:t>Finite Automaton</a:t>
+          </a:r>
+          <a:endParaRPr lang="en-US"/>
+        </a:p>
+      </dgm:t>
+    </dgm:pt>
+    <dgm:pt modelId="{E138022F-9324-4E55-87A8-87401629ED7B}" type="parTrans" cxnId="{FC04EE92-4537-48ED-9C84-833EDD445402}">
+      <dgm:prSet/>
+      <dgm:spPr/>
+      <dgm:t>
+        <a:bodyPr/>
+        <a:lstStyle/>
+        <a:p>
+          <a:endParaRPr lang="en-US"/>
+        </a:p>
+      </dgm:t>
+    </dgm:pt>
+    <dgm:pt modelId="{BA0A11C5-3F8F-4ADC-B649-93BE1D61B575}" type="sibTrans" cxnId="{FC04EE92-4537-48ED-9C84-833EDD445402}">
+      <dgm:prSet/>
+      <dgm:spPr/>
+      <dgm:t>
+        <a:bodyPr/>
+        <a:lstStyle/>
+        <a:p>
+          <a:endParaRPr lang="en-US"/>
+        </a:p>
+      </dgm:t>
+    </dgm:pt>
+    <dgm:pt modelId="{2C7F2E53-5C5B-4E2E-BC7C-573E14ABC9DE}" type="pres">
+      <dgm:prSet presAssocID="{7E140F5A-F317-4611-8CDC-6550E4977FCC}" presName="rootNode" presStyleCnt="0">
+        <dgm:presLayoutVars>
+          <dgm:chMax/>
+          <dgm:chPref/>
+          <dgm:dir/>
+          <dgm:animLvl val="lvl"/>
+        </dgm:presLayoutVars>
+      </dgm:prSet>
+      <dgm:spPr/>
+    </dgm:pt>
+    <dgm:pt modelId="{AA76B62F-8DF5-46D1-8AFD-2B915E60C7D2}" type="pres">
+      <dgm:prSet presAssocID="{30048F9D-3315-4F4F-83B9-5D5BBBB08234}" presName="composite" presStyleCnt="0"/>
+      <dgm:spPr/>
+    </dgm:pt>
+    <dgm:pt modelId="{4EF1F691-C759-4249-83B9-1B98636C629C}" type="pres">
+      <dgm:prSet presAssocID="{30048F9D-3315-4F4F-83B9-5D5BBBB08234}" presName="ParentText" presStyleLbl="node1" presStyleIdx="0" presStyleCnt="1">
+        <dgm:presLayoutVars>
+          <dgm:chMax val="1"/>
+          <dgm:chPref val="1"/>
+          <dgm:bulletEnabled val="1"/>
+        </dgm:presLayoutVars>
+      </dgm:prSet>
+      <dgm:spPr/>
+      <dgm:t>
+        <a:bodyPr/>
+        <a:lstStyle/>
+        <a:p>
+          <a:endParaRPr lang="en-US"/>
+        </a:p>
+      </dgm:t>
+    </dgm:pt>
+    <dgm:pt modelId="{9036A515-BB40-4EE9-B398-A563A5434D64}" type="pres">
+      <dgm:prSet presAssocID="{30048F9D-3315-4F4F-83B9-5D5BBBB08234}" presName="Image" presStyleLbl="bgImgPlace1" presStyleIdx="0" presStyleCnt="1" custScaleX="172808" custScaleY="138447"/>
+      <dgm:spPr>
+        <a:blipFill dpi="0" rotWithShape="1">
+          <a:blip xmlns:r="http://schemas.openxmlformats.org/officeDocument/2006/relationships" r:embed="rId1"/>
+          <a:srcRect/>
+          <a:stretch>
+            <a:fillRect l="4420" t="9418" r="-4420" b="-10460"/>
+          </a:stretch>
+        </a:blipFill>
+      </dgm:spPr>
+      <dgm:extLst>
+        <a:ext uri="{E40237B7-FDA0-4F09-8148-C483321AD2D9}">
+          <dgm14:cNvPr xmlns:dgm14="http://schemas.microsoft.com/office/drawing/2010/diagram" id="0" name="" descr="http://upload.wikimedia.org/wikipedia/commons/thumb/2/2a/CPT-FSM-abcd.svg/326px-CPT-FSM-abcd.svg.png"/>
+        </a:ext>
+      </dgm:extLst>
+    </dgm:pt>
+    <dgm:pt modelId="{37BFC922-3C5E-4600-B8F7-1F4AA4B1D941}" type="pres">
+      <dgm:prSet presAssocID="{30048F9D-3315-4F4F-83B9-5D5BBBB08234}" presName="ChildText" presStyleLbl="fgAcc1" presStyleIdx="0" presStyleCnt="0">
+        <dgm:presLayoutVars>
+          <dgm:chMax val="0"/>
+          <dgm:chPref val="0"/>
+          <dgm:bulletEnabled val="1"/>
+        </dgm:presLayoutVars>
+      </dgm:prSet>
+      <dgm:spPr/>
+    </dgm:pt>
+  </dgm:ptLst>
+  <dgm:cxnLst>
+    <dgm:cxn modelId="{FC04EE92-4537-48ED-9C84-833EDD445402}" srcId="{7E140F5A-F317-4611-8CDC-6550E4977FCC}" destId="{30048F9D-3315-4F4F-83B9-5D5BBBB08234}" srcOrd="0" destOrd="0" parTransId="{E138022F-9324-4E55-87A8-87401629ED7B}" sibTransId="{BA0A11C5-3F8F-4ADC-B649-93BE1D61B575}"/>
+    <dgm:cxn modelId="{C7A1DF9B-0A7E-439B-8870-B76648418D35}" type="presOf" srcId="{30048F9D-3315-4F4F-83B9-5D5BBBB08234}" destId="{4EF1F691-C759-4249-83B9-1B98636C629C}" srcOrd="0" destOrd="0" presId="urn:microsoft.com/office/officeart/2008/layout/TitledPictureBlocks"/>
+    <dgm:cxn modelId="{BF20758B-2CB2-4F32-8E68-01B1D7676415}" type="presOf" srcId="{7E140F5A-F317-4611-8CDC-6550E4977FCC}" destId="{2C7F2E53-5C5B-4E2E-BC7C-573E14ABC9DE}" srcOrd="0" destOrd="0" presId="urn:microsoft.com/office/officeart/2008/layout/TitledPictureBlocks"/>
+    <dgm:cxn modelId="{C9F49C55-5521-48B7-A7D0-1B24A037298F}" type="presParOf" srcId="{2C7F2E53-5C5B-4E2E-BC7C-573E14ABC9DE}" destId="{AA76B62F-8DF5-46D1-8AFD-2B915E60C7D2}" srcOrd="0" destOrd="0" presId="urn:microsoft.com/office/officeart/2008/layout/TitledPictureBlocks"/>
+    <dgm:cxn modelId="{BECDF260-F8D2-4A30-8592-5D3BC5B0FABE}" type="presParOf" srcId="{AA76B62F-8DF5-46D1-8AFD-2B915E60C7D2}" destId="{4EF1F691-C759-4249-83B9-1B98636C629C}" srcOrd="0" destOrd="0" presId="urn:microsoft.com/office/officeart/2008/layout/TitledPictureBlocks"/>
+    <dgm:cxn modelId="{17FE1CD8-80F1-4B52-A2AA-A47A2AAEA258}" type="presParOf" srcId="{AA76B62F-8DF5-46D1-8AFD-2B915E60C7D2}" destId="{9036A515-BB40-4EE9-B398-A563A5434D64}" srcOrd="1" destOrd="0" presId="urn:microsoft.com/office/officeart/2008/layout/TitledPictureBlocks"/>
+    <dgm:cxn modelId="{8A7BF495-3DA9-48E1-BCC5-BC167C18610F}" type="presParOf" srcId="{AA76B62F-8DF5-46D1-8AFD-2B915E60C7D2}" destId="{37BFC922-3C5E-4600-B8F7-1F4AA4B1D941}" srcOrd="2" destOrd="0" presId="urn:microsoft.com/office/officeart/2008/layout/TitledPictureBlocks"/>
+  </dgm:cxnLst>
+  <dgm:bg/>
+  <dgm:whole/>
+  <dgm:extLst>
+    <a:ext uri="http://schemas.microsoft.com/office/drawing/2008/diagram">
+      <dsp:dataModelExt xmlns:dsp="http://schemas.microsoft.com/office/drawing/2008/diagram" relId="rId6" minVer="http://schemas.openxmlformats.org/drawingml/2006/diagram"/>
+    </a:ext>
+  </dgm:extLst>
+</dgm:dataModel>
+</file>
+
+<file path=ppt/diagrams/data2.xml><?xml version="1.0" encoding="utf-8"?>
+<dgm:dataModel xmlns:dgm="http://schemas.openxmlformats.org/drawingml/2006/diagram" xmlns:a="http://schemas.openxmlformats.org/drawingml/2006/main">
+  <dgm:ptLst>
+    <dgm:pt modelId="{1F0853FF-997D-4D75-BC95-B9255BDB5A73}" type="doc">
+      <dgm:prSet loTypeId="urn:microsoft.com/office/officeart/2008/layout/TitledPictureBlocks" loCatId="picture" qsTypeId="urn:microsoft.com/office/officeart/2005/8/quickstyle/simple1" qsCatId="simple" csTypeId="urn:microsoft.com/office/officeart/2005/8/colors/accent1_2" csCatId="accent1" phldr="1"/>
+      <dgm:spPr/>
+    </dgm:pt>
+    <dgm:pt modelId="{4F2205F7-EEE0-4893-8E19-DAED463A2C6E}">
+      <dgm:prSet phldrT="[Text]"/>
+      <dgm:spPr/>
+      <dgm:t>
+        <a:bodyPr/>
+        <a:lstStyle/>
+        <a:p>
+          <a:r>
+            <a:rPr lang="en-US" dirty="0" smtClean="0"/>
+            <a:t>Figure 2 - Node.js Event Processing Model</a:t>
+          </a:r>
+          <a:endParaRPr lang="en-US" dirty="0"/>
+        </a:p>
+      </dgm:t>
+    </dgm:pt>
+    <dgm:pt modelId="{EFF11EC0-C57A-4E8C-B8EF-BA0C0425D37C}" type="parTrans" cxnId="{B585D329-459D-4DED-84FF-6824F2FB69F1}">
+      <dgm:prSet/>
+      <dgm:spPr/>
+      <dgm:t>
+        <a:bodyPr/>
+        <a:lstStyle/>
+        <a:p>
+          <a:endParaRPr lang="en-US"/>
+        </a:p>
+      </dgm:t>
+    </dgm:pt>
+    <dgm:pt modelId="{F1BF4FC6-2F28-4904-B0A7-A604DEA22751}" type="sibTrans" cxnId="{B585D329-459D-4DED-84FF-6824F2FB69F1}">
+      <dgm:prSet/>
+      <dgm:spPr/>
+      <dgm:t>
+        <a:bodyPr/>
+        <a:lstStyle/>
+        <a:p>
+          <a:endParaRPr lang="en-US"/>
+        </a:p>
+      </dgm:t>
+    </dgm:pt>
+    <dgm:pt modelId="{909F55AE-B451-49DF-AC11-96FD41484B18}" type="pres">
+      <dgm:prSet presAssocID="{1F0853FF-997D-4D75-BC95-B9255BDB5A73}" presName="rootNode" presStyleCnt="0">
+        <dgm:presLayoutVars>
+          <dgm:chMax/>
+          <dgm:chPref/>
+          <dgm:dir/>
+          <dgm:animLvl val="lvl"/>
+        </dgm:presLayoutVars>
+      </dgm:prSet>
+      <dgm:spPr/>
+    </dgm:pt>
+    <dgm:pt modelId="{C7BF6226-3F35-4C96-B805-6EC52EA23C62}" type="pres">
+      <dgm:prSet presAssocID="{4F2205F7-EEE0-4893-8E19-DAED463A2C6E}" presName="composite" presStyleCnt="0"/>
+      <dgm:spPr/>
+    </dgm:pt>
+    <dgm:pt modelId="{00F4BEE8-FBC1-4001-9FAE-928A4D34FA91}" type="pres">
+      <dgm:prSet presAssocID="{4F2205F7-EEE0-4893-8E19-DAED463A2C6E}" presName="ParentText" presStyleLbl="node1" presStyleIdx="0" presStyleCnt="1">
+        <dgm:presLayoutVars>
+          <dgm:chMax val="1"/>
+          <dgm:chPref val="1"/>
+          <dgm:bulletEnabled val="1"/>
+        </dgm:presLayoutVars>
+      </dgm:prSet>
+      <dgm:spPr/>
+      <dgm:t>
+        <a:bodyPr/>
+        <a:lstStyle/>
+        <a:p>
+          <a:endParaRPr lang="en-US"/>
+        </a:p>
+      </dgm:t>
+    </dgm:pt>
+    <dgm:pt modelId="{1AE7535C-7885-40C4-85D9-F276DBB86706}" type="pres">
+      <dgm:prSet presAssocID="{4F2205F7-EEE0-4893-8E19-DAED463A2C6E}" presName="Image" presStyleLbl="bgImgPlace1" presStyleIdx="0" presStyleCnt="1" custScaleX="155750" custScaleY="104556"/>
+      <dgm:spPr>
+        <a:blipFill dpi="0" rotWithShape="1">
+          <a:blip xmlns:r="http://schemas.openxmlformats.org/officeDocument/2006/relationships" r:embed="rId1">
+            <a:extLst>
+              <a:ext uri="{28A0092B-C50C-407E-A947-70E740481C1C}">
+                <a14:useLocalDpi xmlns:a14="http://schemas.microsoft.com/office/drawing/2010/main" val="0"/>
+              </a:ext>
+            </a:extLst>
+          </a:blip>
+          <a:srcRect/>
+          <a:stretch>
+            <a:fillRect l="-3852" t="791" r="-3852" b="791"/>
+          </a:stretch>
+        </a:blipFill>
+      </dgm:spPr>
+      <dgm:extLst>
+        <a:ext uri="{E40237B7-FDA0-4F09-8148-C483321AD2D9}">
+          <dgm14:cNvPr xmlns:dgm14="http://schemas.microsoft.com/office/drawing/2010/diagram" id="0" name="" descr="C:\Users\Dustin\Desktop\Node Event Processing.png"/>
+        </a:ext>
+      </dgm:extLst>
+    </dgm:pt>
+    <dgm:pt modelId="{B285D2E2-A281-4DF6-9720-814BB60221F7}" type="pres">
+      <dgm:prSet presAssocID="{4F2205F7-EEE0-4893-8E19-DAED463A2C6E}" presName="ChildText" presStyleLbl="fgAcc1" presStyleIdx="0" presStyleCnt="0">
+        <dgm:presLayoutVars>
+          <dgm:chMax val="0"/>
+          <dgm:chPref val="0"/>
+          <dgm:bulletEnabled val="1"/>
+        </dgm:presLayoutVars>
+      </dgm:prSet>
+      <dgm:spPr/>
+    </dgm:pt>
+  </dgm:ptLst>
+  <dgm:cxnLst>
+    <dgm:cxn modelId="{A512A515-F51C-4623-B80E-0FEEDBA12724}" type="presOf" srcId="{1F0853FF-997D-4D75-BC95-B9255BDB5A73}" destId="{909F55AE-B451-49DF-AC11-96FD41484B18}" srcOrd="0" destOrd="0" presId="urn:microsoft.com/office/officeart/2008/layout/TitledPictureBlocks"/>
+    <dgm:cxn modelId="{CD9764F9-9D95-4133-A9E3-D71BCC5FE267}" type="presOf" srcId="{4F2205F7-EEE0-4893-8E19-DAED463A2C6E}" destId="{00F4BEE8-FBC1-4001-9FAE-928A4D34FA91}" srcOrd="0" destOrd="0" presId="urn:microsoft.com/office/officeart/2008/layout/TitledPictureBlocks"/>
+    <dgm:cxn modelId="{B585D329-459D-4DED-84FF-6824F2FB69F1}" srcId="{1F0853FF-997D-4D75-BC95-B9255BDB5A73}" destId="{4F2205F7-EEE0-4893-8E19-DAED463A2C6E}" srcOrd="0" destOrd="0" parTransId="{EFF11EC0-C57A-4E8C-B8EF-BA0C0425D37C}" sibTransId="{F1BF4FC6-2F28-4904-B0A7-A604DEA22751}"/>
+    <dgm:cxn modelId="{88678176-0ADB-4BAE-9702-2A00051A2CDE}" type="presParOf" srcId="{909F55AE-B451-49DF-AC11-96FD41484B18}" destId="{C7BF6226-3F35-4C96-B805-6EC52EA23C62}" srcOrd="0" destOrd="0" presId="urn:microsoft.com/office/officeart/2008/layout/TitledPictureBlocks"/>
+    <dgm:cxn modelId="{53820DB0-9101-409D-8B7B-BCC87FD8A9C8}" type="presParOf" srcId="{C7BF6226-3F35-4C96-B805-6EC52EA23C62}" destId="{00F4BEE8-FBC1-4001-9FAE-928A4D34FA91}" srcOrd="0" destOrd="0" presId="urn:microsoft.com/office/officeart/2008/layout/TitledPictureBlocks"/>
+    <dgm:cxn modelId="{B7710546-AA80-438D-8627-5DA8E1382431}" type="presParOf" srcId="{C7BF6226-3F35-4C96-B805-6EC52EA23C62}" destId="{1AE7535C-7885-40C4-85D9-F276DBB86706}" srcOrd="1" destOrd="0" presId="urn:microsoft.com/office/officeart/2008/layout/TitledPictureBlocks"/>
+    <dgm:cxn modelId="{83F46C53-2896-4AF1-A640-F439AADCA414}" type="presParOf" srcId="{C7BF6226-3F35-4C96-B805-6EC52EA23C62}" destId="{B285D2E2-A281-4DF6-9720-814BB60221F7}" srcOrd="2" destOrd="0" presId="urn:microsoft.com/office/officeart/2008/layout/TitledPictureBlocks"/>
+  </dgm:cxnLst>
+  <dgm:bg/>
+  <dgm:whole/>
+  <dgm:extLst>
+    <a:ext uri="http://schemas.microsoft.com/office/drawing/2008/diagram">
+      <dsp:dataModelExt xmlns:dsp="http://schemas.microsoft.com/office/drawing/2008/diagram" relId="rId6" minVer="http://schemas.openxmlformats.org/drawingml/2006/diagram"/>
+    </a:ext>
+  </dgm:extLst>
+</dgm:dataModel>
+</file>
+
+<file path=ppt/diagrams/data3.xml><?xml version="1.0" encoding="utf-8"?>
+<dgm:dataModel xmlns:dgm="http://schemas.openxmlformats.org/drawingml/2006/diagram" xmlns:a="http://schemas.openxmlformats.org/drawingml/2006/main">
+  <dgm:ptLst>
+    <dgm:pt modelId="{1F0853FF-997D-4D75-BC95-B9255BDB5A73}" type="doc">
+      <dgm:prSet loTypeId="urn:microsoft.com/office/officeart/2008/layout/TitledPictureBlocks" loCatId="picture" qsTypeId="urn:microsoft.com/office/officeart/2005/8/quickstyle/simple1" qsCatId="simple" csTypeId="urn:microsoft.com/office/officeart/2005/8/colors/accent1_2" csCatId="accent1" phldr="1"/>
+      <dgm:spPr/>
+    </dgm:pt>
+    <dgm:pt modelId="{4F2205F7-EEE0-4893-8E19-DAED463A2C6E}">
+      <dgm:prSet phldrT="[Text]"/>
+      <dgm:spPr/>
+      <dgm:t>
+        <a:bodyPr/>
+        <a:lstStyle/>
+        <a:p>
+          <a:r>
+            <a:rPr lang="en-US" dirty="0" smtClean="0"/>
+            <a:t>Figure </a:t>
+          </a:r>
+          <a:r>
+            <a:rPr lang="en-US" dirty="0" smtClean="0"/>
+            <a:t>3 – FSM User &amp; Graph Documents</a:t>
+          </a:r>
+          <a:endParaRPr lang="en-US" dirty="0"/>
+        </a:p>
+      </dgm:t>
+    </dgm:pt>
+    <dgm:pt modelId="{EFF11EC0-C57A-4E8C-B8EF-BA0C0425D37C}" type="parTrans" cxnId="{B585D329-459D-4DED-84FF-6824F2FB69F1}">
+      <dgm:prSet/>
+      <dgm:spPr/>
+      <dgm:t>
+        <a:bodyPr/>
+        <a:lstStyle/>
+        <a:p>
+          <a:endParaRPr lang="en-US"/>
+        </a:p>
+      </dgm:t>
+    </dgm:pt>
+    <dgm:pt modelId="{F1BF4FC6-2F28-4904-B0A7-A604DEA22751}" type="sibTrans" cxnId="{B585D329-459D-4DED-84FF-6824F2FB69F1}">
+      <dgm:prSet/>
+      <dgm:spPr/>
+      <dgm:t>
+        <a:bodyPr/>
+        <a:lstStyle/>
+        <a:p>
+          <a:endParaRPr lang="en-US"/>
+        </a:p>
+      </dgm:t>
+    </dgm:pt>
+    <dgm:pt modelId="{909F55AE-B451-49DF-AC11-96FD41484B18}" type="pres">
+      <dgm:prSet presAssocID="{1F0853FF-997D-4D75-BC95-B9255BDB5A73}" presName="rootNode" presStyleCnt="0">
+        <dgm:presLayoutVars>
+          <dgm:chMax/>
+          <dgm:chPref/>
+          <dgm:dir/>
+          <dgm:animLvl val="lvl"/>
+        </dgm:presLayoutVars>
+      </dgm:prSet>
+      <dgm:spPr/>
+    </dgm:pt>
+    <dgm:pt modelId="{C7BF6226-3F35-4C96-B805-6EC52EA23C62}" type="pres">
+      <dgm:prSet presAssocID="{4F2205F7-EEE0-4893-8E19-DAED463A2C6E}" presName="composite" presStyleCnt="0"/>
+      <dgm:spPr/>
+    </dgm:pt>
+    <dgm:pt modelId="{00F4BEE8-FBC1-4001-9FAE-928A4D34FA91}" type="pres">
+      <dgm:prSet presAssocID="{4F2205F7-EEE0-4893-8E19-DAED463A2C6E}" presName="ParentText" presStyleLbl="node1" presStyleIdx="0" presStyleCnt="1">
+        <dgm:presLayoutVars>
+          <dgm:chMax val="1"/>
+          <dgm:chPref val="1"/>
+          <dgm:bulletEnabled val="1"/>
+        </dgm:presLayoutVars>
+      </dgm:prSet>
+      <dgm:spPr/>
+      <dgm:t>
+        <a:bodyPr/>
+        <a:lstStyle/>
+        <a:p>
+          <a:endParaRPr lang="en-US"/>
+        </a:p>
+      </dgm:t>
+    </dgm:pt>
+    <dgm:pt modelId="{1AE7535C-7885-40C4-85D9-F276DBB86706}" type="pres">
+      <dgm:prSet presAssocID="{4F2205F7-EEE0-4893-8E19-DAED463A2C6E}" presName="Image" presStyleLbl="bgImgPlace1" presStyleIdx="0" presStyleCnt="1" custScaleX="168285" custScaleY="104556"/>
+      <dgm:spPr>
+        <a:blipFill rotWithShape="1">
+          <a:blip xmlns:r="http://schemas.openxmlformats.org/officeDocument/2006/relationships" r:embed="rId1"/>
+          <a:stretch>
+            <a:fillRect/>
+          </a:stretch>
+        </a:blipFill>
+      </dgm:spPr>
+      <dgm:extLst/>
+    </dgm:pt>
+    <dgm:pt modelId="{B285D2E2-A281-4DF6-9720-814BB60221F7}" type="pres">
+      <dgm:prSet presAssocID="{4F2205F7-EEE0-4893-8E19-DAED463A2C6E}" presName="ChildText" presStyleLbl="fgAcc1" presStyleIdx="0" presStyleCnt="0">
+        <dgm:presLayoutVars>
+          <dgm:chMax val="0"/>
+          <dgm:chPref val="0"/>
+          <dgm:bulletEnabled val="1"/>
+        </dgm:presLayoutVars>
+      </dgm:prSet>
+      <dgm:spPr/>
+    </dgm:pt>
+  </dgm:ptLst>
+  <dgm:cxnLst>
+    <dgm:cxn modelId="{3818DE2C-4DA8-47F6-9DCD-C6A01F00949C}" type="presOf" srcId="{1F0853FF-997D-4D75-BC95-B9255BDB5A73}" destId="{909F55AE-B451-49DF-AC11-96FD41484B18}" srcOrd="0" destOrd="0" presId="urn:microsoft.com/office/officeart/2008/layout/TitledPictureBlocks"/>
+    <dgm:cxn modelId="{B585D329-459D-4DED-84FF-6824F2FB69F1}" srcId="{1F0853FF-997D-4D75-BC95-B9255BDB5A73}" destId="{4F2205F7-EEE0-4893-8E19-DAED463A2C6E}" srcOrd="0" destOrd="0" parTransId="{EFF11EC0-C57A-4E8C-B8EF-BA0C0425D37C}" sibTransId="{F1BF4FC6-2F28-4904-B0A7-A604DEA22751}"/>
+    <dgm:cxn modelId="{6214A4E9-9575-455B-9DD6-958AC1D49C7C}" type="presOf" srcId="{4F2205F7-EEE0-4893-8E19-DAED463A2C6E}" destId="{00F4BEE8-FBC1-4001-9FAE-928A4D34FA91}" srcOrd="0" destOrd="0" presId="urn:microsoft.com/office/officeart/2008/layout/TitledPictureBlocks"/>
+    <dgm:cxn modelId="{A3824D7A-2F38-4CD7-A5E9-737126ABD482}" type="presParOf" srcId="{909F55AE-B451-49DF-AC11-96FD41484B18}" destId="{C7BF6226-3F35-4C96-B805-6EC52EA23C62}" srcOrd="0" destOrd="0" presId="urn:microsoft.com/office/officeart/2008/layout/TitledPictureBlocks"/>
+    <dgm:cxn modelId="{98102EAA-25BE-4DA6-9778-600157EAC3CA}" type="presParOf" srcId="{C7BF6226-3F35-4C96-B805-6EC52EA23C62}" destId="{00F4BEE8-FBC1-4001-9FAE-928A4D34FA91}" srcOrd="0" destOrd="0" presId="urn:microsoft.com/office/officeart/2008/layout/TitledPictureBlocks"/>
+    <dgm:cxn modelId="{D737ADD9-BB41-42E4-82E6-D643C7727D6B}" type="presParOf" srcId="{C7BF6226-3F35-4C96-B805-6EC52EA23C62}" destId="{1AE7535C-7885-40C4-85D9-F276DBB86706}" srcOrd="1" destOrd="0" presId="urn:microsoft.com/office/officeart/2008/layout/TitledPictureBlocks"/>
+    <dgm:cxn modelId="{E8C9EFD1-C784-42AB-A7EE-8132C8C0CE16}" type="presParOf" srcId="{C7BF6226-3F35-4C96-B805-6EC52EA23C62}" destId="{B285D2E2-A281-4DF6-9720-814BB60221F7}" srcOrd="2" destOrd="0" presId="urn:microsoft.com/office/officeart/2008/layout/TitledPictureBlocks"/>
+  </dgm:cxnLst>
+  <dgm:bg/>
+  <dgm:whole/>
+  <dgm:extLst>
+    <a:ext uri="http://schemas.microsoft.com/office/drawing/2008/diagram">
+      <dsp:dataModelExt xmlns:dsp="http://schemas.microsoft.com/office/drawing/2008/diagram" relId="rId6" minVer="http://schemas.openxmlformats.org/drawingml/2006/diagram"/>
+    </a:ext>
+  </dgm:extLst>
+</dgm:dataModel>
+</file>
+
+<file path=ppt/diagrams/drawing1.xml><?xml version="1.0" encoding="utf-8"?>
+<dsp:drawing xmlns:dgm="http://schemas.openxmlformats.org/drawingml/2006/diagram" xmlns:dsp="http://schemas.microsoft.com/office/drawing/2008/diagram" xmlns:a="http://schemas.openxmlformats.org/drawingml/2006/main">
+  <dsp:spTree>
+    <dsp:nvGrpSpPr>
+      <dsp:cNvPr id="0" name=""/>
+      <dsp:cNvGrpSpPr/>
+    </dsp:nvGrpSpPr>
+    <dsp:grpSpPr/>
+    <dsp:sp modelId="{9036A515-BB40-4EE9-B398-A563A5434D64}">
+      <dsp:nvSpPr>
+        <dsp:cNvPr id="0" name=""/>
+        <dsp:cNvSpPr/>
+      </dsp:nvSpPr>
+      <dsp:spPr>
+        <a:xfrm>
+          <a:off x="4662" y="2"/>
+          <a:ext cx="8274703" cy="5617023"/>
+        </a:xfrm>
+        <a:prstGeom prst="rect">
+          <a:avLst/>
+        </a:prstGeom>
+        <a:blipFill dpi="0" rotWithShape="1">
+          <a:blip xmlns:r="http://schemas.openxmlformats.org/officeDocument/2006/relationships" r:embed="rId1"/>
+          <a:srcRect/>
+          <a:stretch>
+            <a:fillRect l="4420" t="9418" r="-4420" b="-10460"/>
+          </a:stretch>
+        </a:blipFill>
+        <a:ln w="10795" cap="flat" cmpd="sng" algn="ctr">
+          <a:solidFill>
+            <a:schemeClr val="lt1">
+              <a:hueOff val="0"/>
+              <a:satOff val="0"/>
+              <a:lumOff val="0"/>
+              <a:alphaOff val="0"/>
+            </a:schemeClr>
+          </a:solidFill>
+          <a:prstDash val="solid"/>
+        </a:ln>
+        <a:effectLst/>
+      </dsp:spPr>
+      <dsp:style>
+        <a:lnRef idx="2">
+          <a:scrgbClr r="0" g="0" b="0"/>
+        </a:lnRef>
+        <a:fillRef idx="1">
+          <a:scrgbClr r="0" g="0" b="0"/>
+        </a:fillRef>
+        <a:effectRef idx="0">
+          <a:scrgbClr r="0" g="0" b="0"/>
+        </a:effectRef>
+        <a:fontRef idx="minor"/>
+      </dsp:style>
+    </dsp:sp>
+    <dsp:sp modelId="{4EF1F691-C759-4249-83B9-1B98636C629C}">
+      <dsp:nvSpPr>
+        <dsp:cNvPr id="0" name=""/>
+        <dsp:cNvSpPr/>
+      </dsp:nvSpPr>
+      <dsp:spPr>
+        <a:xfrm>
+          <a:off x="1747824" y="6317"/>
+          <a:ext cx="4788379" cy="698627"/>
+        </a:xfrm>
+        <a:prstGeom prst="rect">
+          <a:avLst/>
+        </a:prstGeom>
+        <a:solidFill>
+          <a:schemeClr val="accent1">
+            <a:hueOff val="0"/>
+            <a:satOff val="0"/>
+            <a:lumOff val="0"/>
+            <a:alphaOff val="0"/>
+          </a:schemeClr>
+        </a:solidFill>
+        <a:ln w="10795" cap="flat" cmpd="sng" algn="ctr">
+          <a:solidFill>
+            <a:schemeClr val="lt1">
+              <a:hueOff val="0"/>
+              <a:satOff val="0"/>
+              <a:lumOff val="0"/>
+              <a:alphaOff val="0"/>
+            </a:schemeClr>
+          </a:solidFill>
+          <a:prstDash val="solid"/>
+        </a:ln>
+        <a:effectLst/>
+      </dsp:spPr>
+      <dsp:style>
+        <a:lnRef idx="2">
+          <a:scrgbClr r="0" g="0" b="0"/>
+        </a:lnRef>
+        <a:fillRef idx="1">
+          <a:scrgbClr r="0" g="0" b="0"/>
+        </a:fillRef>
+        <a:effectRef idx="0">
+          <a:scrgbClr r="0" g="0" b="0"/>
+        </a:effectRef>
+        <a:fontRef idx="minor">
+          <a:schemeClr val="lt1"/>
+        </a:fontRef>
+      </dsp:style>
+      <dsp:txBody>
+        <a:bodyPr spcFirstLastPara="0" vert="horz" wrap="square" lIns="118110" tIns="118110" rIns="118110" bIns="118110" numCol="1" spcCol="1270" anchor="ctr" anchorCtr="0">
+          <a:noAutofit/>
+        </a:bodyPr>
+        <a:lstStyle/>
+        <a:p>
+          <a:pPr lvl="0" algn="ctr" defTabSz="1377950">
+            <a:lnSpc>
+              <a:spcPct val="90000"/>
+            </a:lnSpc>
+            <a:spcBef>
+              <a:spcPct val="0"/>
+            </a:spcBef>
+            <a:spcAft>
+              <a:spcPct val="35000"/>
+            </a:spcAft>
+          </a:pPr>
+          <a:r>
+            <a:rPr lang="en-US" sz="3100" kern="1200" dirty="0" smtClean="0"/>
+            <a:t>Figure 1 – </a:t>
+          </a:r>
+          <a:r>
+            <a:rPr lang="en-US" sz="3100" kern="1200" smtClean="0"/>
+            <a:t>Finite Automaton</a:t>
+          </a:r>
+          <a:endParaRPr lang="en-US" sz="3100" kern="1200"/>
+        </a:p>
+      </dsp:txBody>
+      <dsp:txXfrm>
+        <a:off x="1747824" y="6317"/>
+        <a:ext cx="4788379" cy="698627"/>
+      </dsp:txXfrm>
+    </dsp:sp>
+  </dsp:spTree>
+</dsp:drawing>
+</file>
+
+<file path=ppt/diagrams/drawing2.xml><?xml version="1.0" encoding="utf-8"?>
+<dsp:drawing xmlns:dgm="http://schemas.openxmlformats.org/drawingml/2006/diagram" xmlns:dsp="http://schemas.microsoft.com/office/drawing/2008/diagram" xmlns:a="http://schemas.openxmlformats.org/drawingml/2006/main">
+  <dsp:spTree>
+    <dsp:nvGrpSpPr>
+      <dsp:cNvPr id="0" name=""/>
+      <dsp:cNvGrpSpPr/>
+    </dsp:nvGrpSpPr>
+    <dsp:grpSpPr/>
+    <dsp:sp modelId="{1AE7535C-7885-40C4-85D9-F276DBB86706}">
+      <dsp:nvSpPr>
+        <dsp:cNvPr id="0" name=""/>
+        <dsp:cNvSpPr/>
+      </dsp:nvSpPr>
+      <dsp:spPr>
+        <a:xfrm>
+          <a:off x="3647" y="1182314"/>
+          <a:ext cx="7641009" cy="4346160"/>
+        </a:xfrm>
+        <a:prstGeom prst="rect">
+          <a:avLst/>
+        </a:prstGeom>
+        <a:blipFill dpi="0" rotWithShape="1">
+          <a:blip xmlns:r="http://schemas.openxmlformats.org/officeDocument/2006/relationships" r:embed="rId1">
+            <a:extLst>
+              <a:ext uri="{28A0092B-C50C-407E-A947-70E740481C1C}">
+                <a14:useLocalDpi xmlns:a14="http://schemas.microsoft.com/office/drawing/2010/main" val="0"/>
+              </a:ext>
+            </a:extLst>
+          </a:blip>
+          <a:srcRect/>
+          <a:stretch>
+            <a:fillRect l="-3852" t="791" r="-3852" b="791"/>
+          </a:stretch>
+        </a:blipFill>
+        <a:ln w="10795" cap="flat" cmpd="sng" algn="ctr">
+          <a:solidFill>
+            <a:schemeClr val="lt1">
+              <a:hueOff val="0"/>
+              <a:satOff val="0"/>
+              <a:lumOff val="0"/>
+              <a:alphaOff val="0"/>
+            </a:schemeClr>
+          </a:solidFill>
+          <a:prstDash val="solid"/>
+        </a:ln>
+        <a:effectLst/>
+      </dsp:spPr>
+      <dsp:style>
+        <a:lnRef idx="2">
+          <a:scrgbClr r="0" g="0" b="0"/>
+        </a:lnRef>
+        <a:fillRef idx="1">
+          <a:scrgbClr r="0" g="0" b="0"/>
+        </a:fillRef>
+        <a:effectRef idx="0">
+          <a:scrgbClr r="0" g="0" b="0"/>
+        </a:effectRef>
+        <a:fontRef idx="minor"/>
+      </dsp:style>
+    </dsp:sp>
+    <dsp:sp modelId="{00F4BEE8-FBC1-4001-9FAE-928A4D34FA91}">
+      <dsp:nvSpPr>
+        <dsp:cNvPr id="0" name=""/>
+        <dsp:cNvSpPr/>
+      </dsp:nvSpPr>
+      <dsp:spPr>
+        <a:xfrm>
+          <a:off x="1371180" y="484398"/>
+          <a:ext cx="4905945" cy="715780"/>
+        </a:xfrm>
+        <a:prstGeom prst="rect">
+          <a:avLst/>
+        </a:prstGeom>
+        <a:solidFill>
+          <a:schemeClr val="accent1">
+            <a:hueOff val="0"/>
+            <a:satOff val="0"/>
+            <a:lumOff val="0"/>
+            <a:alphaOff val="0"/>
+          </a:schemeClr>
+        </a:solidFill>
+        <a:ln w="10795" cap="flat" cmpd="sng" algn="ctr">
+          <a:solidFill>
+            <a:schemeClr val="lt1">
+              <a:hueOff val="0"/>
+              <a:satOff val="0"/>
+              <a:lumOff val="0"/>
+              <a:alphaOff val="0"/>
+            </a:schemeClr>
+          </a:solidFill>
+          <a:prstDash val="solid"/>
+        </a:ln>
+        <a:effectLst/>
+      </dsp:spPr>
+      <dsp:style>
+        <a:lnRef idx="2">
+          <a:scrgbClr r="0" g="0" b="0"/>
+        </a:lnRef>
+        <a:fillRef idx="1">
+          <a:scrgbClr r="0" g="0" b="0"/>
+        </a:fillRef>
+        <a:effectRef idx="0">
+          <a:scrgbClr r="0" g="0" b="0"/>
+        </a:effectRef>
+        <a:fontRef idx="minor">
+          <a:schemeClr val="lt1"/>
+        </a:fontRef>
+      </dsp:style>
+      <dsp:txBody>
+        <a:bodyPr spcFirstLastPara="0" vert="horz" wrap="square" lIns="80010" tIns="80010" rIns="80010" bIns="80010" numCol="1" spcCol="1270" anchor="ctr" anchorCtr="0">
+          <a:noAutofit/>
+        </a:bodyPr>
+        <a:lstStyle/>
+        <a:p>
+          <a:pPr lvl="0" algn="ctr" defTabSz="933450">
+            <a:lnSpc>
+              <a:spcPct val="90000"/>
+            </a:lnSpc>
+            <a:spcBef>
+              <a:spcPct val="0"/>
+            </a:spcBef>
+            <a:spcAft>
+              <a:spcPct val="35000"/>
+            </a:spcAft>
+          </a:pPr>
+          <a:r>
+            <a:rPr lang="en-US" sz="2100" kern="1200" dirty="0" smtClean="0"/>
+            <a:t>Figure 2 - Node.js Event Processing Model</a:t>
+          </a:r>
+          <a:endParaRPr lang="en-US" sz="2100" kern="1200" dirty="0"/>
+        </a:p>
+      </dsp:txBody>
+      <dsp:txXfrm>
+        <a:off x="1371180" y="484398"/>
+        <a:ext cx="4905945" cy="715780"/>
+      </dsp:txXfrm>
+    </dsp:sp>
+  </dsp:spTree>
+</dsp:drawing>
+</file>
+
+<file path=ppt/diagrams/drawing3.xml><?xml version="1.0" encoding="utf-8"?>
+<dsp:drawing xmlns:dgm="http://schemas.openxmlformats.org/drawingml/2006/diagram" xmlns:dsp="http://schemas.microsoft.com/office/drawing/2008/diagram" xmlns:a="http://schemas.openxmlformats.org/drawingml/2006/main">
+  <dsp:spTree>
+    <dsp:nvGrpSpPr>
+      <dsp:cNvPr id="0" name=""/>
+      <dsp:cNvGrpSpPr/>
+    </dsp:nvGrpSpPr>
+    <dsp:grpSpPr/>
+    <dsp:sp modelId="{1AE7535C-7885-40C4-85D9-F276DBB86706}">
+      <dsp:nvSpPr>
+        <dsp:cNvPr id="0" name=""/>
+        <dsp:cNvSpPr/>
+      </dsp:nvSpPr>
+      <dsp:spPr>
+        <a:xfrm>
+          <a:off x="2" y="1249076"/>
+          <a:ext cx="7953803" cy="4187092"/>
+        </a:xfrm>
+        <a:prstGeom prst="rect">
+          <a:avLst/>
+        </a:prstGeom>
+        <a:blipFill rotWithShape="1">
+          <a:blip xmlns:r="http://schemas.openxmlformats.org/officeDocument/2006/relationships" r:embed="rId1"/>
+          <a:stretch>
+            <a:fillRect/>
+          </a:stretch>
+        </a:blipFill>
+        <a:ln w="10795" cap="flat" cmpd="sng" algn="ctr">
+          <a:solidFill>
+            <a:schemeClr val="lt1">
+              <a:hueOff val="0"/>
+              <a:satOff val="0"/>
+              <a:lumOff val="0"/>
+              <a:alphaOff val="0"/>
+            </a:schemeClr>
+          </a:solidFill>
+          <a:prstDash val="solid"/>
+        </a:ln>
+        <a:effectLst/>
+      </dsp:spPr>
+      <dsp:style>
+        <a:lnRef idx="2">
+          <a:scrgbClr r="0" g="0" b="0"/>
+        </a:lnRef>
+        <a:fillRef idx="1">
+          <a:scrgbClr r="0" g="0" b="0"/>
+        </a:fillRef>
+        <a:effectRef idx="0">
+          <a:scrgbClr r="0" g="0" b="0"/>
+        </a:effectRef>
+        <a:fontRef idx="minor"/>
+      </dsp:style>
+    </dsp:sp>
+    <dsp:sp modelId="{00F4BEE8-FBC1-4001-9FAE-928A4D34FA91}">
+      <dsp:nvSpPr>
+        <dsp:cNvPr id="0" name=""/>
+        <dsp:cNvSpPr/>
+      </dsp:nvSpPr>
+      <dsp:spPr>
+        <a:xfrm>
+          <a:off x="1613709" y="576704"/>
+          <a:ext cx="4726388" cy="689583"/>
+        </a:xfrm>
+        <a:prstGeom prst="rect">
+          <a:avLst/>
+        </a:prstGeom>
+        <a:solidFill>
+          <a:schemeClr val="accent1">
+            <a:hueOff val="0"/>
+            <a:satOff val="0"/>
+            <a:lumOff val="0"/>
+            <a:alphaOff val="0"/>
+          </a:schemeClr>
+        </a:solidFill>
+        <a:ln w="10795" cap="flat" cmpd="sng" algn="ctr">
+          <a:solidFill>
+            <a:schemeClr val="lt1">
+              <a:hueOff val="0"/>
+              <a:satOff val="0"/>
+              <a:lumOff val="0"/>
+              <a:alphaOff val="0"/>
+            </a:schemeClr>
+          </a:solidFill>
+          <a:prstDash val="solid"/>
+        </a:ln>
+        <a:effectLst/>
+      </dsp:spPr>
+      <dsp:style>
+        <a:lnRef idx="2">
+          <a:scrgbClr r="0" g="0" b="0"/>
+        </a:lnRef>
+        <a:fillRef idx="1">
+          <a:scrgbClr r="0" g="0" b="0"/>
+        </a:fillRef>
+        <a:effectRef idx="0">
+          <a:scrgbClr r="0" g="0" b="0"/>
+        </a:effectRef>
+        <a:fontRef idx="minor">
+          <a:schemeClr val="lt1"/>
+        </a:fontRef>
+      </dsp:style>
+      <dsp:txBody>
+        <a:bodyPr spcFirstLastPara="0" vert="horz" wrap="square" lIns="80010" tIns="80010" rIns="80010" bIns="80010" numCol="1" spcCol="1270" anchor="ctr" anchorCtr="0">
+          <a:noAutofit/>
+        </a:bodyPr>
+        <a:lstStyle/>
+        <a:p>
+          <a:pPr lvl="0" algn="ctr" defTabSz="933450">
+            <a:lnSpc>
+              <a:spcPct val="90000"/>
+            </a:lnSpc>
+            <a:spcBef>
+              <a:spcPct val="0"/>
+            </a:spcBef>
+            <a:spcAft>
+              <a:spcPct val="35000"/>
+            </a:spcAft>
+          </a:pPr>
+          <a:r>
+            <a:rPr lang="en-US" sz="2100" kern="1200" dirty="0" smtClean="0"/>
+            <a:t>Figure </a:t>
+          </a:r>
+          <a:r>
+            <a:rPr lang="en-US" sz="2100" kern="1200" dirty="0" smtClean="0"/>
+            <a:t>3 – FSM User &amp; Graph Documents</a:t>
+          </a:r>
+          <a:endParaRPr lang="en-US" sz="2100" kern="1200" dirty="0"/>
+        </a:p>
+      </dsp:txBody>
+      <dsp:txXfrm>
+        <a:off x="1613709" y="576704"/>
+        <a:ext cx="4726388" cy="689583"/>
+      </dsp:txXfrm>
+    </dsp:sp>
+  </dsp:spTree>
+</dsp:drawing>
+</file>
+
+<file path=ppt/diagrams/layout1.xml><?xml version="1.0" encoding="utf-8"?>
+<dgm:layoutDef xmlns:dgm="http://schemas.openxmlformats.org/drawingml/2006/diagram" xmlns:a="http://schemas.openxmlformats.org/drawingml/2006/main" uniqueId="urn:microsoft.com/office/officeart/2008/layout/TitledPictureBlocks">
+  <dgm:title val=""/>
+  <dgm:desc val=""/>
+  <dgm:catLst>
+    <dgm:cat type="picture" pri="10000"/>
+    <dgm:cat type="pictureconvert" pri="10000"/>
+  </dgm:catLst>
+  <dgm:sampData>
+    <dgm:dataModel>
+      <dgm:ptLst>
+        <dgm:pt modelId="0" type="doc"/>
+        <dgm:pt modelId="10">
+          <dgm:prSet phldr="1"/>
+        </dgm:pt>
+        <dgm:pt modelId="11">
+          <dgm:prSet phldr="1"/>
+        </dgm:pt>
+        <dgm:pt modelId="20">
+          <dgm:prSet phldr="1"/>
+        </dgm:pt>
+        <dgm:pt modelId="21">
+          <dgm:prSet phldr="1"/>
+        </dgm:pt>
+        <dgm:pt modelId="30">
+          <dgm:prSet phldr="1"/>
+        </dgm:pt>
+        <dgm:pt modelId="31">
+          <dgm:prSet phldr="1"/>
+        </dgm:pt>
+      </dgm:ptLst>
+      <dgm:cxnLst>
+        <dgm:cxn modelId="60" srcId="0" destId="10" srcOrd="0" destOrd="0"/>
+        <dgm:cxn modelId="12" srcId="10" destId="11" srcOrd="0" destOrd="0"/>
+        <dgm:cxn modelId="70" srcId="0" destId="20" srcOrd="1" destOrd="0"/>
+        <dgm:cxn modelId="22" srcId="20" destId="21" srcOrd="0" destOrd="0"/>
+        <dgm:cxn modelId="80" srcId="0" destId="30" srcOrd="2" destOrd="0"/>
+        <dgm:cxn modelId="32" srcId="30" destId="31" srcOrd="0" destOrd="0"/>
+      </dgm:cxnLst>
+      <dgm:bg/>
+      <dgm:whole/>
+    </dgm:dataModel>
+  </dgm:sampData>
+  <dgm:styleData>
+    <dgm:dataModel>
+      <dgm:ptLst>
+        <dgm:pt modelId="0" type="doc"/>
+        <dgm:pt modelId="10">
+          <dgm:prSet phldr="1"/>
+        </dgm:pt>
+        <dgm:pt modelId="11">
+          <dgm:prSet phldr="1"/>
+        </dgm:pt>
+        <dgm:pt modelId="20">
+          <dgm:prSet phldr="1"/>
+        </dgm:pt>
+        <dgm:pt modelId="21">
+          <dgm:prSet phldr="1"/>
+        </dgm:pt>
+      </dgm:ptLst>
+      <dgm:cxnLst>
+        <dgm:cxn modelId="60" srcId="0" destId="10" srcOrd="0" destOrd="0"/>
+        <dgm:cxn modelId="12" srcId="10" destId="11" srcOrd="0" destOrd="0"/>
+        <dgm:cxn modelId="70" srcId="0" destId="20" srcOrd="1" destOrd="0"/>
+        <dgm:cxn modelId="22" srcId="20" destId="21" srcOrd="0" destOrd="0"/>
+      </dgm:cxnLst>
+      <dgm:bg/>
+      <dgm:whole/>
+    </dgm:dataModel>
+  </dgm:styleData>
+  <dgm:clrData>
+    <dgm:dataModel>
+      <dgm:ptLst>
+        <dgm:pt modelId="0" type="doc"/>
+        <dgm:pt modelId="10">
+          <dgm:prSet phldr="1"/>
+        </dgm:pt>
+        <dgm:pt modelId="11">
+          <dgm:prSet phldr="1"/>
+        </dgm:pt>
+        <dgm:pt modelId="20">
+          <dgm:prSet phldr="1"/>
+        </dgm:pt>
+        <dgm:pt modelId="21">
+          <dgm:prSet phldr="1"/>
+        </dgm:pt>
+        <dgm:pt modelId="30">
+          <dgm:prSet phldr="1"/>
+        </dgm:pt>
+        <dgm:pt modelId="31">
+          <dgm:prSet phldr="1"/>
+        </dgm:pt>
+        <dgm:pt modelId="40">
+          <dgm:prSet phldr="1"/>
+        </dgm:pt>
+        <dgm:pt modelId="41">
+          <dgm:prSet phldr="1"/>
+        </dgm:pt>
+      </dgm:ptLst>
+      <dgm:cxnLst>
+        <dgm:cxn modelId="60" srcId="0" destId="10" srcOrd="0" destOrd="0"/>
+        <dgm:cxn modelId="12" srcId="10" destId="11" srcOrd="0" destOrd="0"/>
+        <dgm:cxn modelId="70" srcId="0" destId="20" srcOrd="1" destOrd="0"/>
+        <dgm:cxn modelId="22" srcId="20" destId="21" srcOrd="0" destOrd="0"/>
+        <dgm:cxn modelId="80" srcId="0" destId="30" srcOrd="2" destOrd="0"/>
+        <dgm:cxn modelId="32" srcId="30" destId="31" srcOrd="0" destOrd="0"/>
+        <dgm:cxn modelId="90" srcId="0" destId="40" srcOrd="3" destOrd="0"/>
+        <dgm:cxn modelId="42" srcId="40" destId="41" srcOrd="0" destOrd="0"/>
+      </dgm:cxnLst>
+      <dgm:bg/>
+      <dgm:whole/>
+    </dgm:dataModel>
+  </dgm:clrData>
+  <dgm:layoutNode name="rootNode">
+    <dgm:varLst>
+      <dgm:chMax/>
+      <dgm:chPref/>
+      <dgm:dir/>
+      <dgm:animLvl val="lvl"/>
+    </dgm:varLst>
+    <dgm:choose name="Name0">
+      <dgm:if name="Name1" func="var" arg="dir" op="equ" val="norm">
+        <dgm:alg type="snake">
+          <dgm:param type="off" val="ctr"/>
+          <dgm:param type="grDir" val="tL"/>
+        </dgm:alg>
+      </dgm:if>
+      <dgm:else name="Name2">
+        <dgm:alg type="snake">
+          <dgm:param type="off" val="ctr"/>
+          <dgm:param type="grDir" val="tR"/>
+        </dgm:alg>
+      </dgm:else>
+    </dgm:choose>
+    <dgm:shape xmlns:r="http://schemas.openxmlformats.org/officeDocument/2006/relationships" r:blip="">
+      <dgm:adjLst/>
+    </dgm:shape>
+    <dgm:constrLst>
+      <dgm:constr type="primFontSz" for="des" forName="ParentText" op="equ"/>
+      <dgm:constr type="primFontSz" for="des" forName="ChildText" op="equ"/>
+      <dgm:constr type="w" for="ch" forName="composite" refType="w"/>
+      <dgm:constr type="h" for="ch" forName="composite" refType="h"/>
+      <dgm:constr type="sp" refType="w" refFor="ch" refForName="composite" op="equ" fact="0.1"/>
+      <dgm:constr type="w" for="ch" forName="sibTrans" refType="w" refFor="ch" refForName="composite" op="equ" fact="0.1"/>
+      <dgm:constr type="h" for="ch" forName="sibTrans" refType="w" refFor="ch" refForName="sibTrans" op="equ"/>
+    </dgm:constrLst>
+    <dgm:forEach name="nodesForEach" axis="ch" ptType="node">
+      <dgm:layoutNode name="composite">
+        <dgm:alg type="composite">
+          <dgm:param type="ar" val="1.3787"/>
+        </dgm:alg>
+        <dgm:shape xmlns:r="http://schemas.openxmlformats.org/officeDocument/2006/relationships" r:blip="">
+          <dgm:adjLst/>
+        </dgm:shape>
+        <dgm:choose name="Name3">
+          <dgm:if name="Name4" func="var" arg="dir" op="equ" val="norm">
+            <dgm:constrLst>
+              <dgm:constr type="l" for="ch" forName="ParentText" refType="w" fact="0"/>
+              <dgm:constr type="t" for="ch" forName="ParentText" refType="h" fact="0"/>
+              <dgm:constr type="w" for="ch" forName="ParentText" refType="w" fact="0.7457"/>
+              <dgm:constr type="h" for="ch" forName="ParentText" refType="h" fact="0.15"/>
+              <dgm:constr type="l" for="ch" forName="Image" refType="w" fact="0"/>
+              <dgm:constr type="t" for="ch" forName="Image" refType="h" fact="0.1661"/>
+              <dgm:constr type="w" for="ch" forName="Image" refType="w" fact="0.7457"/>
+              <dgm:constr type="h" for="ch" forName="Image" refType="h" fact="0.8711"/>
+              <dgm:constr type="l" for="ch" forName="ChildText" refType="w" fact="0.6464"/>
+              <dgm:constr type="t" for="ch" forName="ChildText" refType="h" fact="0.288"/>
+              <dgm:constr type="w" for="ch" forName="ChildText" refType="w" fact="0.3536"/>
+              <dgm:constr type="h" for="ch" forName="ChildText" refType="h" fact="0.5074"/>
+            </dgm:constrLst>
+          </dgm:if>
+          <dgm:else name="Name5">
+            <dgm:constrLst>
+              <dgm:constr type="l" for="ch" forName="ParentText" refType="w" fact="0.26"/>
+              <dgm:constr type="t" for="ch" forName="ParentText" refType="h" fact="0"/>
+              <dgm:constr type="w" for="ch" forName="ParentText" refType="w" fact="0.7457"/>
+              <dgm:constr type="h" for="ch" forName="ParentText" refType="h" fact="0.15"/>
+              <dgm:constr type="l" for="ch" forName="Image" refType="w" fact="0.26"/>
+              <dgm:constr type="t" for="ch" forName="Image" refType="h" fact="0.1661"/>
+              <dgm:constr type="w" for="ch" forName="Image" refType="w" fact="0.7446"/>
+              <dgm:constr type="h" for="ch" forName="Image" refType="h" fact="0.8711"/>
+              <dgm:constr type="l" for="ch" forName="ChildText" refType="w" fact="0"/>
+              <dgm:constr type="t" for="ch" forName="ChildText" refType="h" fact="0.288"/>
+              <dgm:constr type="w" for="ch" forName="ChildText" refType="w" fact="0.3536"/>
+              <dgm:constr type="h" for="ch" forName="ChildText" refType="h" fact="0.5074"/>
+            </dgm:constrLst>
+          </dgm:else>
+        </dgm:choose>
+        <dgm:layoutNode name="ParentText" styleLbl="node1">
+          <dgm:varLst>
+            <dgm:chMax val="1"/>
+            <dgm:chPref val="1"/>
+            <dgm:bulletEnabled val="1"/>
+          </dgm:varLst>
+          <dgm:alg type="tx"/>
+          <dgm:shape xmlns:r="http://schemas.openxmlformats.org/officeDocument/2006/relationships" type="rect" r:blip="" zOrderOff="10">
+            <dgm:adjLst/>
+          </dgm:shape>
+          <dgm:presOf axis="self" ptType="node"/>
+          <dgm:constrLst>
+            <dgm:constr type="lMarg" refType="primFontSz" fact="0.3"/>
+            <dgm:constr type="rMarg" refType="primFontSz" fact="0.3"/>
+            <dgm:constr type="tMarg" refType="primFontSz" fact="0.3"/>
+            <dgm:constr type="bMarg" refType="primFontSz" fact="0.3"/>
+          </dgm:constrLst>
+          <dgm:ruleLst>
+            <dgm:rule type="primFontSz" val="5" fact="NaN" max="NaN"/>
+          </dgm:ruleLst>
+        </dgm:layoutNode>
+        <dgm:layoutNode name="Image" styleLbl="bgImgPlace1">
+          <dgm:alg type="sp"/>
+          <dgm:shape xmlns:r="http://schemas.openxmlformats.org/officeDocument/2006/relationships" type="rect" r:blip="" blipPhldr="1">
+            <dgm:adjLst/>
+          </dgm:shape>
+          <dgm:presOf/>
+        </dgm:layoutNode>
+        <dgm:layoutNode name="ChildText" styleLbl="fgAcc1">
+          <dgm:varLst>
+            <dgm:chMax val="0"/>
+            <dgm:chPref val="0"/>
+            <dgm:bulletEnabled val="1"/>
+          </dgm:varLst>
+          <dgm:choose name="Name6">
+            <dgm:if name="Name7" axis="des" ptType="node" func="cnt" op="equ" val="1">
+              <dgm:alg type="tx">
+                <dgm:param type="stBulletLvl" val="2"/>
+                <dgm:param type="txAnchorVertCh" val="mid"/>
+                <dgm:param type="parTxLTRAlign" val="l"/>
+              </dgm:alg>
+            </dgm:if>
+            <dgm:else name="Name8">
+              <dgm:alg type="tx">
+                <dgm:param type="stBulletLvl" val="1"/>
+                <dgm:param type="txAnchorVertCh" val="mid"/>
+              </dgm:alg>
+            </dgm:else>
+          </dgm:choose>
+          <dgm:choose name="Name9">
+            <dgm:if name="Name10" axis="ch" ptType="node" func="cnt" op="gte" val="1">
+              <dgm:shape xmlns:r="http://schemas.openxmlformats.org/officeDocument/2006/relationships" type="roundRect" r:blip="">
+                <dgm:adjLst>
+                  <dgm:adj idx="1" val="0.1"/>
+                </dgm:adjLst>
+              </dgm:shape>
+              <dgm:presOf axis="des" ptType="node"/>
+            </dgm:if>
+            <dgm:else name="Name11">
+              <dgm:shape xmlns:r="http://schemas.openxmlformats.org/officeDocument/2006/relationships" type="roundRect" r:blip="" hideGeom="1">
+                <dgm:adjLst>
+                  <dgm:adj idx="1" val="0.1"/>
+                </dgm:adjLst>
+              </dgm:shape>
+              <dgm:presOf/>
+            </dgm:else>
+          </dgm:choose>
+          <dgm:constrLst>
+            <dgm:constr type="lMarg" refType="primFontSz" fact="0.3"/>
+            <dgm:constr type="rMarg" refType="primFontSz" fact="0.3"/>
+            <dgm:constr type="tMarg" refType="primFontSz" fact="0.3"/>
+            <dgm:constr type="bMarg" refType="primFontSz" fact="0.3"/>
+          </dgm:constrLst>
+          <dgm:ruleLst>
+            <dgm:rule type="primFontSz" val="5" fact="NaN" max="NaN"/>
+          </dgm:ruleLst>
+        </dgm:layoutNode>
+      </dgm:layoutNode>
+      <dgm:forEach name="sibTransForEach" axis="followSib" ptType="sibTrans" cnt="1">
+        <dgm:layoutNode name="sibTrans">
+          <dgm:alg type="sp"/>
+          <dgm:shape xmlns:r="http://schemas.openxmlformats.org/officeDocument/2006/relationships" r:blip="">
+            <dgm:adjLst/>
+          </dgm:shape>
+        </dgm:layoutNode>
+      </dgm:forEach>
+    </dgm:forEach>
+  </dgm:layoutNode>
+</dgm:layoutDef>
+</file>
+
+<file path=ppt/diagrams/layout2.xml><?xml version="1.0" encoding="utf-8"?>
+<dgm:layoutDef xmlns:dgm="http://schemas.openxmlformats.org/drawingml/2006/diagram" xmlns:a="http://schemas.openxmlformats.org/drawingml/2006/main" uniqueId="urn:microsoft.com/office/officeart/2008/layout/TitledPictureBlocks">
+  <dgm:title val=""/>
+  <dgm:desc val=""/>
+  <dgm:catLst>
+    <dgm:cat type="picture" pri="10000"/>
+    <dgm:cat type="pictureconvert" pri="10000"/>
+  </dgm:catLst>
+  <dgm:sampData>
+    <dgm:dataModel>
+      <dgm:ptLst>
+        <dgm:pt modelId="0" type="doc"/>
+        <dgm:pt modelId="10">
+          <dgm:prSet phldr="1"/>
+        </dgm:pt>
+        <dgm:pt modelId="11">
+          <dgm:prSet phldr="1"/>
+        </dgm:pt>
+        <dgm:pt modelId="20">
+          <dgm:prSet phldr="1"/>
+        </dgm:pt>
+        <dgm:pt modelId="21">
+          <dgm:prSet phldr="1"/>
+        </dgm:pt>
+        <dgm:pt modelId="30">
+          <dgm:prSet phldr="1"/>
+        </dgm:pt>
+        <dgm:pt modelId="31">
+          <dgm:prSet phldr="1"/>
+        </dgm:pt>
+      </dgm:ptLst>
+      <dgm:cxnLst>
+        <dgm:cxn modelId="60" srcId="0" destId="10" srcOrd="0" destOrd="0"/>
+        <dgm:cxn modelId="12" srcId="10" destId="11" srcOrd="0" destOrd="0"/>
+        <dgm:cxn modelId="70" srcId="0" destId="20" srcOrd="1" destOrd="0"/>
+        <dgm:cxn modelId="22" srcId="20" destId="21" srcOrd="0" destOrd="0"/>
+        <dgm:cxn modelId="80" srcId="0" destId="30" srcOrd="2" destOrd="0"/>
+        <dgm:cxn modelId="32" srcId="30" destId="31" srcOrd="0" destOrd="0"/>
+      </dgm:cxnLst>
+      <dgm:bg/>
+      <dgm:whole/>
+    </dgm:dataModel>
+  </dgm:sampData>
+  <dgm:styleData>
+    <dgm:dataModel>
+      <dgm:ptLst>
+        <dgm:pt modelId="0" type="doc"/>
+        <dgm:pt modelId="10">
+          <dgm:prSet phldr="1"/>
+        </dgm:pt>
+        <dgm:pt modelId="11">
+          <dgm:prSet phldr="1"/>
+        </dgm:pt>
+        <dgm:pt modelId="20">
+          <dgm:prSet phldr="1"/>
+        </dgm:pt>
+        <dgm:pt modelId="21">
+          <dgm:prSet phldr="1"/>
+        </dgm:pt>
+      </dgm:ptLst>
+      <dgm:cxnLst>
+        <dgm:cxn modelId="60" srcId="0" destId="10" srcOrd="0" destOrd="0"/>
+        <dgm:cxn modelId="12" srcId="10" destId="11" srcOrd="0" destOrd="0"/>
+        <dgm:cxn modelId="70" srcId="0" destId="20" srcOrd="1" destOrd="0"/>
+        <dgm:cxn modelId="22" srcId="20" destId="21" srcOrd="0" destOrd="0"/>
+      </dgm:cxnLst>
+      <dgm:bg/>
+      <dgm:whole/>
+    </dgm:dataModel>
+  </dgm:styleData>
+  <dgm:clrData>
+    <dgm:dataModel>
+      <dgm:ptLst>
+        <dgm:pt modelId="0" type="doc"/>
+        <dgm:pt modelId="10">
+          <dgm:prSet phldr="1"/>
+        </dgm:pt>
+        <dgm:pt modelId="11">
+          <dgm:prSet phldr="1"/>
+        </dgm:pt>
+        <dgm:pt modelId="20">
+          <dgm:prSet phldr="1"/>
+        </dgm:pt>
+        <dgm:pt modelId="21">
+          <dgm:prSet phldr="1"/>
+        </dgm:pt>
+        <dgm:pt modelId="30">
+          <dgm:prSet phldr="1"/>
+        </dgm:pt>
+        <dgm:pt modelId="31">
+          <dgm:prSet phldr="1"/>
+        </dgm:pt>
+        <dgm:pt modelId="40">
+          <dgm:prSet phldr="1"/>
+        </dgm:pt>
+        <dgm:pt modelId="41">
+          <dgm:prSet phldr="1"/>
+        </dgm:pt>
+      </dgm:ptLst>
+      <dgm:cxnLst>
+        <dgm:cxn modelId="60" srcId="0" destId="10" srcOrd="0" destOrd="0"/>
+        <dgm:cxn modelId="12" srcId="10" destId="11" srcOrd="0" destOrd="0"/>
+        <dgm:cxn modelId="70" srcId="0" destId="20" srcOrd="1" destOrd="0"/>
+        <dgm:cxn modelId="22" srcId="20" destId="21" srcOrd="0" destOrd="0"/>
+        <dgm:cxn modelId="80" srcId="0" destId="30" srcOrd="2" destOrd="0"/>
+        <dgm:cxn modelId="32" srcId="30" destId="31" srcOrd="0" destOrd="0"/>
+        <dgm:cxn modelId="90" srcId="0" destId="40" srcOrd="3" destOrd="0"/>
+        <dgm:cxn modelId="42" srcId="40" destId="41" srcOrd="0" destOrd="0"/>
+      </dgm:cxnLst>
+      <dgm:bg/>
+      <dgm:whole/>
+    </dgm:dataModel>
+  </dgm:clrData>
+  <dgm:layoutNode name="rootNode">
+    <dgm:varLst>
+      <dgm:chMax/>
+      <dgm:chPref/>
+      <dgm:dir/>
+      <dgm:animLvl val="lvl"/>
+    </dgm:varLst>
+    <dgm:choose name="Name0">
+      <dgm:if name="Name1" func="var" arg="dir" op="equ" val="norm">
+        <dgm:alg type="snake">
+          <dgm:param type="off" val="ctr"/>
+          <dgm:param type="grDir" val="tL"/>
+        </dgm:alg>
+      </dgm:if>
+      <dgm:else name="Name2">
+        <dgm:alg type="snake">
+          <dgm:param type="off" val="ctr"/>
+          <dgm:param type="grDir" val="tR"/>
+        </dgm:alg>
+      </dgm:else>
+    </dgm:choose>
+    <dgm:shape xmlns:r="http://schemas.openxmlformats.org/officeDocument/2006/relationships" r:blip="">
+      <dgm:adjLst/>
+    </dgm:shape>
+    <dgm:constrLst>
+      <dgm:constr type="primFontSz" for="des" forName="ParentText" op="equ"/>
+      <dgm:constr type="primFontSz" for="des" forName="ChildText" op="equ"/>
+      <dgm:constr type="w" for="ch" forName="composite" refType="w"/>
+      <dgm:constr type="h" for="ch" forName="composite" refType="h"/>
+      <dgm:constr type="sp" refType="w" refFor="ch" refForName="composite" op="equ" fact="0.1"/>
+      <dgm:constr type="w" for="ch" forName="sibTrans" refType="w" refFor="ch" refForName="composite" op="equ" fact="0.1"/>
+      <dgm:constr type="h" for="ch" forName="sibTrans" refType="w" refFor="ch" refForName="sibTrans" op="equ"/>
+    </dgm:constrLst>
+    <dgm:forEach name="nodesForEach" axis="ch" ptType="node">
+      <dgm:layoutNode name="composite">
+        <dgm:alg type="composite">
+          <dgm:param type="ar" val="1.3787"/>
+        </dgm:alg>
+        <dgm:shape xmlns:r="http://schemas.openxmlformats.org/officeDocument/2006/relationships" r:blip="">
+          <dgm:adjLst/>
+        </dgm:shape>
+        <dgm:choose name="Name3">
+          <dgm:if name="Name4" func="var" arg="dir" op="equ" val="norm">
+            <dgm:constrLst>
+              <dgm:constr type="l" for="ch" forName="ParentText" refType="w" fact="0"/>
+              <dgm:constr type="t" for="ch" forName="ParentText" refType="h" fact="0"/>
+              <dgm:constr type="w" for="ch" forName="ParentText" refType="w" fact="0.7457"/>
+              <dgm:constr type="h" for="ch" forName="ParentText" refType="h" fact="0.15"/>
+              <dgm:constr type="l" for="ch" forName="Image" refType="w" fact="0"/>
+              <dgm:constr type="t" for="ch" forName="Image" refType="h" fact="0.1661"/>
+              <dgm:constr type="w" for="ch" forName="Image" refType="w" fact="0.7457"/>
+              <dgm:constr type="h" for="ch" forName="Image" refType="h" fact="0.8711"/>
+              <dgm:constr type="l" for="ch" forName="ChildText" refType="w" fact="0.6464"/>
+              <dgm:constr type="t" for="ch" forName="ChildText" refType="h" fact="0.288"/>
+              <dgm:constr type="w" for="ch" forName="ChildText" refType="w" fact="0.3536"/>
+              <dgm:constr type="h" for="ch" forName="ChildText" refType="h" fact="0.5074"/>
+            </dgm:constrLst>
+          </dgm:if>
+          <dgm:else name="Name5">
+            <dgm:constrLst>
+              <dgm:constr type="l" for="ch" forName="ParentText" refType="w" fact="0.26"/>
+              <dgm:constr type="t" for="ch" forName="ParentText" refType="h" fact="0"/>
+              <dgm:constr type="w" for="ch" forName="ParentText" refType="w" fact="0.7457"/>
+              <dgm:constr type="h" for="ch" forName="ParentText" refType="h" fact="0.15"/>
+              <dgm:constr type="l" for="ch" forName="Image" refType="w" fact="0.26"/>
+              <dgm:constr type="t" for="ch" forName="Image" refType="h" fact="0.1661"/>
+              <dgm:constr type="w" for="ch" forName="Image" refType="w" fact="0.7446"/>
+              <dgm:constr type="h" for="ch" forName="Image" refType="h" fact="0.8711"/>
+              <dgm:constr type="l" for="ch" forName="ChildText" refType="w" fact="0"/>
+              <dgm:constr type="t" for="ch" forName="ChildText" refType="h" fact="0.288"/>
+              <dgm:constr type="w" for="ch" forName="ChildText" refType="w" fact="0.3536"/>
+              <dgm:constr type="h" for="ch" forName="ChildText" refType="h" fact="0.5074"/>
+            </dgm:constrLst>
+          </dgm:else>
+        </dgm:choose>
+        <dgm:layoutNode name="ParentText" styleLbl="node1">
+          <dgm:varLst>
+            <dgm:chMax val="1"/>
+            <dgm:chPref val="1"/>
+            <dgm:bulletEnabled val="1"/>
+          </dgm:varLst>
+          <dgm:alg type="tx"/>
+          <dgm:shape xmlns:r="http://schemas.openxmlformats.org/officeDocument/2006/relationships" type="rect" r:blip="" zOrderOff="10">
+            <dgm:adjLst/>
+          </dgm:shape>
+          <dgm:presOf axis="self" ptType="node"/>
+          <dgm:constrLst>
+            <dgm:constr type="lMarg" refType="primFontSz" fact="0.3"/>
+            <dgm:constr type="rMarg" refType="primFontSz" fact="0.3"/>
+            <dgm:constr type="tMarg" refType="primFontSz" fact="0.3"/>
+            <dgm:constr type="bMarg" refType="primFontSz" fact="0.3"/>
+          </dgm:constrLst>
+          <dgm:ruleLst>
+            <dgm:rule type="primFontSz" val="5" fact="NaN" max="NaN"/>
+          </dgm:ruleLst>
+        </dgm:layoutNode>
+        <dgm:layoutNode name="Image" styleLbl="bgImgPlace1">
+          <dgm:alg type="sp"/>
+          <dgm:shape xmlns:r="http://schemas.openxmlformats.org/officeDocument/2006/relationships" type="rect" r:blip="" blipPhldr="1">
+            <dgm:adjLst/>
+          </dgm:shape>
+          <dgm:presOf/>
+        </dgm:layoutNode>
+        <dgm:layoutNode name="ChildText" styleLbl="fgAcc1">
+          <dgm:varLst>
+            <dgm:chMax val="0"/>
+            <dgm:chPref val="0"/>
+            <dgm:bulletEnabled val="1"/>
+          </dgm:varLst>
+          <dgm:choose name="Name6">
+            <dgm:if name="Name7" axis="des" ptType="node" func="cnt" op="equ" val="1">
+              <dgm:alg type="tx">
+                <dgm:param type="stBulletLvl" val="2"/>
+                <dgm:param type="txAnchorVertCh" val="mid"/>
+                <dgm:param type="parTxLTRAlign" val="l"/>
+              </dgm:alg>
+            </dgm:if>
+            <dgm:else name="Name8">
+              <dgm:alg type="tx">
+                <dgm:param type="stBulletLvl" val="1"/>
+                <dgm:param type="txAnchorVertCh" val="mid"/>
+              </dgm:alg>
+            </dgm:else>
+          </dgm:choose>
+          <dgm:choose name="Name9">
+            <dgm:if name="Name10" axis="ch" ptType="node" func="cnt" op="gte" val="1">
+              <dgm:shape xmlns:r="http://schemas.openxmlformats.org/officeDocument/2006/relationships" type="roundRect" r:blip="">
+                <dgm:adjLst>
+                  <dgm:adj idx="1" val="0.1"/>
+                </dgm:adjLst>
+              </dgm:shape>
+              <dgm:presOf axis="des" ptType="node"/>
+            </dgm:if>
+            <dgm:else name="Name11">
+              <dgm:shape xmlns:r="http://schemas.openxmlformats.org/officeDocument/2006/relationships" type="roundRect" r:blip="" hideGeom="1">
+                <dgm:adjLst>
+                  <dgm:adj idx="1" val="0.1"/>
+                </dgm:adjLst>
+              </dgm:shape>
+              <dgm:presOf/>
+            </dgm:else>
+          </dgm:choose>
+          <dgm:constrLst>
+            <dgm:constr type="lMarg" refType="primFontSz" fact="0.3"/>
+            <dgm:constr type="rMarg" refType="primFontSz" fact="0.3"/>
+            <dgm:constr type="tMarg" refType="primFontSz" fact="0.3"/>
+            <dgm:constr type="bMarg" refType="primFontSz" fact="0.3"/>
+          </dgm:constrLst>
+          <dgm:ruleLst>
+            <dgm:rule type="primFontSz" val="5" fact="NaN" max="NaN"/>
+          </dgm:ruleLst>
+        </dgm:layoutNode>
+      </dgm:layoutNode>
+      <dgm:forEach name="sibTransForEach" axis="followSib" ptType="sibTrans" cnt="1">
+        <dgm:layoutNode name="sibTrans">
+          <dgm:alg type="sp"/>
+          <dgm:shape xmlns:r="http://schemas.openxmlformats.org/officeDocument/2006/relationships" r:blip="">
+            <dgm:adjLst/>
+          </dgm:shape>
+        </dgm:layoutNode>
+      </dgm:forEach>
+    </dgm:forEach>
+  </dgm:layoutNode>
+</dgm:layoutDef>
+</file>
+
+<file path=ppt/diagrams/layout3.xml><?xml version="1.0" encoding="utf-8"?>
+<dgm:layoutDef xmlns:dgm="http://schemas.openxmlformats.org/drawingml/2006/diagram" xmlns:a="http://schemas.openxmlformats.org/drawingml/2006/main" uniqueId="urn:microsoft.com/office/officeart/2008/layout/TitledPictureBlocks">
+  <dgm:title val=""/>
+  <dgm:desc val=""/>
+  <dgm:catLst>
+    <dgm:cat type="picture" pri="10000"/>
+    <dgm:cat type="pictureconvert" pri="10000"/>
+  </dgm:catLst>
+  <dgm:sampData>
+    <dgm:dataModel>
+      <dgm:ptLst>
+        <dgm:pt modelId="0" type="doc"/>
+        <dgm:pt modelId="10">
+          <dgm:prSet phldr="1"/>
+        </dgm:pt>
+        <dgm:pt modelId="11">
+          <dgm:prSet phldr="1"/>
+        </dgm:pt>
+        <dgm:pt modelId="20">
+          <dgm:prSet phldr="1"/>
+        </dgm:pt>
+        <dgm:pt modelId="21">
+          <dgm:prSet phldr="1"/>
+        </dgm:pt>
+        <dgm:pt modelId="30">
+          <dgm:prSet phldr="1"/>
+        </dgm:pt>
+        <dgm:pt modelId="31">
+          <dgm:prSet phldr="1"/>
+        </dgm:pt>
+      </dgm:ptLst>
+      <dgm:cxnLst>
+        <dgm:cxn modelId="60" srcId="0" destId="10" srcOrd="0" destOrd="0"/>
+        <dgm:cxn modelId="12" srcId="10" destId="11" srcOrd="0" destOrd="0"/>
+        <dgm:cxn modelId="70" srcId="0" destId="20" srcOrd="1" destOrd="0"/>
+        <dgm:cxn modelId="22" srcId="20" destId="21" srcOrd="0" destOrd="0"/>
+        <dgm:cxn modelId="80" srcId="0" destId="30" srcOrd="2" destOrd="0"/>
+        <dgm:cxn modelId="32" srcId="30" destId="31" srcOrd="0" destOrd="0"/>
+      </dgm:cxnLst>
+      <dgm:bg/>
+      <dgm:whole/>
+    </dgm:dataModel>
+  </dgm:sampData>
+  <dgm:styleData>
+    <dgm:dataModel>
+      <dgm:ptLst>
+        <dgm:pt modelId="0" type="doc"/>
+        <dgm:pt modelId="10">
+          <dgm:prSet phldr="1"/>
+        </dgm:pt>
+        <dgm:pt modelId="11">
+          <dgm:prSet phldr="1"/>
+        </dgm:pt>
+        <dgm:pt modelId="20">
+          <dgm:prSet phldr="1"/>
+        </dgm:pt>
+        <dgm:pt modelId="21">
+          <dgm:prSet phldr="1"/>
+        </dgm:pt>
+      </dgm:ptLst>
+      <dgm:cxnLst>
+        <dgm:cxn modelId="60" srcId="0" destId="10" srcOrd="0" destOrd="0"/>
+        <dgm:cxn modelId="12" srcId="10" destId="11" srcOrd="0" destOrd="0"/>
+        <dgm:cxn modelId="70" srcId="0" destId="20" srcOrd="1" destOrd="0"/>
+        <dgm:cxn modelId="22" srcId="20" destId="21" srcOrd="0" destOrd="0"/>
+      </dgm:cxnLst>
+      <dgm:bg/>
+      <dgm:whole/>
+    </dgm:dataModel>
+  </dgm:styleData>
+  <dgm:clrData>
+    <dgm:dataModel>
+      <dgm:ptLst>
+        <dgm:pt modelId="0" type="doc"/>
+        <dgm:pt modelId="10">
+          <dgm:prSet phldr="1"/>
+        </dgm:pt>
+        <dgm:pt modelId="11">
+          <dgm:prSet phldr="1"/>
+        </dgm:pt>
+        <dgm:pt modelId="20">
+          <dgm:prSet phldr="1"/>
+        </dgm:pt>
+        <dgm:pt modelId="21">
+          <dgm:prSet phldr="1"/>
+        </dgm:pt>
+        <dgm:pt modelId="30">
+          <dgm:prSet phldr="1"/>
+        </dgm:pt>
+        <dgm:pt modelId="31">
+          <dgm:prSet phldr="1"/>
+        </dgm:pt>
+        <dgm:pt modelId="40">
+          <dgm:prSet phldr="1"/>
+        </dgm:pt>
+        <dgm:pt modelId="41">
+          <dgm:prSet phldr="1"/>
+        </dgm:pt>
+      </dgm:ptLst>
+      <dgm:cxnLst>
+        <dgm:cxn modelId="60" srcId="0" destId="10" srcOrd="0" destOrd="0"/>
+        <dgm:cxn modelId="12" srcId="10" destId="11" srcOrd="0" destOrd="0"/>
+        <dgm:cxn modelId="70" srcId="0" destId="20" srcOrd="1" destOrd="0"/>
+        <dgm:cxn modelId="22" srcId="20" destId="21" srcOrd="0" destOrd="0"/>
+        <dgm:cxn modelId="80" srcId="0" destId="30" srcOrd="2" destOrd="0"/>
+        <dgm:cxn modelId="32" srcId="30" destId="31" srcOrd="0" destOrd="0"/>
+        <dgm:cxn modelId="90" srcId="0" destId="40" srcOrd="3" destOrd="0"/>
+        <dgm:cxn modelId="42" srcId="40" destId="41" srcOrd="0" destOrd="0"/>
+      </dgm:cxnLst>
+      <dgm:bg/>
+      <dgm:whole/>
+    </dgm:dataModel>
+  </dgm:clrData>
+  <dgm:layoutNode name="rootNode">
+    <dgm:varLst>
+      <dgm:chMax/>
+      <dgm:chPref/>
+      <dgm:dir/>
+      <dgm:animLvl val="lvl"/>
+    </dgm:varLst>
+    <dgm:choose name="Name0">
+      <dgm:if name="Name1" func="var" arg="dir" op="equ" val="norm">
+        <dgm:alg type="snake">
+          <dgm:param type="off" val="ctr"/>
+          <dgm:param type="grDir" val="tL"/>
+        </dgm:alg>
+      </dgm:if>
+      <dgm:else name="Name2">
+        <dgm:alg type="snake">
+          <dgm:param type="off" val="ctr"/>
+          <dgm:param type="grDir" val="tR"/>
+        </dgm:alg>
+      </dgm:else>
+    </dgm:choose>
+    <dgm:shape xmlns:r="http://schemas.openxmlformats.org/officeDocument/2006/relationships" r:blip="">
+      <dgm:adjLst/>
+    </dgm:shape>
+    <dgm:constrLst>
+      <dgm:constr type="primFontSz" for="des" forName="ParentText" op="equ"/>
+      <dgm:constr type="primFontSz" for="des" forName="ChildText" op="equ"/>
+      <dgm:constr type="w" for="ch" forName="composite" refType="w"/>
+      <dgm:constr type="h" for="ch" forName="composite" refType="h"/>
+      <dgm:constr type="sp" refType="w" refFor="ch" refForName="composite" op="equ" fact="0.1"/>
+      <dgm:constr type="w" for="ch" forName="sibTrans" refType="w" refFor="ch" refForName="composite" op="equ" fact="0.1"/>
+      <dgm:constr type="h" for="ch" forName="sibTrans" refType="w" refFor="ch" refForName="sibTrans" op="equ"/>
+    </dgm:constrLst>
+    <dgm:forEach name="nodesForEach" axis="ch" ptType="node">
+      <dgm:layoutNode name="composite">
+        <dgm:alg type="composite">
+          <dgm:param type="ar" val="1.3787"/>
+        </dgm:alg>
+        <dgm:shape xmlns:r="http://schemas.openxmlformats.org/officeDocument/2006/relationships" r:blip="">
+          <dgm:adjLst/>
+        </dgm:shape>
+        <dgm:choose name="Name3">
+          <dgm:if name="Name4" func="var" arg="dir" op="equ" val="norm">
+            <dgm:constrLst>
+              <dgm:constr type="l" for="ch" forName="ParentText" refType="w" fact="0"/>
+              <dgm:constr type="t" for="ch" forName="ParentText" refType="h" fact="0"/>
+              <dgm:constr type="w" for="ch" forName="ParentText" refType="w" fact="0.7457"/>
+              <dgm:constr type="h" for="ch" forName="ParentText" refType="h" fact="0.15"/>
+              <dgm:constr type="l" for="ch" forName="Image" refType="w" fact="0"/>
+              <dgm:constr type="t" for="ch" forName="Image" refType="h" fact="0.1661"/>
+              <dgm:constr type="w" for="ch" forName="Image" refType="w" fact="0.7457"/>
+              <dgm:constr type="h" for="ch" forName="Image" refType="h" fact="0.8711"/>
+              <dgm:constr type="l" for="ch" forName="ChildText" refType="w" fact="0.6464"/>
+              <dgm:constr type="t" for="ch" forName="ChildText" refType="h" fact="0.288"/>
+              <dgm:constr type="w" for="ch" forName="ChildText" refType="w" fact="0.3536"/>
+              <dgm:constr type="h" for="ch" forName="ChildText" refType="h" fact="0.5074"/>
+            </dgm:constrLst>
+          </dgm:if>
+          <dgm:else name="Name5">
+            <dgm:constrLst>
+              <dgm:constr type="l" for="ch" forName="ParentText" refType="w" fact="0.26"/>
+              <dgm:constr type="t" for="ch" forName="ParentText" refType="h" fact="0"/>
+              <dgm:constr type="w" for="ch" forName="ParentText" refType="w" fact="0.7457"/>
+              <dgm:constr type="h" for="ch" forName="ParentText" refType="h" fact="0.15"/>
+              <dgm:constr type="l" for="ch" forName="Image" refType="w" fact="0.26"/>
+              <dgm:constr type="t" for="ch" forName="Image" refType="h" fact="0.1661"/>
+              <dgm:constr type="w" for="ch" forName="Image" refType="w" fact="0.7446"/>
+              <dgm:constr type="h" for="ch" forName="Image" refType="h" fact="0.8711"/>
+              <dgm:constr type="l" for="ch" forName="ChildText" refType="w" fact="0"/>
+              <dgm:constr type="t" for="ch" forName="ChildText" refType="h" fact="0.288"/>
+              <dgm:constr type="w" for="ch" forName="ChildText" refType="w" fact="0.3536"/>
+              <dgm:constr type="h" for="ch" forName="ChildText" refType="h" fact="0.5074"/>
+            </dgm:constrLst>
+          </dgm:else>
+        </dgm:choose>
+        <dgm:layoutNode name="ParentText" styleLbl="node1">
+          <dgm:varLst>
+            <dgm:chMax val="1"/>
+            <dgm:chPref val="1"/>
+            <dgm:bulletEnabled val="1"/>
+          </dgm:varLst>
+          <dgm:alg type="tx"/>
+          <dgm:shape xmlns:r="http://schemas.openxmlformats.org/officeDocument/2006/relationships" type="rect" r:blip="" zOrderOff="10">
+            <dgm:adjLst/>
+          </dgm:shape>
+          <dgm:presOf axis="self" ptType="node"/>
+          <dgm:constrLst>
+            <dgm:constr type="lMarg" refType="primFontSz" fact="0.3"/>
+            <dgm:constr type="rMarg" refType="primFontSz" fact="0.3"/>
+            <dgm:constr type="tMarg" refType="primFontSz" fact="0.3"/>
+            <dgm:constr type="bMarg" refType="primFontSz" fact="0.3"/>
+          </dgm:constrLst>
+          <dgm:ruleLst>
+            <dgm:rule type="primFontSz" val="5" fact="NaN" max="NaN"/>
+          </dgm:ruleLst>
+        </dgm:layoutNode>
+        <dgm:layoutNode name="Image" styleLbl="bgImgPlace1">
+          <dgm:alg type="sp"/>
+          <dgm:shape xmlns:r="http://schemas.openxmlformats.org/officeDocument/2006/relationships" type="rect" r:blip="" blipPhldr="1">
+            <dgm:adjLst/>
+          </dgm:shape>
+          <dgm:presOf/>
+        </dgm:layoutNode>
+        <dgm:layoutNode name="ChildText" styleLbl="fgAcc1">
+          <dgm:varLst>
+            <dgm:chMax val="0"/>
+            <dgm:chPref val="0"/>
+            <dgm:bulletEnabled val="1"/>
+          </dgm:varLst>
+          <dgm:choose name="Name6">
+            <dgm:if name="Name7" axis="des" ptType="node" func="cnt" op="equ" val="1">
+              <dgm:alg type="tx">
+                <dgm:param type="stBulletLvl" val="2"/>
+                <dgm:param type="txAnchorVertCh" val="mid"/>
+                <dgm:param type="parTxLTRAlign" val="l"/>
+              </dgm:alg>
+            </dgm:if>
+            <dgm:else name="Name8">
+              <dgm:alg type="tx">
+                <dgm:param type="stBulletLvl" val="1"/>
+                <dgm:param type="txAnchorVertCh" val="mid"/>
+              </dgm:alg>
+            </dgm:else>
+          </dgm:choose>
+          <dgm:choose name="Name9">
+            <dgm:if name="Name10" axis="ch" ptType="node" func="cnt" op="gte" val="1">
+              <dgm:shape xmlns:r="http://schemas.openxmlformats.org/officeDocument/2006/relationships" type="roundRect" r:blip="">
+                <dgm:adjLst>
+                  <dgm:adj idx="1" val="0.1"/>
+                </dgm:adjLst>
+              </dgm:shape>
+              <dgm:presOf axis="des" ptType="node"/>
+            </dgm:if>
+            <dgm:else name="Name11">
+              <dgm:shape xmlns:r="http://schemas.openxmlformats.org/officeDocument/2006/relationships" type="roundRect" r:blip="" hideGeom="1">
+                <dgm:adjLst>
+                  <dgm:adj idx="1" val="0.1"/>
+                </dgm:adjLst>
+              </dgm:shape>
+              <dgm:presOf/>
+            </dgm:else>
+          </dgm:choose>
+          <dgm:constrLst>
+            <dgm:constr type="lMarg" refType="primFontSz" fact="0.3"/>
+            <dgm:constr type="rMarg" refType="primFontSz" fact="0.3"/>
+            <dgm:constr type="tMarg" refType="primFontSz" fact="0.3"/>
+            <dgm:constr type="bMarg" refType="primFontSz" fact="0.3"/>
+          </dgm:constrLst>
+          <dgm:ruleLst>
+            <dgm:rule type="primFontSz" val="5" fact="NaN" max="NaN"/>
+          </dgm:ruleLst>
+        </dgm:layoutNode>
+      </dgm:layoutNode>
+      <dgm:forEach name="sibTransForEach" axis="followSib" ptType="sibTrans" cnt="1">
+        <dgm:layoutNode name="sibTrans">
+          <dgm:alg type="sp"/>
+          <dgm:shape xmlns:r="http://schemas.openxmlformats.org/officeDocument/2006/relationships" r:blip="">
+            <dgm:adjLst/>
+          </dgm:shape>
+        </dgm:layoutNode>
+      </dgm:forEach>
+    </dgm:forEach>
+  </dgm:layoutNode>
+</dgm:layoutDef>
+</file>
+
+<file path=ppt/diagrams/quickStyle1.xml><?xml version="1.0" encoding="utf-8"?>
+<dgm:styleDef xmlns:dgm="http://schemas.openxmlformats.org/drawingml/2006/diagram" xmlns:a="http://schemas.openxmlformats.org/drawingml/2006/main" uniqueId="urn:microsoft.com/office/officeart/2005/8/quickstyle/simple1">
+  <dgm:title val=""/>
+  <dgm:desc val=""/>
+  <dgm:catLst>
+    <dgm:cat type="simple" pri="10100"/>
+  </dgm:catLst>
+  <dgm:scene3d>
+    <a:camera prst="orthographicFront"/>
+    <a:lightRig rig="threePt" dir="t"/>
+  </dgm:scene3d>
+  <dgm:styleLbl name="node0">
+    <dgm:scene3d>
+      <a:camera prst="orthographicFront"/>
+      <a:lightRig rig="threePt" dir="t"/>
+    </dgm:scene3d>
+    <dgm:sp3d/>
+    <dgm:txPr/>
+    <dgm:style>
+      <a:lnRef idx="2">
+        <a:scrgbClr r="0" g="0" b="0"/>
+      </a:lnRef>
+      <a:fillRef idx="1">
+        <a:scrgbClr r="0" g="0" b="0"/>
+      </a:fillRef>
+      <a:effectRef idx="0">
+        <a:scrgbClr r="0" g="0" b="0"/>
+      </a:effectRef>
+      <a:fontRef idx="minor">
+        <a:schemeClr val="lt1"/>
+      </a:fontRef>
+    </dgm:style>
+  </dgm:styleLbl>
+  <dgm:styleLbl name="lnNode1">
+    <dgm:scene3d>
+      <a:camera prst="orthographicFront"/>
+      <a:lightRig rig="threePt" dir="t"/>
+    </dgm:scene3d>
+    <dgm:sp3d/>
+    <dgm:txPr/>
+    <dgm:style>
+      <a:lnRef idx="2">
+        <a:scrgbClr r="0" g="0" b="0"/>
+      </a:lnRef>
+      <a:fillRef idx="1">
+        <a:scrgbClr r="0" g="0" b="0"/>
+      </a:fillRef>
+      <a:effectRef idx="0">
+        <a:scrgbClr r="0" g="0" b="0"/>
+      </a:effectRef>
+      <a:fontRef idx="minor">
+        <a:schemeClr val="lt1"/>
+      </a:fontRef>
+    </dgm:style>
+  </dgm:styleLbl>
+  <dgm:styleLbl name="vennNode1">
+    <dgm:scene3d>
+      <a:camera prst="orthographicFront"/>
+      <a:lightRig rig="threePt" dir="t"/>
+    </dgm:scene3d>
+    <dgm:sp3d/>
+    <dgm:txPr/>
+    <dgm:style>
+      <a:lnRef idx="2">
+        <a:scrgbClr r="0" g="0" b="0"/>
+      </a:lnRef>
+      <a:fillRef idx="1">
+        <a:scrgbClr r="0" g="0" b="0"/>
+      </a:fillRef>
+      <a:effectRef idx="0">
+        <a:scrgbClr r="0" g="0" b="0"/>
+      </a:effectRef>
+      <a:fontRef idx="minor">
+        <a:schemeClr val="tx1"/>
+      </a:fontRef>
+    </dgm:style>
+  </dgm:styleLbl>
+  <dgm:styleLbl name="alignNode1">
+    <dgm:scene3d>
+      <a:camera prst="orthographicFront"/>
+      <a:lightRig rig="threePt" dir="t"/>
+    </dgm:scene3d>
+    <dgm:sp3d/>
+    <dgm:txPr/>
+    <dgm:style>
+      <a:lnRef idx="2">
+        <a:scrgbClr r="0" g="0" b="0"/>
+      </a:lnRef>
+      <a:fillRef idx="1">
+        <a:scrgbClr r="0" g="0" b="0"/>
+      </a:fillRef>
+      <a:effectRef idx="0">
+        <a:scrgbClr r="0" g="0" b="0"/>
+      </a:effectRef>
+      <a:fontRef idx="minor">
+        <a:schemeClr val="lt1"/>
+      </a:fontRef>
+    </dgm:style>
+  </dgm:styleLbl>
+  <dgm:styleLbl name="node1">
+    <dgm:scene3d>
+      <a:camera prst="orthographicFront"/>
+      <a:lightRig rig="threePt" dir="t"/>
+    </dgm:scene3d>
+    <dgm:sp3d/>
+    <dgm:txPr/>
+    <dgm:style>
+      <a:lnRef idx="2">
+        <a:scrgbClr r="0" g="0" b="0"/>
+      </a:lnRef>
+      <a:fillRef idx="1">
+        <a:scrgbClr r="0" g="0" b="0"/>
+      </a:fillRef>
+      <a:effectRef idx="0">
+        <a:scrgbClr r="0" g="0" b="0"/>
+      </a:effectRef>
+      <a:fontRef idx="minor">
+        <a:schemeClr val="lt1"/>
+      </a:fontRef>
+    </dgm:style>
+  </dgm:styleLbl>
+  <dgm:styleLbl name="node2">
+    <dgm:scene3d>
+      <a:camera prst="orthographicFront"/>
+      <a:lightRig rig="threePt" dir="t"/>
+    </dgm:scene3d>
+    <dgm:sp3d/>
+    <dgm:txPr/>
+    <dgm:style>
+      <a:lnRef idx="2">
+        <a:scrgbClr r="0" g="0" b="0"/>
+      </a:lnRef>
+      <a:fillRef idx="1">
+        <a:scrgbClr r="0" g="0" b="0"/>
+      </a:fillRef>
+      <a:effectRef idx="0">
+        <a:scrgbClr r="0" g="0" b="0"/>
+      </a:effectRef>
+      <a:fontRef idx="minor">
+        <a:schemeClr val="lt1"/>
+      </a:fontRef>
+    </dgm:style>
+  </dgm:styleLbl>
+  <dgm:styleLbl name="node3">
+    <dgm:scene3d>
+      <a:camera prst="orthographicFront"/>
+      <a:lightRig rig="threePt" dir="t"/>
+    </dgm:scene3d>
+    <dgm:sp3d/>
+    <dgm:txPr/>
+    <dgm:style>
+      <a:lnRef idx="2">
+        <a:scrgbClr r="0" g="0" b="0"/>
+      </a:lnRef>
+      <a:fillRef idx="1">
+        <a:scrgbClr r="0" g="0" b="0"/>
+      </a:fillRef>
+      <a:effectRef idx="0">
+        <a:scrgbClr r="0" g="0" b="0"/>
+      </a:effectRef>
+      <a:fontRef idx="minor">
+        <a:schemeClr val="lt1"/>
+      </a:fontRef>
+    </dgm:style>
+  </dgm:styleLbl>
+  <dgm:styleLbl name="node4">
+    <dgm:scene3d>
+      <a:camera prst="orthographicFront"/>
+      <a:lightRig rig="threePt" dir="t"/>
+    </dgm:scene3d>
+    <dgm:sp3d/>
+    <dgm:txPr/>
+    <dgm:style>
+      <a:lnRef idx="2">
+        <a:scrgbClr r="0" g="0" b="0"/>
+      </a:lnRef>
+      <a:fillRef idx="1">
+        <a:scrgbClr r="0" g="0" b="0"/>
+      </a:fillRef>
+      <a:effectRef idx="0">
+        <a:scrgbClr r="0" g="0" b="0"/>
+      </a:effectRef>
+      <a:fontRef idx="minor">
+        <a:schemeClr val="lt1"/>
+      </a:fontRef>
+    </dgm:style>
+  </dgm:styleLbl>
+  <dgm:styleLbl name="fgImgPlace1">
+    <dgm:scene3d>
+      <a:camera prst="orthographicFront"/>
+      <a:lightRig rig="threePt" dir="t"/>
+    </dgm:scene3d>
+    <dgm:sp3d/>
+    <dgm:txPr/>
+    <dgm:style>
+      <a:lnRef idx="2">
+        <a:scrgbClr r="0" g="0" b="0"/>
+      </a:lnRef>
+      <a:fillRef idx="1">
+        <a:scrgbClr r="0" g="0" b="0"/>
+      </a:fillRef>
+      <a:effectRef idx="0">
+        <a:scrgbClr r="0" g="0" b="0"/>
+      </a:effectRef>
+      <a:fontRef idx="minor"/>
+    </dgm:style>
+  </dgm:styleLbl>
+  <dgm:styleLbl name="alignImgPlace1">
+    <dgm:scene3d>
+      <a:camera prst="orthographicFront"/>
+      <a:lightRig rig="threePt" dir="t"/>
+    </dgm:scene3d>
+    <dgm:sp3d/>
+    <dgm:txPr/>
+    <dgm:style>
+      <a:lnRef idx="2">
+        <a:scrgbClr r="0" g="0" b="0"/>
+      </a:lnRef>
+      <a:fillRef idx="1">
+        <a:scrgbClr r="0" g="0" b="0"/>
+      </a:fillRef>
+      <a:effectRef idx="0">
+        <a:scrgbClr r="0" g="0" b="0"/>
+      </a:effectRef>
+      <a:fontRef idx="minor"/>
+    </dgm:style>
+  </dgm:styleLbl>
+  <dgm:styleLbl name="bgImgPlace1">
+    <dgm:scene3d>
+      <a:camera prst="orthographicFront"/>
+      <a:lightRig rig="threePt" dir="t"/>
+    </dgm:scene3d>
+    <dgm:sp3d/>
+    <dgm:txPr/>
+    <dgm:style>
+      <a:lnRef idx="2">
+        <a:scrgbClr r="0" g="0" b="0"/>
+      </a:lnRef>
+      <a:fillRef idx="1">
+        <a:scrgbClr r="0" g="0" b="0"/>
+      </a:fillRef>
+      <a:effectRef idx="0">
+        <a:scrgbClr r="0" g="0" b="0"/>
+      </a:effectRef>
+      <a:fontRef idx="minor"/>
+    </dgm:style>
+  </dgm:styleLbl>
+  <dgm:styleLbl name="sibTrans2D1">
+    <dgm:scene3d>
+      <a:camera prst="orthographicFront"/>
+      <a:lightRig rig="threePt" dir="t"/>
+    </dgm:scene3d>
+    <dgm:sp3d/>
+    <dgm:txPr/>
+    <dgm:style>
+      <a:lnRef idx="0">
+        <a:scrgbClr r="0" g="0" b="0"/>
+      </a:lnRef>
+      <a:fillRef idx="1">
+        <a:scrgbClr r="0" g="0" b="0"/>
+      </a:fillRef>
+      <a:effectRef idx="0">
+        <a:scrgbClr r="0" g="0" b="0"/>
+      </a:effectRef>
+      <a:fontRef idx="minor">
+        <a:schemeClr val="lt1"/>
+      </a:fontRef>
+    </dgm:style>
+  </dgm:styleLbl>
+  <dgm:styleLbl name="fgSibTrans2D1">
+    <dgm:scene3d>
+      <a:camera prst="orthographicFront"/>
+      <a:lightRig rig="threePt" dir="t"/>
+    </dgm:scene3d>
+    <dgm:sp3d/>
+    <dgm:txPr/>
+    <dgm:style>
+      <a:lnRef idx="0">
+        <a:scrgbClr r="0" g="0" b="0"/>
+      </a:lnRef>
+      <a:fillRef idx="1">
+        <a:scrgbClr r="0" g="0" b="0"/>
+      </a:fillRef>
+      <a:effectRef idx="0">
+        <a:scrgbClr r="0" g="0" b="0"/>
+      </a:effectRef>
+      <a:fontRef idx="minor">
+        <a:schemeClr val="lt1"/>
+      </a:fontRef>
+    </dgm:style>
+  </dgm:styleLbl>
+  <dgm:styleLbl name="bgSibTrans2D1">
+    <dgm:scene3d>
+      <a:camera prst="orthographicFront"/>
+      <a:lightRig rig="threePt" dir="t"/>
+    </dgm:scene3d>
+    <dgm:sp3d/>
+    <dgm:txPr/>
+    <dgm:style>
+      <a:lnRef idx="0">
+        <a:scrgbClr r="0" g="0" b="0"/>
+      </a:lnRef>
+      <a:fillRef idx="1">
+        <a:scrgbClr r="0" g="0" b="0"/>
+      </a:fillRef>
+      <a:effectRef idx="0">
+        <a:scrgbClr r="0" g="0" b="0"/>
+      </a:effectRef>
+      <a:fontRef idx="minor">
+        <a:schemeClr val="lt1"/>
+      </a:fontRef>
+    </dgm:style>
+  </dgm:styleLbl>
+  <dgm:styleLbl name="sibTrans1D1">
+    <dgm:scene3d>
+      <a:camera prst="orthographicFront"/>
+      <a:lightRig rig="threePt" dir="t"/>
+    </dgm:scene3d>
+    <dgm:sp3d/>
+    <dgm:txPr/>
+    <dgm:style>
+      <a:lnRef idx="1">
+        <a:scrgbClr r="0" g="0" b="0"/>
+      </a:lnRef>
+      <a:fillRef idx="0">
+        <a:scrgbClr r="0" g="0" b="0"/>
+      </a:fillRef>
+      <a:effectRef idx="0">
+        <a:scrgbClr r="0" g="0" b="0"/>
+      </a:effectRef>
+      <a:fontRef idx="minor"/>
+    </dgm:style>
+  </dgm:styleLbl>
+  <dgm:styleLbl name="callout">
+    <dgm:scene3d>
+      <a:camera prst="orthographicFront"/>
+      <a:lightRig rig="threePt" dir="t"/>
+    </dgm:scene3d>
+    <dgm:sp3d/>
+    <dgm:txPr/>
+    <dgm:style>
+      <a:lnRef idx="2">
+        <a:scrgbClr r="0" g="0" b="0"/>
+      </a:lnRef>
+      <a:fillRef idx="1">
+        <a:scrgbClr r="0" g="0" b="0"/>
+      </a:fillRef>
+      <a:effectRef idx="0">
+        <a:scrgbClr r="0" g="0" b="0"/>
+      </a:effectRef>
+      <a:fontRef idx="minor"/>
+    </dgm:style>
+  </dgm:styleLbl>
+  <dgm:styleLbl name="asst0">
+    <dgm:scene3d>
+      <a:camera prst="orthographicFront"/>
+      <a:lightRig rig="threePt" dir="t"/>
+    </dgm:scene3d>
+    <dgm:sp3d/>
+    <dgm:txPr/>
+    <dgm:style>
+      <a:lnRef idx="2">
+        <a:scrgbClr r="0" g="0" b="0"/>
+      </a:lnRef>
+      <a:fillRef idx="1">
+        <a:scrgbClr r="0" g="0" b="0"/>
+      </a:fillRef>
+      <a:effectRef idx="0">
+        <a:scrgbClr r="0" g="0" b="0"/>
+      </a:effectRef>
+      <a:fontRef idx="minor">
+        <a:schemeClr val="lt1"/>
+      </a:fontRef>
+    </dgm:style>
+  </dgm:styleLbl>
+  <dgm:styleLbl name="asst1">
+    <dgm:scene3d>
+      <a:camera prst="orthographicFront"/>
+      <a:lightRig rig="threePt" dir="t"/>
+    </dgm:scene3d>
+    <dgm:sp3d/>
+    <dgm:txPr/>
+    <dgm:style>
+      <a:lnRef idx="2">
+        <a:scrgbClr r="0" g="0" b="0"/>
+      </a:lnRef>
+      <a:fillRef idx="1">
+        <a:scrgbClr r="0" g="0" b="0"/>
+      </a:fillRef>
+      <a:effectRef idx="0">
+        <a:scrgbClr r="0" g="0" b="0"/>
+      </a:effectRef>
+      <a:fontRef idx="minor">
+        <a:schemeClr val="lt1"/>
+      </a:fontRef>
+    </dgm:style>
+  </dgm:styleLbl>
+  <dgm:styleLbl name="asst2">
+    <dgm:scene3d>
+      <a:camera prst="orthographicFront"/>
+      <a:lightRig rig="threePt" dir="t"/>
+    </dgm:scene3d>
+    <dgm:sp3d/>
+    <dgm:txPr/>
+    <dgm:style>
+      <a:lnRef idx="2">
+        <a:scrgbClr r="0" g="0" b="0"/>
+      </a:lnRef>
+      <a:fillRef idx="1">
+        <a:scrgbClr r="0" g="0" b="0"/>
+      </a:fillRef>
+      <a:effectRef idx="0">
+        <a:scrgbClr r="0" g="0" b="0"/>
+      </a:effectRef>
+      <a:fontRef idx="minor">
+        <a:schemeClr val="lt1"/>
+      </a:fontRef>
+    </dgm:style>
+  </dgm:styleLbl>
+  <dgm:styleLbl name="asst3">
+    <dgm:scene3d>
+      <a:camera prst="orthographicFront"/>
+      <a:lightRig rig="threePt" dir="t"/>
+    </dgm:scene3d>
+    <dgm:sp3d/>
+    <dgm:txPr/>
+    <dgm:style>
+      <a:lnRef idx="2">
+        <a:scrgbClr r="0" g="0" b="0"/>
+      </a:lnRef>
+      <a:fillRef idx="1">
+        <a:scrgbClr r="0" g="0" b="0"/>
+      </a:fillRef>
+      <a:effectRef idx="0">
+        <a:scrgbClr r="0" g="0" b="0"/>
+      </a:effectRef>
+      <a:fontRef idx="minor">
+        <a:schemeClr val="lt1"/>
+      </a:fontRef>
+    </dgm:style>
+  </dgm:styleLbl>
+  <dgm:styleLbl name="asst4">
+    <dgm:scene3d>
+      <a:camera prst="orthographicFront"/>
+      <a:lightRig rig="threePt" dir="t"/>
+    </dgm:scene3d>
+    <dgm:sp3d/>
+    <dgm:txPr/>
+    <dgm:style>
+      <a:lnRef idx="2">
+        <a:scrgbClr r="0" g="0" b="0"/>
+      </a:lnRef>
+      <a:fillRef idx="1">
+        <a:scrgbClr r="0" g="0" b="0"/>
+      </a:fillRef>
+      <a:effectRef idx="0">
+        <a:scrgbClr r="0" g="0" b="0"/>
+      </a:effectRef>
+      <a:fontRef idx="minor">
+        <a:schemeClr val="lt1"/>
+      </a:fontRef>
+    </dgm:style>
+  </dgm:styleLbl>
+  <dgm:styleLbl name="parChTrans2D1">
+    <dgm:scene3d>
+      <a:camera prst="orthographicFront"/>
+      <a:lightRig rig="threePt" dir="t"/>
+    </dgm:scene3d>
+    <dgm:sp3d/>
+    <dgm:txPr/>
+    <dgm:style>
+      <a:lnRef idx="2">
+        <a:scrgbClr r="0" g="0" b="0"/>
+      </a:lnRef>
+      <a:fillRef idx="1">
+        <a:scrgbClr r="0" g="0" b="0"/>
+      </a:fillRef>
+      <a:effectRef idx="0">
+        <a:scrgbClr r="0" g="0" b="0"/>
+      </a:effectRef>
+      <a:fontRef idx="minor">
+        <a:schemeClr val="lt1"/>
+      </a:fontRef>
+    </dgm:style>
+  </dgm:styleLbl>
+  <dgm:styleLbl name="parChTrans2D2">
+    <dgm:scene3d>
+      <a:camera prst="orthographicFront"/>
+      <a:lightRig rig="threePt" dir="t"/>
+    </dgm:scene3d>
+    <dgm:sp3d/>
+    <dgm:txPr/>
+    <dgm:style>
+      <a:lnRef idx="2">
+        <a:scrgbClr r="0" g="0" b="0"/>
+      </a:lnRef>
+      <a:fillRef idx="1">
+        <a:scrgbClr r="0" g="0" b="0"/>
+      </a:fillRef>
+      <a:effectRef idx="0">
+        <a:scrgbClr r="0" g="0" b="0"/>
+      </a:effectRef>
+      <a:fontRef idx="minor">
+        <a:schemeClr val="lt1"/>
+      </a:fontRef>
+    </dgm:style>
+  </dgm:styleLbl>
+  <dgm:styleLbl name="parChTrans2D3">
+    <dgm:scene3d>
+      <a:camera prst="orthographicFront"/>
+      <a:lightRig rig="threePt" dir="t"/>
+    </dgm:scene3d>
+    <dgm:sp3d/>
+    <dgm:txPr/>
+    <dgm:style>
+      <a:lnRef idx="2">
+        <a:scrgbClr r="0" g="0" b="0"/>
+      </a:lnRef>
+      <a:fillRef idx="1">
+        <a:scrgbClr r="0" g="0" b="0"/>
+      </a:fillRef>
+      <a:effectRef idx="0">
+        <a:scrgbClr r="0" g="0" b="0"/>
+      </a:effectRef>
+      <a:fontRef idx="minor">
+        <a:schemeClr val="lt1"/>
+      </a:fontRef>
+    </dgm:style>
+  </dgm:styleLbl>
+  <dgm:styleLbl name="parChTrans2D4">
+    <dgm:scene3d>
+      <a:camera prst="orthographicFront"/>
+      <a:lightRig rig="threePt" dir="t"/>
+    </dgm:scene3d>
+    <dgm:sp3d/>
+    <dgm:txPr/>
+    <dgm:style>
+      <a:lnRef idx="2">
+        <a:scrgbClr r="0" g="0" b="0"/>
+      </a:lnRef>
+      <a:fillRef idx="1">
+        <a:scrgbClr r="0" g="0" b="0"/>
+      </a:fillRef>
+      <a:effectRef idx="0">
+        <a:scrgbClr r="0" g="0" b="0"/>
+      </a:effectRef>
+      <a:fontRef idx="minor">
+        <a:schemeClr val="lt1"/>
+      </a:fontRef>
+    </dgm:style>
+  </dgm:styleLbl>
+  <dgm:styleLbl name="parChTrans1D1">
+    <dgm:scene3d>
+      <a:camera prst="orthographicFront"/>
+      <a:lightRig rig="threePt" dir="t"/>
+    </dgm:scene3d>
+    <dgm:sp3d/>
+    <dgm:txPr/>
+    <dgm:style>
+      <a:lnRef idx="2">
+        <a:scrgbClr r="0" g="0" b="0"/>
+      </a:lnRef>
+      <a:fillRef idx="0">
+        <a:scrgbClr r="0" g="0" b="0"/>
+      </a:fillRef>
+      <a:effectRef idx="0">
+        <a:scrgbClr r="0" g="0" b="0"/>
+      </a:effectRef>
+      <a:fontRef idx="minor"/>
+    </dgm:style>
+  </dgm:styleLbl>
+  <dgm:styleLbl name="parChTrans1D2">
+    <dgm:scene3d>
+      <a:camera prst="orthographicFront"/>
+      <a:lightRig rig="threePt" dir="t"/>
+    </dgm:scene3d>
+    <dgm:sp3d/>
+    <dgm:txPr/>
+    <dgm:style>
+      <a:lnRef idx="2">
+        <a:scrgbClr r="0" g="0" b="0"/>
+      </a:lnRef>
+      <a:fillRef idx="0">
+        <a:scrgbClr r="0" g="0" b="0"/>
+      </a:fillRef>
+      <a:effectRef idx="0">
+        <a:scrgbClr r="0" g="0" b="0"/>
+      </a:effectRef>
+      <a:fontRef idx="minor"/>
+    </dgm:style>
+  </dgm:styleLbl>
+  <dgm:styleLbl name="parChTrans1D3">
+    <dgm:scene3d>
+      <a:camera prst="orthographicFront"/>
+      <a:lightRig rig="threePt" dir="t"/>
+    </dgm:scene3d>
+    <dgm:sp3d/>
+    <dgm:txPr/>
+    <dgm:style>
+      <a:lnRef idx="2">
+        <a:scrgbClr r="0" g="0" b="0"/>
+      </a:lnRef>
+      <a:fillRef idx="0">
+        <a:scrgbClr r="0" g="0" b="0"/>
+      </a:fillRef>
+      <a:effectRef idx="0">
+        <a:scrgbClr r="0" g="0" b="0"/>
+      </a:effectRef>
+      <a:fontRef idx="minor"/>
+    </dgm:style>
+  </dgm:styleLbl>
+  <dgm:styleLbl name="parChTrans1D4">
+    <dgm:scene3d>
+      <a:camera prst="orthographicFront"/>
+      <a:lightRig rig="threePt" dir="t"/>
+    </dgm:scene3d>
+    <dgm:sp3d/>
+    <dgm:txPr/>
+    <dgm:style>
+      <a:lnRef idx="2">
+        <a:scrgbClr r="0" g="0" b="0"/>
+      </a:lnRef>
+      <a:fillRef idx="0">
+        <a:scrgbClr r="0" g="0" b="0"/>
+      </a:fillRef>
+      <a:effectRef idx="0">
+        <a:scrgbClr r="0" g="0" b="0"/>
+      </a:effectRef>
+      <a:fontRef idx="minor"/>
+    </dgm:style>
+  </dgm:styleLbl>
+  <dgm:styleLbl name="fgAcc1">
+    <dgm:scene3d>
+      <a:camera prst="orthographicFront"/>
+      <a:lightRig rig="threePt" dir="t"/>
+    </dgm:scene3d>
+    <dgm:sp3d/>
+    <dgm:txPr/>
+    <dgm:style>
+      <a:lnRef idx="2">
+        <a:scrgbClr r="0" g="0" b="0"/>
+      </a:lnRef>
+      <a:fillRef idx="1">
+        <a:scrgbClr r="0" g="0" b="0"/>
+      </a:fillRef>
+      <a:effectRef idx="0">
+        <a:scrgbClr r="0" g="0" b="0"/>
+      </a:effectRef>
+      <a:fontRef idx="minor"/>
+    </dgm:style>
+  </dgm:styleLbl>
+  <dgm:styleLbl name="conFgAcc1">
+    <dgm:scene3d>
+      <a:camera prst="orthographicFront"/>
+      <a:lightRig rig="threePt" dir="t"/>
+    </dgm:scene3d>
+    <dgm:sp3d/>
+    <dgm:txPr/>
+    <dgm:style>
+      <a:lnRef idx="2">
+        <a:scrgbClr r="0" g="0" b="0"/>
+      </a:lnRef>
+      <a:fillRef idx="1">
+        <a:scrgbClr r="0" g="0" b="0"/>
+      </a:fillRef>
+      <a:effectRef idx="0">
+        <a:scrgbClr r="0" g="0" b="0"/>
+      </a:effectRef>
+      <a:fontRef idx="minor"/>
+    </dgm:style>
+  </dgm:styleLbl>
+  <dgm:styleLbl name="alignAcc1">
+    <dgm:scene3d>
+      <a:camera prst="orthographicFront"/>
+      <a:lightRig rig="threePt" dir="t"/>
+    </dgm:scene3d>
+    <dgm:sp3d/>
+    <dgm:txPr/>
+    <dgm:style>
+      <a:lnRef idx="2">
+        <a:scrgbClr r="0" g="0" b="0"/>
+      </a:lnRef>
+      <a:fillRef idx="1">
+        <a:scrgbClr r="0" g="0" b="0"/>
+      </a:fillRef>
+      <a:effectRef idx="0">
+        <a:scrgbClr r="0" g="0" b="0"/>
+      </a:effectRef>
+      <a:fontRef idx="minor"/>
+    </dgm:style>
+  </dgm:styleLbl>
+  <dgm:styleLbl name="trAlignAcc1">
+    <dgm:scene3d>
+      <a:camera prst="orthographicFront"/>
+      <a:lightRig rig="threePt" dir="t"/>
+    </dgm:scene3d>
+    <dgm:sp3d/>
+    <dgm:txPr/>
+    <dgm:style>
+      <a:lnRef idx="1">
+        <a:scrgbClr r="0" g="0" b="0"/>
+      </a:lnRef>
+      <a:fillRef idx="1">
+        <a:scrgbClr r="0" g="0" b="0"/>
+      </a:fillRef>
+      <a:effectRef idx="0">
+        <a:scrgbClr r="0" g="0" b="0"/>
+      </a:effectRef>
+      <a:fontRef idx="minor"/>
+    </dgm:style>
+  </dgm:styleLbl>
+  <dgm:styleLbl name="bgAcc1">
+    <dgm:scene3d>
+      <a:camera prst="orthographicFront"/>
+      <a:lightRig rig="threePt" dir="t"/>
+    </dgm:scene3d>
+    <dgm:sp3d/>
+    <dgm:txPr/>
+    <dgm:style>
+      <a:lnRef idx="2">
+        <a:scrgbClr r="0" g="0" b="0"/>
+      </a:lnRef>
+      <a:fillRef idx="1">
+        <a:scrgbClr r="0" g="0" b="0"/>
+      </a:fillRef>
+      <a:effectRef idx="0">
+        <a:scrgbClr r="0" g="0" b="0"/>
+      </a:effectRef>
+      <a:fontRef idx="minor"/>
+    </dgm:style>
+  </dgm:styleLbl>
+  <dgm:styleLbl name="solidFgAcc1">
+    <dgm:scene3d>
+      <a:camera prst="orthographicFront"/>
+      <a:lightRig rig="threePt" dir="t"/>
+    </dgm:scene3d>
+    <dgm:sp3d/>
+    <dgm:txPr/>
+    <dgm:style>
+      <a:lnRef idx="2">
+        <a:scrgbClr r="0" g="0" b="0"/>
+      </a:lnRef>
+      <a:fillRef idx="1">
+        <a:scrgbClr r="0" g="0" b="0"/>
+      </a:fillRef>
+      <a:effectRef idx="0">
+        <a:scrgbClr r="0" g="0" b="0"/>
+      </a:effectRef>
+      <a:fontRef idx="minor"/>
+    </dgm:style>
+  </dgm:styleLbl>
+  <dgm:styleLbl name="solidAlignAcc1">
+    <dgm:scene3d>
+      <a:camera prst="orthographicFront"/>
+      <a:lightRig rig="threePt" dir="t"/>
+    </dgm:scene3d>
+    <dgm:sp3d/>
+    <dgm:txPr/>
+    <dgm:style>
+      <a:lnRef idx="2">
+        <a:scrgbClr r="0" g="0" b="0"/>
+      </a:lnRef>
+      <a:fillRef idx="1">
+        <a:scrgbClr r="0" g="0" b="0"/>
+      </a:fillRef>
+      <a:effectRef idx="0">
+        <a:scrgbClr r="0" g="0" b="0"/>
+      </a:effectRef>
+      <a:fontRef idx="minor"/>
+    </dgm:style>
+  </dgm:styleLbl>
+  <dgm:styleLbl name="solidBgAcc1">
+    <dgm:scene3d>
+      <a:camera prst="orthographicFront"/>
+      <a:lightRig rig="threePt" dir="t"/>
+    </dgm:scene3d>
+    <dgm:sp3d/>
+    <dgm:txPr/>
+    <dgm:style>
+      <a:lnRef idx="2">
+        <a:scrgbClr r="0" g="0" b="0"/>
+      </a:lnRef>
+      <a:fillRef idx="1">
+        <a:scrgbClr r="0" g="0" b="0"/>
+      </a:fillRef>
+      <a:effectRef idx="0">
+        <a:scrgbClr r="0" g="0" b="0"/>
+      </a:effectRef>
+      <a:fontRef idx="minor"/>
+    </dgm:style>
+  </dgm:styleLbl>
+  <dgm:styleLbl name="fgAccFollowNode1">
+    <dgm:scene3d>
+      <a:camera prst="orthographicFront"/>
+      <a:lightRig rig="threePt" dir="t"/>
+    </dgm:scene3d>
+    <dgm:sp3d/>
+    <dgm:txPr/>
+    <dgm:style>
+      <a:lnRef idx="2">
+        <a:scrgbClr r="0" g="0" b="0"/>
+      </a:lnRef>
+      <a:fillRef idx="1">
+        <a:scrgbClr r="0" g="0" b="0"/>
+      </a:fillRef>
+      <a:effectRef idx="0">
+        <a:scrgbClr r="0" g="0" b="0"/>
+      </a:effectRef>
+      <a:fontRef idx="minor"/>
+    </dgm:style>
+  </dgm:styleLbl>
+  <dgm:styleLbl name="alignAccFollowNode1">
+    <dgm:scene3d>
+      <a:camera prst="orthographicFront"/>
+      <a:lightRig rig="threePt" dir="t"/>
+    </dgm:scene3d>
+    <dgm:sp3d/>
+    <dgm:txPr/>
+    <dgm:style>
+      <a:lnRef idx="2">
+        <a:scrgbClr r="0" g="0" b="0"/>
+      </a:lnRef>
+      <a:fillRef idx="1">
+        <a:scrgbClr r="0" g="0" b="0"/>
+      </a:fillRef>
+      <a:effectRef idx="0">
+        <a:scrgbClr r="0" g="0" b="0"/>
+      </a:effectRef>
+      <a:fontRef idx="minor"/>
+    </dgm:style>
+  </dgm:styleLbl>
+  <dgm:styleLbl name="bgAccFollowNode1">
+    <dgm:scene3d>
+      <a:camera prst="orthographicFront"/>
+      <a:lightRig rig="threePt" dir="t"/>
+    </dgm:scene3d>
+    <dgm:sp3d/>
+    <dgm:txPr/>
+    <dgm:style>
+      <a:lnRef idx="2">
+        <a:scrgbClr r="0" g="0" b="0"/>
+      </a:lnRef>
+      <a:fillRef idx="1">
+        <a:scrgbClr r="0" g="0" b="0"/>
+      </a:fillRef>
+      <a:effectRef idx="0">
+        <a:scrgbClr r="0" g="0" b="0"/>
+      </a:effectRef>
+      <a:fontRef idx="minor"/>
+    </dgm:style>
+  </dgm:styleLbl>
+  <dgm:styleLbl name="fgAcc0">
+    <dgm:scene3d>
+      <a:camera prst="orthographicFront"/>
+      <a:lightRig rig="threePt" dir="t"/>
+    </dgm:scene3d>
+    <dgm:sp3d/>
+    <dgm:txPr/>
+    <dgm:style>
+      <a:lnRef idx="2">
+        <a:scrgbClr r="0" g="0" b="0"/>
+      </a:lnRef>
+      <a:fillRef idx="1">
+        <a:scrgbClr r="0" g="0" b="0"/>
+      </a:fillRef>
+      <a:effectRef idx="0">
+        <a:scrgbClr r="0" g="0" b="0"/>
+      </a:effectRef>
+      <a:fontRef idx="minor"/>
+    </dgm:style>
+  </dgm:styleLbl>
+  <dgm:styleLbl name="fgAcc2">
+    <dgm:scene3d>
+      <a:camera prst="orthographicFront"/>
+      <a:lightRig rig="threePt" dir="t"/>
+    </dgm:scene3d>
+    <dgm:sp3d/>
+    <dgm:txPr/>
+    <dgm:style>
+      <a:lnRef idx="2">
+        <a:scrgbClr r="0" g="0" b="0"/>
+      </a:lnRef>
+      <a:fillRef idx="1">
+        <a:scrgbClr r="0" g="0" b="0"/>
+      </a:fillRef>
+      <a:effectRef idx="0">
+        <a:scrgbClr r="0" g="0" b="0"/>
+      </a:effectRef>
+      <a:fontRef idx="minor"/>
+    </dgm:style>
+  </dgm:styleLbl>
+  <dgm:styleLbl name="fgAcc3">
+    <dgm:scene3d>
+      <a:camera prst="orthographicFront"/>
+      <a:lightRig rig="threePt" dir="t"/>
+    </dgm:scene3d>
+    <dgm:sp3d/>
+    <dgm:txPr/>
+    <dgm:style>
+      <a:lnRef idx="2">
+        <a:scrgbClr r="0" g="0" b="0"/>
+      </a:lnRef>
+      <a:fillRef idx="1">
+        <a:scrgbClr r="0" g="0" b="0"/>
+      </a:fillRef>
+      <a:effectRef idx="0">
+        <a:scrgbClr r="0" g="0" b="0"/>
+      </a:effectRef>
+      <a:fontRef idx="minor"/>
+    </dgm:style>
+  </dgm:styleLbl>
+  <dgm:styleLbl name="fgAcc4">
+    <dgm:scene3d>
+      <a:camera prst="orthographicFront"/>
+      <a:lightRig rig="threePt" dir="t"/>
+    </dgm:scene3d>
+    <dgm:sp3d/>
+    <dgm:txPr/>
+    <dgm:style>
+      <a:lnRef idx="2">
+        <a:scrgbClr r="0" g="0" b="0"/>
+      </a:lnRef>
+      <a:fillRef idx="1">
+        <a:scrgbClr r="0" g="0" b="0"/>
+      </a:fillRef>
+      <a:effectRef idx="0">
+        <a:scrgbClr r="0" g="0" b="0"/>
+      </a:effectRef>
+      <a:fontRef idx="minor"/>
+    </dgm:style>
+  </dgm:styleLbl>
+  <dgm:styleLbl name="bgShp">
+    <dgm:scene3d>
+      <a:camera prst="orthographicFront"/>
+      <a:lightRig rig="threePt" dir="t"/>
+    </dgm:scene3d>
+    <dgm:sp3d/>
+    <dgm:txPr/>
+    <dgm:style>
+      <a:lnRef idx="0">
+        <a:scrgbClr r="0" g="0" b="0"/>
+      </a:lnRef>
+      <a:fillRef idx="1">
+        <a:scrgbClr r="0" g="0" b="0"/>
+      </a:fillRef>
+      <a:effectRef idx="0">
+        <a:scrgbClr r="0" g="0" b="0"/>
+      </a:effectRef>
+      <a:fontRef idx="minor"/>
+    </dgm:style>
+  </dgm:styleLbl>
+  <dgm:styleLbl name="dkBgShp">
+    <dgm:scene3d>
+      <a:camera prst="orthographicFront"/>
+      <a:lightRig rig="threePt" dir="t"/>
+    </dgm:scene3d>
+    <dgm:sp3d/>
+    <dgm:txPr/>
+    <dgm:style>
+      <a:lnRef idx="0">
+        <a:scrgbClr r="0" g="0" b="0"/>
+      </a:lnRef>
+      <a:fillRef idx="1">
+        <a:scrgbClr r="0" g="0" b="0"/>
+      </a:fillRef>
+      <a:effectRef idx="0">
+        <a:scrgbClr r="0" g="0" b="0"/>
+      </a:effectRef>
+      <a:fontRef idx="minor"/>
+    </dgm:style>
+  </dgm:styleLbl>
+  <dgm:styleLbl name="trBgShp">
+    <dgm:scene3d>
+      <a:camera prst="orthographicFront"/>
+      <a:lightRig rig="threePt" dir="t"/>
+    </dgm:scene3d>
+    <dgm:sp3d/>
+    <dgm:txPr/>
+    <dgm:style>
+      <a:lnRef idx="0">
+        <a:scrgbClr r="0" g="0" b="0"/>
+      </a:lnRef>
+      <a:fillRef idx="1">
+        <a:scrgbClr r="0" g="0" b="0"/>
+      </a:fillRef>
+      <a:effectRef idx="0">
+        <a:scrgbClr r="0" g="0" b="0"/>
+      </a:effectRef>
+      <a:fontRef idx="minor"/>
+    </dgm:style>
+  </dgm:styleLbl>
+  <dgm:styleLbl name="fgShp">
+    <dgm:scene3d>
+      <a:camera prst="orthographicFront"/>
+      <a:lightRig rig="threePt" dir="t"/>
+    </dgm:scene3d>
+    <dgm:sp3d/>
+    <dgm:txPr/>
+    <dgm:style>
+      <a:lnRef idx="2">
+        <a:scrgbClr r="0" g="0" b="0"/>
+      </a:lnRef>
+      <a:fillRef idx="1">
+        <a:scrgbClr r="0" g="0" b="0"/>
+      </a:fillRef>
+      <a:effectRef idx="0">
+        <a:scrgbClr r="0" g="0" b="0"/>
+      </a:effectRef>
+      <a:fontRef idx="minor"/>
+    </dgm:style>
+  </dgm:styleLbl>
+  <dgm:styleLbl name="revTx">
+    <dgm:scene3d>
+      <a:camera prst="orthographicFront"/>
+      <a:lightRig rig="threePt" dir="t"/>
+    </dgm:scene3d>
+    <dgm:sp3d/>
+    <dgm:txPr/>
+    <dgm:style>
+      <a:lnRef idx="0">
+        <a:scrgbClr r="0" g="0" b="0"/>
+      </a:lnRef>
+      <a:fillRef idx="0">
+        <a:scrgbClr r="0" g="0" b="0"/>
+      </a:fillRef>
+      <a:effectRef idx="0">
+        <a:scrgbClr r="0" g="0" b="0"/>
+      </a:effectRef>
+      <a:fontRef idx="minor"/>
+    </dgm:style>
+  </dgm:styleLbl>
+</dgm:styleDef>
+</file>
+
+<file path=ppt/diagrams/quickStyle2.xml><?xml version="1.0" encoding="utf-8"?>
+<dgm:styleDef xmlns:dgm="http://schemas.openxmlformats.org/drawingml/2006/diagram" xmlns:a="http://schemas.openxmlformats.org/drawingml/2006/main" uniqueId="urn:microsoft.com/office/officeart/2005/8/quickstyle/simple1">
+  <dgm:title val=""/>
+  <dgm:desc val=""/>
+  <dgm:catLst>
+    <dgm:cat type="simple" pri="10100"/>
+  </dgm:catLst>
+  <dgm:scene3d>
+    <a:camera prst="orthographicFront"/>
+    <a:lightRig rig="threePt" dir="t"/>
+  </dgm:scene3d>
+  <dgm:styleLbl name="node0">
+    <dgm:scene3d>
+      <a:camera prst="orthographicFront"/>
+      <a:lightRig rig="threePt" dir="t"/>
+    </dgm:scene3d>
+    <dgm:sp3d/>
+    <dgm:txPr/>
+    <dgm:style>
+      <a:lnRef idx="2">
+        <a:scrgbClr r="0" g="0" b="0"/>
+      </a:lnRef>
+      <a:fillRef idx="1">
+        <a:scrgbClr r="0" g="0" b="0"/>
+      </a:fillRef>
+      <a:effectRef idx="0">
+        <a:scrgbClr r="0" g="0" b="0"/>
+      </a:effectRef>
+      <a:fontRef idx="minor">
+        <a:schemeClr val="lt1"/>
+      </a:fontRef>
+    </dgm:style>
+  </dgm:styleLbl>
+  <dgm:styleLbl name="lnNode1">
+    <dgm:scene3d>
+      <a:camera prst="orthographicFront"/>
+      <a:lightRig rig="threePt" dir="t"/>
+    </dgm:scene3d>
+    <dgm:sp3d/>
+    <dgm:txPr/>
+    <dgm:style>
+      <a:lnRef idx="2">
+        <a:scrgbClr r="0" g="0" b="0"/>
+      </a:lnRef>
+      <a:fillRef idx="1">
+        <a:scrgbClr r="0" g="0" b="0"/>
+      </a:fillRef>
+      <a:effectRef idx="0">
+        <a:scrgbClr r="0" g="0" b="0"/>
+      </a:effectRef>
+      <a:fontRef idx="minor">
+        <a:schemeClr val="lt1"/>
+      </a:fontRef>
+    </dgm:style>
+  </dgm:styleLbl>
+  <dgm:styleLbl name="vennNode1">
+    <dgm:scene3d>
+      <a:camera prst="orthographicFront"/>
+      <a:lightRig rig="threePt" dir="t"/>
+    </dgm:scene3d>
+    <dgm:sp3d/>
+    <dgm:txPr/>
+    <dgm:style>
+      <a:lnRef idx="2">
+        <a:scrgbClr r="0" g="0" b="0"/>
+      </a:lnRef>
+      <a:fillRef idx="1">
+        <a:scrgbClr r="0" g="0" b="0"/>
+      </a:fillRef>
+      <a:effectRef idx="0">
+        <a:scrgbClr r="0" g="0" b="0"/>
+      </a:effectRef>
+      <a:fontRef idx="minor">
+        <a:schemeClr val="tx1"/>
+      </a:fontRef>
+    </dgm:style>
+  </dgm:styleLbl>
+  <dgm:styleLbl name="alignNode1">
+    <dgm:scene3d>
+      <a:camera prst="orthographicFront"/>
+      <a:lightRig rig="threePt" dir="t"/>
+    </dgm:scene3d>
+    <dgm:sp3d/>
+    <dgm:txPr/>
+    <dgm:style>
+      <a:lnRef idx="2">
+        <a:scrgbClr r="0" g="0" b="0"/>
+      </a:lnRef>
+      <a:fillRef idx="1">
+        <a:scrgbClr r="0" g="0" b="0"/>
+      </a:fillRef>
+      <a:effectRef idx="0">
+        <a:scrgbClr r="0" g="0" b="0"/>
+      </a:effectRef>
+      <a:fontRef idx="minor">
+        <a:schemeClr val="lt1"/>
+      </a:fontRef>
+    </dgm:style>
+  </dgm:styleLbl>
+  <dgm:styleLbl name="node1">
+    <dgm:scene3d>
+      <a:camera prst="orthographicFront"/>
+      <a:lightRig rig="threePt" dir="t"/>
+    </dgm:scene3d>
+    <dgm:sp3d/>
+    <dgm:txPr/>
+    <dgm:style>
+      <a:lnRef idx="2">
+        <a:scrgbClr r="0" g="0" b="0"/>
+      </a:lnRef>
+      <a:fillRef idx="1">
+        <a:scrgbClr r="0" g="0" b="0"/>
+      </a:fillRef>
+      <a:effectRef idx="0">
+        <a:scrgbClr r="0" g="0" b="0"/>
+      </a:effectRef>
+      <a:fontRef idx="minor">
+        <a:schemeClr val="lt1"/>
+      </a:fontRef>
+    </dgm:style>
+  </dgm:styleLbl>
+  <dgm:styleLbl name="node2">
+    <dgm:scene3d>
+      <a:camera prst="orthographicFront"/>
+      <a:lightRig rig="threePt" dir="t"/>
+    </dgm:scene3d>
+    <dgm:sp3d/>
+    <dgm:txPr/>
+    <dgm:style>
+      <a:lnRef idx="2">
+        <a:scrgbClr r="0" g="0" b="0"/>
+      </a:lnRef>
+      <a:fillRef idx="1">
+        <a:scrgbClr r="0" g="0" b="0"/>
+      </a:fillRef>
+      <a:effectRef idx="0">
+        <a:scrgbClr r="0" g="0" b="0"/>
+      </a:effectRef>
+      <a:fontRef idx="minor">
+        <a:schemeClr val="lt1"/>
+      </a:fontRef>
+    </dgm:style>
+  </dgm:styleLbl>
+  <dgm:styleLbl name="node3">
+    <dgm:scene3d>
+      <a:camera prst="orthographicFront"/>
+      <a:lightRig rig="threePt" dir="t"/>
+    </dgm:scene3d>
+    <dgm:sp3d/>
+    <dgm:txPr/>
+    <dgm:style>
+      <a:lnRef idx="2">
+        <a:scrgbClr r="0" g="0" b="0"/>
+      </a:lnRef>
+      <a:fillRef idx="1">
+        <a:scrgbClr r="0" g="0" b="0"/>
+      </a:fillRef>
+      <a:effectRef idx="0">
+        <a:scrgbClr r="0" g="0" b="0"/>
+      </a:effectRef>
+      <a:fontRef idx="minor">
+        <a:schemeClr val="lt1"/>
+      </a:fontRef>
+    </dgm:style>
+  </dgm:styleLbl>
+  <dgm:styleLbl name="node4">
+    <dgm:scene3d>
+      <a:camera prst="orthographicFront"/>
+      <a:lightRig rig="threePt" dir="t"/>
+    </dgm:scene3d>
+    <dgm:sp3d/>
+    <dgm:txPr/>
+    <dgm:style>
+      <a:lnRef idx="2">
+        <a:scrgbClr r="0" g="0" b="0"/>
+      </a:lnRef>
+      <a:fillRef idx="1">
+        <a:scrgbClr r="0" g="0" b="0"/>
+      </a:fillRef>
+      <a:effectRef idx="0">
+        <a:scrgbClr r="0" g="0" b="0"/>
+      </a:effectRef>
+      <a:fontRef idx="minor">
+        <a:schemeClr val="lt1"/>
+      </a:fontRef>
+    </dgm:style>
+  </dgm:styleLbl>
+  <dgm:styleLbl name="fgImgPlace1">
+    <dgm:scene3d>
+      <a:camera prst="orthographicFront"/>
+      <a:lightRig rig="threePt" dir="t"/>
+    </dgm:scene3d>
+    <dgm:sp3d/>
+    <dgm:txPr/>
+    <dgm:style>
+      <a:lnRef idx="2">
+        <a:scrgbClr r="0" g="0" b="0"/>
+      </a:lnRef>
+      <a:fillRef idx="1">
+        <a:scrgbClr r="0" g="0" b="0"/>
+      </a:fillRef>
+      <a:effectRef idx="0">
+        <a:scrgbClr r="0" g="0" b="0"/>
+      </a:effectRef>
+      <a:fontRef idx="minor"/>
+    </dgm:style>
+  </dgm:styleLbl>
+  <dgm:styleLbl name="alignImgPlace1">
+    <dgm:scene3d>
+      <a:camera prst="orthographicFront"/>
+      <a:lightRig rig="threePt" dir="t"/>
+    </dgm:scene3d>
+    <dgm:sp3d/>
+    <dgm:txPr/>
+    <dgm:style>
+      <a:lnRef idx="2">
+        <a:scrgbClr r="0" g="0" b="0"/>
+      </a:lnRef>
+      <a:fillRef idx="1">
+        <a:scrgbClr r="0" g="0" b="0"/>
+      </a:fillRef>
+      <a:effectRef idx="0">
+        <a:scrgbClr r="0" g="0" b="0"/>
+      </a:effectRef>
+      <a:fontRef idx="minor"/>
+    </dgm:style>
+  </dgm:styleLbl>
+  <dgm:styleLbl name="bgImgPlace1">
+    <dgm:scene3d>
+      <a:camera prst="orthographicFront"/>
+      <a:lightRig rig="threePt" dir="t"/>
+    </dgm:scene3d>
+    <dgm:sp3d/>
+    <dgm:txPr/>
+    <dgm:style>
+      <a:lnRef idx="2">
+        <a:scrgbClr r="0" g="0" b="0"/>
+      </a:lnRef>
+      <a:fillRef idx="1">
+        <a:scrgbClr r="0" g="0" b="0"/>
+      </a:fillRef>
+      <a:effectRef idx="0">
+        <a:scrgbClr r="0" g="0" b="0"/>
+      </a:effectRef>
+      <a:fontRef idx="minor"/>
+    </dgm:style>
+  </dgm:styleLbl>
+  <dgm:styleLbl name="sibTrans2D1">
+    <dgm:scene3d>
+      <a:camera prst="orthographicFront"/>
+      <a:lightRig rig="threePt" dir="t"/>
+    </dgm:scene3d>
+    <dgm:sp3d/>
+    <dgm:txPr/>
+    <dgm:style>
+      <a:lnRef idx="0">
+        <a:scrgbClr r="0" g="0" b="0"/>
+      </a:lnRef>
+      <a:fillRef idx="1">
+        <a:scrgbClr r="0" g="0" b="0"/>
+      </a:fillRef>
+      <a:effectRef idx="0">
+        <a:scrgbClr r="0" g="0" b="0"/>
+      </a:effectRef>
+      <a:fontRef idx="minor">
+        <a:schemeClr val="lt1"/>
+      </a:fontRef>
+    </dgm:style>
+  </dgm:styleLbl>
+  <dgm:styleLbl name="fgSibTrans2D1">
+    <dgm:scene3d>
+      <a:camera prst="orthographicFront"/>
+      <a:lightRig rig="threePt" dir="t"/>
+    </dgm:scene3d>
+    <dgm:sp3d/>
+    <dgm:txPr/>
+    <dgm:style>
+      <a:lnRef idx="0">
+        <a:scrgbClr r="0" g="0" b="0"/>
+      </a:lnRef>
+      <a:fillRef idx="1">
+        <a:scrgbClr r="0" g="0" b="0"/>
+      </a:fillRef>
+      <a:effectRef idx="0">
+        <a:scrgbClr r="0" g="0" b="0"/>
+      </a:effectRef>
+      <a:fontRef idx="minor">
+        <a:schemeClr val="lt1"/>
+      </a:fontRef>
+    </dgm:style>
+  </dgm:styleLbl>
+  <dgm:styleLbl name="bgSibTrans2D1">
+    <dgm:scene3d>
+      <a:camera prst="orthographicFront"/>
+      <a:lightRig rig="threePt" dir="t"/>
+    </dgm:scene3d>
+    <dgm:sp3d/>
+    <dgm:txPr/>
+    <dgm:style>
+      <a:lnRef idx="0">
+        <a:scrgbClr r="0" g="0" b="0"/>
+      </a:lnRef>
+      <a:fillRef idx="1">
+        <a:scrgbClr r="0" g="0" b="0"/>
+      </a:fillRef>
+      <a:effectRef idx="0">
+        <a:scrgbClr r="0" g="0" b="0"/>
+      </a:effectRef>
+      <a:fontRef idx="minor">
+        <a:schemeClr val="lt1"/>
+      </a:fontRef>
+    </dgm:style>
+  </dgm:styleLbl>
+  <dgm:styleLbl name="sibTrans1D1">
+    <dgm:scene3d>
+      <a:camera prst="orthographicFront"/>
+      <a:lightRig rig="threePt" dir="t"/>
+    </dgm:scene3d>
+    <dgm:sp3d/>
+    <dgm:txPr/>
+    <dgm:style>
+      <a:lnRef idx="1">
+        <a:scrgbClr r="0" g="0" b="0"/>
+      </a:lnRef>
+      <a:fillRef idx="0">
+        <a:scrgbClr r="0" g="0" b="0"/>
+      </a:fillRef>
+      <a:effectRef idx="0">
+        <a:scrgbClr r="0" g="0" b="0"/>
+      </a:effectRef>
+      <a:fontRef idx="minor"/>
+    </dgm:style>
+  </dgm:styleLbl>
+  <dgm:styleLbl name="callout">
+    <dgm:scene3d>
+      <a:camera prst="orthographicFront"/>
+      <a:lightRig rig="threePt" dir="t"/>
+    </dgm:scene3d>
+    <dgm:sp3d/>
+    <dgm:txPr/>
+    <dgm:style>
+      <a:lnRef idx="2">
+        <a:scrgbClr r="0" g="0" b="0"/>
+      </a:lnRef>
+      <a:fillRef idx="1">
+        <a:scrgbClr r="0" g="0" b="0"/>
+      </a:fillRef>
+      <a:effectRef idx="0">
+        <a:scrgbClr r="0" g="0" b="0"/>
+      </a:effectRef>
+      <a:fontRef idx="minor"/>
+    </dgm:style>
+  </dgm:styleLbl>
+  <dgm:styleLbl name="asst0">
+    <dgm:scene3d>
+      <a:camera prst="orthographicFront"/>
+      <a:lightRig rig="threePt" dir="t"/>
+    </dgm:scene3d>
+    <dgm:sp3d/>
+    <dgm:txPr/>
+    <dgm:style>
+      <a:lnRef idx="2">
+        <a:scrgbClr r="0" g="0" b="0"/>
+      </a:lnRef>
+      <a:fillRef idx="1">
+        <a:scrgbClr r="0" g="0" b="0"/>
+      </a:fillRef>
+      <a:effectRef idx="0">
+        <a:scrgbClr r="0" g="0" b="0"/>
+      </a:effectRef>
+      <a:fontRef idx="minor">
+        <a:schemeClr val="lt1"/>
+      </a:fontRef>
+    </dgm:style>
+  </dgm:styleLbl>
+  <dgm:styleLbl name="asst1">
+    <dgm:scene3d>
+      <a:camera prst="orthographicFront"/>
+      <a:lightRig rig="threePt" dir="t"/>
+    </dgm:scene3d>
+    <dgm:sp3d/>
+    <dgm:txPr/>
+    <dgm:style>
+      <a:lnRef idx="2">
+        <a:scrgbClr r="0" g="0" b="0"/>
+      </a:lnRef>
+      <a:fillRef idx="1">
+        <a:scrgbClr r="0" g="0" b="0"/>
+      </a:fillRef>
+      <a:effectRef idx="0">
+        <a:scrgbClr r="0" g="0" b="0"/>
+      </a:effectRef>
+      <a:fontRef idx="minor">
+        <a:schemeClr val="lt1"/>
+      </a:fontRef>
+    </dgm:style>
+  </dgm:styleLbl>
+  <dgm:styleLbl name="asst2">
+    <dgm:scene3d>
+      <a:camera prst="orthographicFront"/>
+      <a:lightRig rig="threePt" dir="t"/>
+    </dgm:scene3d>
+    <dgm:sp3d/>
+    <dgm:txPr/>
+    <dgm:style>
+      <a:lnRef idx="2">
+        <a:scrgbClr r="0" g="0" b="0"/>
+      </a:lnRef>
+      <a:fillRef idx="1">
+        <a:scrgbClr r="0" g="0" b="0"/>
+      </a:fillRef>
+      <a:effectRef idx="0">
+        <a:scrgbClr r="0" g="0" b="0"/>
+      </a:effectRef>
+      <a:fontRef idx="minor">
+        <a:schemeClr val="lt1"/>
+      </a:fontRef>
+    </dgm:style>
+  </dgm:styleLbl>
+  <dgm:styleLbl name="asst3">
+    <dgm:scene3d>
+      <a:camera prst="orthographicFront"/>
+      <a:lightRig rig="threePt" dir="t"/>
+    </dgm:scene3d>
+    <dgm:sp3d/>
+    <dgm:txPr/>
+    <dgm:style>
+      <a:lnRef idx="2">
+        <a:scrgbClr r="0" g="0" b="0"/>
+      </a:lnRef>
+      <a:fillRef idx="1">
+        <a:scrgbClr r="0" g="0" b="0"/>
+      </a:fillRef>
+      <a:effectRef idx="0">
+        <a:scrgbClr r="0" g="0" b="0"/>
+      </a:effectRef>
+      <a:fontRef idx="minor">
+        <a:schemeClr val="lt1"/>
+      </a:fontRef>
+    </dgm:style>
+  </dgm:styleLbl>
+  <dgm:styleLbl name="asst4">
+    <dgm:scene3d>
+      <a:camera prst="orthographicFront"/>
+      <a:lightRig rig="threePt" dir="t"/>
+    </dgm:scene3d>
+    <dgm:sp3d/>
+    <dgm:txPr/>
+    <dgm:style>
+      <a:lnRef idx="2">
+        <a:scrgbClr r="0" g="0" b="0"/>
+      </a:lnRef>
+      <a:fillRef idx="1">
+        <a:scrgbClr r="0" g="0" b="0"/>
+      </a:fillRef>
+      <a:effectRef idx="0">
+        <a:scrgbClr r="0" g="0" b="0"/>
+      </a:effectRef>
+      <a:fontRef idx="minor">
+        <a:schemeClr val="lt1"/>
+      </a:fontRef>
+    </dgm:style>
+  </dgm:styleLbl>
+  <dgm:styleLbl name="parChTrans2D1">
+    <dgm:scene3d>
+      <a:camera prst="orthographicFront"/>
+      <a:lightRig rig="threePt" dir="t"/>
+    </dgm:scene3d>
+    <dgm:sp3d/>
+    <dgm:txPr/>
+    <dgm:style>
+      <a:lnRef idx="2">
+        <a:scrgbClr r="0" g="0" b="0"/>
+      </a:lnRef>
+      <a:fillRef idx="1">
+        <a:scrgbClr r="0" g="0" b="0"/>
+      </a:fillRef>
+      <a:effectRef idx="0">
+        <a:scrgbClr r="0" g="0" b="0"/>
+      </a:effectRef>
+      <a:fontRef idx="minor">
+        <a:schemeClr val="lt1"/>
+      </a:fontRef>
+    </dgm:style>
+  </dgm:styleLbl>
+  <dgm:styleLbl name="parChTrans2D2">
+    <dgm:scene3d>
+      <a:camera prst="orthographicFront"/>
+      <a:lightRig rig="threePt" dir="t"/>
+    </dgm:scene3d>
+    <dgm:sp3d/>
+    <dgm:txPr/>
+    <dgm:style>
+      <a:lnRef idx="2">
+        <a:scrgbClr r="0" g="0" b="0"/>
+      </a:lnRef>
+      <a:fillRef idx="1">
+        <a:scrgbClr r="0" g="0" b="0"/>
+      </a:fillRef>
+      <a:effectRef idx="0">
+        <a:scrgbClr r="0" g="0" b="0"/>
+      </a:effectRef>
+      <a:fontRef idx="minor">
+        <a:schemeClr val="lt1"/>
+      </a:fontRef>
+    </dgm:style>
+  </dgm:styleLbl>
+  <dgm:styleLbl name="parChTrans2D3">
+    <dgm:scene3d>
+      <a:camera prst="orthographicFront"/>
+      <a:lightRig rig="threePt" dir="t"/>
+    </dgm:scene3d>
+    <dgm:sp3d/>
+    <dgm:txPr/>
+    <dgm:style>
+      <a:lnRef idx="2">
+        <a:scrgbClr r="0" g="0" b="0"/>
+      </a:lnRef>
+      <a:fillRef idx="1">
+        <a:scrgbClr r="0" g="0" b="0"/>
+      </a:fillRef>
+      <a:effectRef idx="0">
+        <a:scrgbClr r="0" g="0" b="0"/>
+      </a:effectRef>
+      <a:fontRef idx="minor">
+        <a:schemeClr val="lt1"/>
+      </a:fontRef>
+    </dgm:style>
+  </dgm:styleLbl>
+  <dgm:styleLbl name="parChTrans2D4">
+    <dgm:scene3d>
+      <a:camera prst="orthographicFront"/>
+      <a:lightRig rig="threePt" dir="t"/>
+    </dgm:scene3d>
+    <dgm:sp3d/>
+    <dgm:txPr/>
+    <dgm:style>
+      <a:lnRef idx="2">
+        <a:scrgbClr r="0" g="0" b="0"/>
+      </a:lnRef>
+      <a:fillRef idx="1">
+        <a:scrgbClr r="0" g="0" b="0"/>
+      </a:fillRef>
+      <a:effectRef idx="0">
+        <a:scrgbClr r="0" g="0" b="0"/>
+      </a:effectRef>
+      <a:fontRef idx="minor">
+        <a:schemeClr val="lt1"/>
+      </a:fontRef>
+    </dgm:style>
+  </dgm:styleLbl>
+  <dgm:styleLbl name="parChTrans1D1">
+    <dgm:scene3d>
+      <a:camera prst="orthographicFront"/>
+      <a:lightRig rig="threePt" dir="t"/>
+    </dgm:scene3d>
+    <dgm:sp3d/>
+    <dgm:txPr/>
+    <dgm:style>
+      <a:lnRef idx="2">
+        <a:scrgbClr r="0" g="0" b="0"/>
+      </a:lnRef>
+      <a:fillRef idx="0">
+        <a:scrgbClr r="0" g="0" b="0"/>
+      </a:fillRef>
+      <a:effectRef idx="0">
+        <a:scrgbClr r="0" g="0" b="0"/>
+      </a:effectRef>
+      <a:fontRef idx="minor"/>
+    </dgm:style>
+  </dgm:styleLbl>
+  <dgm:styleLbl name="parChTrans1D2">
+    <dgm:scene3d>
+      <a:camera prst="orthographicFront"/>
+      <a:lightRig rig="threePt" dir="t"/>
+    </dgm:scene3d>
+    <dgm:sp3d/>
+    <dgm:txPr/>
+    <dgm:style>
+      <a:lnRef idx="2">
+        <a:scrgbClr r="0" g="0" b="0"/>
+      </a:lnRef>
+      <a:fillRef idx="0">
+        <a:scrgbClr r="0" g="0" b="0"/>
+      </a:fillRef>
+      <a:effectRef idx="0">
+        <a:scrgbClr r="0" g="0" b="0"/>
+      </a:effectRef>
+      <a:fontRef idx="minor"/>
+    </dgm:style>
+  </dgm:styleLbl>
+  <dgm:styleLbl name="parChTrans1D3">
+    <dgm:scene3d>
+      <a:camera prst="orthographicFront"/>
+      <a:lightRig rig="threePt" dir="t"/>
+    </dgm:scene3d>
+    <dgm:sp3d/>
+    <dgm:txPr/>
+    <dgm:style>
+      <a:lnRef idx="2">
+        <a:scrgbClr r="0" g="0" b="0"/>
+      </a:lnRef>
+      <a:fillRef idx="0">
+        <a:scrgbClr r="0" g="0" b="0"/>
+      </a:fillRef>
+      <a:effectRef idx="0">
+        <a:scrgbClr r="0" g="0" b="0"/>
+      </a:effectRef>
+      <a:fontRef idx="minor"/>
+    </dgm:style>
+  </dgm:styleLbl>
+  <dgm:styleLbl name="parChTrans1D4">
+    <dgm:scene3d>
+      <a:camera prst="orthographicFront"/>
+      <a:lightRig rig="threePt" dir="t"/>
+    </dgm:scene3d>
+    <dgm:sp3d/>
+    <dgm:txPr/>
+    <dgm:style>
+      <a:lnRef idx="2">
+        <a:scrgbClr r="0" g="0" b="0"/>
+      </a:lnRef>
+      <a:fillRef idx="0">
+        <a:scrgbClr r="0" g="0" b="0"/>
+      </a:fillRef>
+      <a:effectRef idx="0">
+        <a:scrgbClr r="0" g="0" b="0"/>
+      </a:effectRef>
+      <a:fontRef idx="minor"/>
+    </dgm:style>
+  </dgm:styleLbl>
+  <dgm:styleLbl name="fgAcc1">
+    <dgm:scene3d>
+      <a:camera prst="orthographicFront"/>
+      <a:lightRig rig="threePt" dir="t"/>
+    </dgm:scene3d>
+    <dgm:sp3d/>
+    <dgm:txPr/>
+    <dgm:style>
+      <a:lnRef idx="2">
+        <a:scrgbClr r="0" g="0" b="0"/>
+      </a:lnRef>
+      <a:fillRef idx="1">
+        <a:scrgbClr r="0" g="0" b="0"/>
+      </a:fillRef>
+      <a:effectRef idx="0">
+        <a:scrgbClr r="0" g="0" b="0"/>
+      </a:effectRef>
+      <a:fontRef idx="minor"/>
+    </dgm:style>
+  </dgm:styleLbl>
+  <dgm:styleLbl name="conFgAcc1">
+    <dgm:scene3d>
+      <a:camera prst="orthographicFront"/>
+      <a:lightRig rig="threePt" dir="t"/>
+    </dgm:scene3d>
+    <dgm:sp3d/>
+    <dgm:txPr/>
+    <dgm:style>
+      <a:lnRef idx="2">
+        <a:scrgbClr r="0" g="0" b="0"/>
+      </a:lnRef>
+      <a:fillRef idx="1">
+        <a:scrgbClr r="0" g="0" b="0"/>
+      </a:fillRef>
+      <a:effectRef idx="0">
+        <a:scrgbClr r="0" g="0" b="0"/>
+      </a:effectRef>
+      <a:fontRef idx="minor"/>
+    </dgm:style>
+  </dgm:styleLbl>
+  <dgm:styleLbl name="alignAcc1">
+    <dgm:scene3d>
+      <a:camera prst="orthographicFront"/>
+      <a:lightRig rig="threePt" dir="t"/>
+    </dgm:scene3d>
+    <dgm:sp3d/>
+    <dgm:txPr/>
+    <dgm:style>
+      <a:lnRef idx="2">
+        <a:scrgbClr r="0" g="0" b="0"/>
+      </a:lnRef>
+      <a:fillRef idx="1">
+        <a:scrgbClr r="0" g="0" b="0"/>
+      </a:fillRef>
+      <a:effectRef idx="0">
+        <a:scrgbClr r="0" g="0" b="0"/>
+      </a:effectRef>
+      <a:fontRef idx="minor"/>
+    </dgm:style>
+  </dgm:styleLbl>
+  <dgm:styleLbl name="trAlignAcc1">
+    <dgm:scene3d>
+      <a:camera prst="orthographicFront"/>
+      <a:lightRig rig="threePt" dir="t"/>
+    </dgm:scene3d>
+    <dgm:sp3d/>
+    <dgm:txPr/>
+    <dgm:style>
+      <a:lnRef idx="1">
+        <a:scrgbClr r="0" g="0" b="0"/>
+      </a:lnRef>
+      <a:fillRef idx="1">
+        <a:scrgbClr r="0" g="0" b="0"/>
+      </a:fillRef>
+      <a:effectRef idx="0">
+        <a:scrgbClr r="0" g="0" b="0"/>
+      </a:effectRef>
+      <a:fontRef idx="minor"/>
+    </dgm:style>
+  </dgm:styleLbl>
+  <dgm:styleLbl name="bgAcc1">
+    <dgm:scene3d>
+      <a:camera prst="orthographicFront"/>
+      <a:lightRig rig="threePt" dir="t"/>
+    </dgm:scene3d>
+    <dgm:sp3d/>
+    <dgm:txPr/>
+    <dgm:style>
+      <a:lnRef idx="2">
+        <a:scrgbClr r="0" g="0" b="0"/>
+      </a:lnRef>
+      <a:fillRef idx="1">
+        <a:scrgbClr r="0" g="0" b="0"/>
+      </a:fillRef>
+      <a:effectRef idx="0">
+        <a:scrgbClr r="0" g="0" b="0"/>
+      </a:effectRef>
+      <a:fontRef idx="minor"/>
+    </dgm:style>
+  </dgm:styleLbl>
+  <dgm:styleLbl name="solidFgAcc1">
+    <dgm:scene3d>
+      <a:camera prst="orthographicFront"/>
+      <a:lightRig rig="threePt" dir="t"/>
+    </dgm:scene3d>
+    <dgm:sp3d/>
+    <dgm:txPr/>
+    <dgm:style>
+      <a:lnRef idx="2">
+        <a:scrgbClr r="0" g="0" b="0"/>
+      </a:lnRef>
+      <a:fillRef idx="1">
+        <a:scrgbClr r="0" g="0" b="0"/>
+      </a:fillRef>
+      <a:effectRef idx="0">
+        <a:scrgbClr r="0" g="0" b="0"/>
+      </a:effectRef>
+      <a:fontRef idx="minor"/>
+    </dgm:style>
+  </dgm:styleLbl>
+  <dgm:styleLbl name="solidAlignAcc1">
+    <dgm:scene3d>
+      <a:camera prst="orthographicFront"/>
+      <a:lightRig rig="threePt" dir="t"/>
+    </dgm:scene3d>
+    <dgm:sp3d/>
+    <dgm:txPr/>
+    <dgm:style>
+      <a:lnRef idx="2">
+        <a:scrgbClr r="0" g="0" b="0"/>
+      </a:lnRef>
+      <a:fillRef idx="1">
+        <a:scrgbClr r="0" g="0" b="0"/>
+      </a:fillRef>
+      <a:effectRef idx="0">
+        <a:scrgbClr r="0" g="0" b="0"/>
+      </a:effectRef>
+      <a:fontRef idx="minor"/>
+    </dgm:style>
+  </dgm:styleLbl>
+  <dgm:styleLbl name="solidBgAcc1">
+    <dgm:scene3d>
+      <a:camera prst="orthographicFront"/>
+      <a:lightRig rig="threePt" dir="t"/>
+    </dgm:scene3d>
+    <dgm:sp3d/>
+    <dgm:txPr/>
+    <dgm:style>
+      <a:lnRef idx="2">
+        <a:scrgbClr r="0" g="0" b="0"/>
+      </a:lnRef>
+      <a:fillRef idx="1">
+        <a:scrgbClr r="0" g="0" b="0"/>
+      </a:fillRef>
+      <a:effectRef idx="0">
+        <a:scrgbClr r="0" g="0" b="0"/>
+      </a:effectRef>
+      <a:fontRef idx="minor"/>
+    </dgm:style>
+  </dgm:styleLbl>
+  <dgm:styleLbl name="fgAccFollowNode1">
+    <dgm:scene3d>
+      <a:camera prst="orthographicFront"/>
+      <a:lightRig rig="threePt" dir="t"/>
+    </dgm:scene3d>
+    <dgm:sp3d/>
+    <dgm:txPr/>
+    <dgm:style>
+      <a:lnRef idx="2">
+        <a:scrgbClr r="0" g="0" b="0"/>
+      </a:lnRef>
+      <a:fillRef idx="1">
+        <a:scrgbClr r="0" g="0" b="0"/>
+      </a:fillRef>
+      <a:effectRef idx="0">
+        <a:scrgbClr r="0" g="0" b="0"/>
+      </a:effectRef>
+      <a:fontRef idx="minor"/>
+    </dgm:style>
+  </dgm:styleLbl>
+  <dgm:styleLbl name="alignAccFollowNode1">
+    <dgm:scene3d>
+      <a:camera prst="orthographicFront"/>
+      <a:lightRig rig="threePt" dir="t"/>
+    </dgm:scene3d>
+    <dgm:sp3d/>
+    <dgm:txPr/>
+    <dgm:style>
+      <a:lnRef idx="2">
+        <a:scrgbClr r="0" g="0" b="0"/>
+      </a:lnRef>
+      <a:fillRef idx="1">
+        <a:scrgbClr r="0" g="0" b="0"/>
+      </a:fillRef>
+      <a:effectRef idx="0">
+        <a:scrgbClr r="0" g="0" b="0"/>
+      </a:effectRef>
+      <a:fontRef idx="minor"/>
+    </dgm:style>
+  </dgm:styleLbl>
+  <dgm:styleLbl name="bgAccFollowNode1">
+    <dgm:scene3d>
+      <a:camera prst="orthographicFront"/>
+      <a:lightRig rig="threePt" dir="t"/>
+    </dgm:scene3d>
+    <dgm:sp3d/>
+    <dgm:txPr/>
+    <dgm:style>
+      <a:lnRef idx="2">
+        <a:scrgbClr r="0" g="0" b="0"/>
+      </a:lnRef>
+      <a:fillRef idx="1">
+        <a:scrgbClr r="0" g="0" b="0"/>
+      </a:fillRef>
+      <a:effectRef idx="0">
+        <a:scrgbClr r="0" g="0" b="0"/>
+      </a:effectRef>
+      <a:fontRef idx="minor"/>
+    </dgm:style>
+  </dgm:styleLbl>
+  <dgm:styleLbl name="fgAcc0">
+    <dgm:scene3d>
+      <a:camera prst="orthographicFront"/>
+      <a:lightRig rig="threePt" dir="t"/>
+    </dgm:scene3d>
+    <dgm:sp3d/>
+    <dgm:txPr/>
+    <dgm:style>
+      <a:lnRef idx="2">
+        <a:scrgbClr r="0" g="0" b="0"/>
+      </a:lnRef>
+      <a:fillRef idx="1">
+        <a:scrgbClr r="0" g="0" b="0"/>
+      </a:fillRef>
+      <a:effectRef idx="0">
+        <a:scrgbClr r="0" g="0" b="0"/>
+      </a:effectRef>
+      <a:fontRef idx="minor"/>
+    </dgm:style>
+  </dgm:styleLbl>
+  <dgm:styleLbl name="fgAcc2">
+    <dgm:scene3d>
+      <a:camera prst="orthographicFront"/>
+      <a:lightRig rig="threePt" dir="t"/>
+    </dgm:scene3d>
+    <dgm:sp3d/>
+    <dgm:txPr/>
+    <dgm:style>
+      <a:lnRef idx="2">
+        <a:scrgbClr r="0" g="0" b="0"/>
+      </a:lnRef>
+      <a:fillRef idx="1">
+        <a:scrgbClr r="0" g="0" b="0"/>
+      </a:fillRef>
+      <a:effectRef idx="0">
+        <a:scrgbClr r="0" g="0" b="0"/>
+      </a:effectRef>
+      <a:fontRef idx="minor"/>
+    </dgm:style>
+  </dgm:styleLbl>
+  <dgm:styleLbl name="fgAcc3">
+    <dgm:scene3d>
+      <a:camera prst="orthographicFront"/>
+      <a:lightRig rig="threePt" dir="t"/>
+    </dgm:scene3d>
+    <dgm:sp3d/>
+    <dgm:txPr/>
+    <dgm:style>
+      <a:lnRef idx="2">
+        <a:scrgbClr r="0" g="0" b="0"/>
+      </a:lnRef>
+      <a:fillRef idx="1">
+        <a:scrgbClr r="0" g="0" b="0"/>
+      </a:fillRef>
+      <a:effectRef idx="0">
+        <a:scrgbClr r="0" g="0" b="0"/>
+      </a:effectRef>
+      <a:fontRef idx="minor"/>
+    </dgm:style>
+  </dgm:styleLbl>
+  <dgm:styleLbl name="fgAcc4">
+    <dgm:scene3d>
+      <a:camera prst="orthographicFront"/>
+      <a:lightRig rig="threePt" dir="t"/>
+    </dgm:scene3d>
+    <dgm:sp3d/>
+    <dgm:txPr/>
+    <dgm:style>
+      <a:lnRef idx="2">
+        <a:scrgbClr r="0" g="0" b="0"/>
+      </a:lnRef>
+      <a:fillRef idx="1">
+        <a:scrgbClr r="0" g="0" b="0"/>
+      </a:fillRef>
+      <a:effectRef idx="0">
+        <a:scrgbClr r="0" g="0" b="0"/>
+      </a:effectRef>
+      <a:fontRef idx="minor"/>
+    </dgm:style>
+  </dgm:styleLbl>
+  <dgm:styleLbl name="bgShp">
+    <dgm:scene3d>
+      <a:camera prst="orthographicFront"/>
+      <a:lightRig rig="threePt" dir="t"/>
+    </dgm:scene3d>
+    <dgm:sp3d/>
+    <dgm:txPr/>
+    <dgm:style>
+      <a:lnRef idx="0">
+        <a:scrgbClr r="0" g="0" b="0"/>
+      </a:lnRef>
+      <a:fillRef idx="1">
+        <a:scrgbClr r="0" g="0" b="0"/>
+      </a:fillRef>
+      <a:effectRef idx="0">
+        <a:scrgbClr r="0" g="0" b="0"/>
+      </a:effectRef>
+      <a:fontRef idx="minor"/>
+    </dgm:style>
+  </dgm:styleLbl>
+  <dgm:styleLbl name="dkBgShp">
+    <dgm:scene3d>
+      <a:camera prst="orthographicFront"/>
+      <a:lightRig rig="threePt" dir="t"/>
+    </dgm:scene3d>
+    <dgm:sp3d/>
+    <dgm:txPr/>
+    <dgm:style>
+      <a:lnRef idx="0">
+        <a:scrgbClr r="0" g="0" b="0"/>
+      </a:lnRef>
+      <a:fillRef idx="1">
+        <a:scrgbClr r="0" g="0" b="0"/>
+      </a:fillRef>
+      <a:effectRef idx="0">
+        <a:scrgbClr r="0" g="0" b="0"/>
+      </a:effectRef>
+      <a:fontRef idx="minor"/>
+    </dgm:style>
+  </dgm:styleLbl>
+  <dgm:styleLbl name="trBgShp">
+    <dgm:scene3d>
+      <a:camera prst="orthographicFront"/>
+      <a:lightRig rig="threePt" dir="t"/>
+    </dgm:scene3d>
+    <dgm:sp3d/>
+    <dgm:txPr/>
+    <dgm:style>
+      <a:lnRef idx="0">
+        <a:scrgbClr r="0" g="0" b="0"/>
+      </a:lnRef>
+      <a:fillRef idx="1">
+        <a:scrgbClr r="0" g="0" b="0"/>
+      </a:fillRef>
+      <a:effectRef idx="0">
+        <a:scrgbClr r="0" g="0" b="0"/>
+      </a:effectRef>
+      <a:fontRef idx="minor"/>
+    </dgm:style>
+  </dgm:styleLbl>
+  <dgm:styleLbl name="fgShp">
+    <dgm:scene3d>
+      <a:camera prst="orthographicFront"/>
+      <a:lightRig rig="threePt" dir="t"/>
+    </dgm:scene3d>
+    <dgm:sp3d/>
+    <dgm:txPr/>
+    <dgm:style>
+      <a:lnRef idx="2">
+        <a:scrgbClr r="0" g="0" b="0"/>
+      </a:lnRef>
+      <a:fillRef idx="1">
+        <a:scrgbClr r="0" g="0" b="0"/>
+      </a:fillRef>
+      <a:effectRef idx="0">
+        <a:scrgbClr r="0" g="0" b="0"/>
+      </a:effectRef>
+      <a:fontRef idx="minor"/>
+    </dgm:style>
+  </dgm:styleLbl>
+  <dgm:styleLbl name="revTx">
+    <dgm:scene3d>
+      <a:camera prst="orthographicFront"/>
+      <a:lightRig rig="threePt" dir="t"/>
+    </dgm:scene3d>
+    <dgm:sp3d/>
+    <dgm:txPr/>
+    <dgm:style>
+      <a:lnRef idx="0">
+        <a:scrgbClr r="0" g="0" b="0"/>
+      </a:lnRef>
+      <a:fillRef idx="0">
+        <a:scrgbClr r="0" g="0" b="0"/>
+      </a:fillRef>
+      <a:effectRef idx="0">
+        <a:scrgbClr r="0" g="0" b="0"/>
+      </a:effectRef>
+      <a:fontRef idx="minor"/>
+    </dgm:style>
+  </dgm:styleLbl>
+</dgm:styleDef>
+</file>
+
+<file path=ppt/diagrams/quickStyle3.xml><?xml version="1.0" encoding="utf-8"?>
+<dgm:styleDef xmlns:dgm="http://schemas.openxmlformats.org/drawingml/2006/diagram" xmlns:a="http://schemas.openxmlformats.org/drawingml/2006/main" uniqueId="urn:microsoft.com/office/officeart/2005/8/quickstyle/simple1">
+  <dgm:title val=""/>
+  <dgm:desc val=""/>
+  <dgm:catLst>
+    <dgm:cat type="simple" pri="10100"/>
+  </dgm:catLst>
+  <dgm:scene3d>
+    <a:camera prst="orthographicFront"/>
+    <a:lightRig rig="threePt" dir="t"/>
+  </dgm:scene3d>
+  <dgm:styleLbl name="node0">
+    <dgm:scene3d>
+      <a:camera prst="orthographicFront"/>
+      <a:lightRig rig="threePt" dir="t"/>
+    </dgm:scene3d>
+    <dgm:sp3d/>
+    <dgm:txPr/>
+    <dgm:style>
+      <a:lnRef idx="2">
+        <a:scrgbClr r="0" g="0" b="0"/>
+      </a:lnRef>
+      <a:fillRef idx="1">
+        <a:scrgbClr r="0" g="0" b="0"/>
+      </a:fillRef>
+      <a:effectRef idx="0">
+        <a:scrgbClr r="0" g="0" b="0"/>
+      </a:effectRef>
+      <a:fontRef idx="minor">
+        <a:schemeClr val="lt1"/>
+      </a:fontRef>
+    </dgm:style>
+  </dgm:styleLbl>
+  <dgm:styleLbl name="lnNode1">
+    <dgm:scene3d>
+      <a:camera prst="orthographicFront"/>
+      <a:lightRig rig="threePt" dir="t"/>
+    </dgm:scene3d>
+    <dgm:sp3d/>
+    <dgm:txPr/>
+    <dgm:style>
+      <a:lnRef idx="2">
+        <a:scrgbClr r="0" g="0" b="0"/>
+      </a:lnRef>
+      <a:fillRef idx="1">
+        <a:scrgbClr r="0" g="0" b="0"/>
+      </a:fillRef>
+      <a:effectRef idx="0">
+        <a:scrgbClr r="0" g="0" b="0"/>
+      </a:effectRef>
+      <a:fontRef idx="minor">
+        <a:schemeClr val="lt1"/>
+      </a:fontRef>
+    </dgm:style>
+  </dgm:styleLbl>
+  <dgm:styleLbl name="vennNode1">
+    <dgm:scene3d>
+      <a:camera prst="orthographicFront"/>
+      <a:lightRig rig="threePt" dir="t"/>
+    </dgm:scene3d>
+    <dgm:sp3d/>
+    <dgm:txPr/>
+    <dgm:style>
+      <a:lnRef idx="2">
+        <a:scrgbClr r="0" g="0" b="0"/>
+      </a:lnRef>
+      <a:fillRef idx="1">
+        <a:scrgbClr r="0" g="0" b="0"/>
+      </a:fillRef>
+      <a:effectRef idx="0">
+        <a:scrgbClr r="0" g="0" b="0"/>
+      </a:effectRef>
+      <a:fontRef idx="minor">
+        <a:schemeClr val="tx1"/>
+      </a:fontRef>
+    </dgm:style>
+  </dgm:styleLbl>
+  <dgm:styleLbl name="alignNode1">
+    <dgm:scene3d>
+      <a:camera prst="orthographicFront"/>
+      <a:lightRig rig="threePt" dir="t"/>
+    </dgm:scene3d>
+    <dgm:sp3d/>
+    <dgm:txPr/>
+    <dgm:style>
+      <a:lnRef idx="2">
+        <a:scrgbClr r="0" g="0" b="0"/>
+      </a:lnRef>
+      <a:fillRef idx="1">
+        <a:scrgbClr r="0" g="0" b="0"/>
+      </a:fillRef>
+      <a:effectRef idx="0">
+        <a:scrgbClr r="0" g="0" b="0"/>
+      </a:effectRef>
+      <a:fontRef idx="minor">
+        <a:schemeClr val="lt1"/>
+      </a:fontRef>
+    </dgm:style>
+  </dgm:styleLbl>
+  <dgm:styleLbl name="node1">
+    <dgm:scene3d>
+      <a:camera prst="orthographicFront"/>
+      <a:lightRig rig="threePt" dir="t"/>
+    </dgm:scene3d>
+    <dgm:sp3d/>
+    <dgm:txPr/>
+    <dgm:style>
+      <a:lnRef idx="2">
+        <a:scrgbClr r="0" g="0" b="0"/>
+      </a:lnRef>
+      <a:fillRef idx="1">
+        <a:scrgbClr r="0" g="0" b="0"/>
+      </a:fillRef>
+      <a:effectRef idx="0">
+        <a:scrgbClr r="0" g="0" b="0"/>
+      </a:effectRef>
+      <a:fontRef idx="minor">
+        <a:schemeClr val="lt1"/>
+      </a:fontRef>
+    </dgm:style>
+  </dgm:styleLbl>
+  <dgm:styleLbl name="node2">
+    <dgm:scene3d>
+      <a:camera prst="orthographicFront"/>
+      <a:lightRig rig="threePt" dir="t"/>
+    </dgm:scene3d>
+    <dgm:sp3d/>
+    <dgm:txPr/>
+    <dgm:style>
+      <a:lnRef idx="2">
+        <a:scrgbClr r="0" g="0" b="0"/>
+      </a:lnRef>
+      <a:fillRef idx="1">
+        <a:scrgbClr r="0" g="0" b="0"/>
+      </a:fillRef>
+      <a:effectRef idx="0">
+        <a:scrgbClr r="0" g="0" b="0"/>
+      </a:effectRef>
+      <a:fontRef idx="minor">
+        <a:schemeClr val="lt1"/>
+      </a:fontRef>
+    </dgm:style>
+  </dgm:styleLbl>
+  <dgm:styleLbl name="node3">
+    <dgm:scene3d>
+      <a:camera prst="orthographicFront"/>
+      <a:lightRig rig="threePt" dir="t"/>
+    </dgm:scene3d>
+    <dgm:sp3d/>
+    <dgm:txPr/>
+    <dgm:style>
+      <a:lnRef idx="2">
+        <a:scrgbClr r="0" g="0" b="0"/>
+      </a:lnRef>
+      <a:fillRef idx="1">
+        <a:scrgbClr r="0" g="0" b="0"/>
+      </a:fillRef>
+      <a:effectRef idx="0">
+        <a:scrgbClr r="0" g="0" b="0"/>
+      </a:effectRef>
+      <a:fontRef idx="minor">
+        <a:schemeClr val="lt1"/>
+      </a:fontRef>
+    </dgm:style>
+  </dgm:styleLbl>
+  <dgm:styleLbl name="node4">
+    <dgm:scene3d>
+      <a:camera prst="orthographicFront"/>
+      <a:lightRig rig="threePt" dir="t"/>
+    </dgm:scene3d>
+    <dgm:sp3d/>
+    <dgm:txPr/>
+    <dgm:style>
+      <a:lnRef idx="2">
+        <a:scrgbClr r="0" g="0" b="0"/>
+      </a:lnRef>
+      <a:fillRef idx="1">
+        <a:scrgbClr r="0" g="0" b="0"/>
+      </a:fillRef>
+      <a:effectRef idx="0">
+        <a:scrgbClr r="0" g="0" b="0"/>
+      </a:effectRef>
+      <a:fontRef idx="minor">
+        <a:schemeClr val="lt1"/>
+      </a:fontRef>
+    </dgm:style>
+  </dgm:styleLbl>
+  <dgm:styleLbl name="fgImgPlace1">
+    <dgm:scene3d>
+      <a:camera prst="orthographicFront"/>
+      <a:lightRig rig="threePt" dir="t"/>
+    </dgm:scene3d>
+    <dgm:sp3d/>
+    <dgm:txPr/>
+    <dgm:style>
+      <a:lnRef idx="2">
+        <a:scrgbClr r="0" g="0" b="0"/>
+      </a:lnRef>
+      <a:fillRef idx="1">
+        <a:scrgbClr r="0" g="0" b="0"/>
+      </a:fillRef>
+      <a:effectRef idx="0">
+        <a:scrgbClr r="0" g="0" b="0"/>
+      </a:effectRef>
+      <a:fontRef idx="minor"/>
+    </dgm:style>
+  </dgm:styleLbl>
+  <dgm:styleLbl name="alignImgPlace1">
+    <dgm:scene3d>
+      <a:camera prst="orthographicFront"/>
+      <a:lightRig rig="threePt" dir="t"/>
+    </dgm:scene3d>
+    <dgm:sp3d/>
+    <dgm:txPr/>
+    <dgm:style>
+      <a:lnRef idx="2">
+        <a:scrgbClr r="0" g="0" b="0"/>
+      </a:lnRef>
+      <a:fillRef idx="1">
+        <a:scrgbClr r="0" g="0" b="0"/>
+      </a:fillRef>
+      <a:effectRef idx="0">
+        <a:scrgbClr r="0" g="0" b="0"/>
+      </a:effectRef>
+      <a:fontRef idx="minor"/>
+    </dgm:style>
+  </dgm:styleLbl>
+  <dgm:styleLbl name="bgImgPlace1">
+    <dgm:scene3d>
+      <a:camera prst="orthographicFront"/>
+      <a:lightRig rig="threePt" dir="t"/>
+    </dgm:scene3d>
+    <dgm:sp3d/>
+    <dgm:txPr/>
+    <dgm:style>
+      <a:lnRef idx="2">
+        <a:scrgbClr r="0" g="0" b="0"/>
+      </a:lnRef>
+      <a:fillRef idx="1">
+        <a:scrgbClr r="0" g="0" b="0"/>
+      </a:fillRef>
+      <a:effectRef idx="0">
+        <a:scrgbClr r="0" g="0" b="0"/>
+      </a:effectRef>
+      <a:fontRef idx="minor"/>
+    </dgm:style>
+  </dgm:styleLbl>
+  <dgm:styleLbl name="sibTrans2D1">
+    <dgm:scene3d>
+      <a:camera prst="orthographicFront"/>
+      <a:lightRig rig="threePt" dir="t"/>
+    </dgm:scene3d>
+    <dgm:sp3d/>
+    <dgm:txPr/>
+    <dgm:style>
+      <a:lnRef idx="0">
+        <a:scrgbClr r="0" g="0" b="0"/>
+      </a:lnRef>
+      <a:fillRef idx="1">
+        <a:scrgbClr r="0" g="0" b="0"/>
+      </a:fillRef>
+      <a:effectRef idx="0">
+        <a:scrgbClr r="0" g="0" b="0"/>
+      </a:effectRef>
+      <a:fontRef idx="minor">
+        <a:schemeClr val="lt1"/>
+      </a:fontRef>
+    </dgm:style>
+  </dgm:styleLbl>
+  <dgm:styleLbl name="fgSibTrans2D1">
+    <dgm:scene3d>
+      <a:camera prst="orthographicFront"/>
+      <a:lightRig rig="threePt" dir="t"/>
+    </dgm:scene3d>
+    <dgm:sp3d/>
+    <dgm:txPr/>
+    <dgm:style>
+      <a:lnRef idx="0">
+        <a:scrgbClr r="0" g="0" b="0"/>
+      </a:lnRef>
+      <a:fillRef idx="1">
+        <a:scrgbClr r="0" g="0" b="0"/>
+      </a:fillRef>
+      <a:effectRef idx="0">
+        <a:scrgbClr r="0" g="0" b="0"/>
+      </a:effectRef>
+      <a:fontRef idx="minor">
+        <a:schemeClr val="lt1"/>
+      </a:fontRef>
+    </dgm:style>
+  </dgm:styleLbl>
+  <dgm:styleLbl name="bgSibTrans2D1">
+    <dgm:scene3d>
+      <a:camera prst="orthographicFront"/>
+      <a:lightRig rig="threePt" dir="t"/>
+    </dgm:scene3d>
+    <dgm:sp3d/>
+    <dgm:txPr/>
+    <dgm:style>
+      <a:lnRef idx="0">
+        <a:scrgbClr r="0" g="0" b="0"/>
+      </a:lnRef>
+      <a:fillRef idx="1">
+        <a:scrgbClr r="0" g="0" b="0"/>
+      </a:fillRef>
+      <a:effectRef idx="0">
+        <a:scrgbClr r="0" g="0" b="0"/>
+      </a:effectRef>
+      <a:fontRef idx="minor">
+        <a:schemeClr val="lt1"/>
+      </a:fontRef>
+    </dgm:style>
+  </dgm:styleLbl>
+  <dgm:styleLbl name="sibTrans1D1">
+    <dgm:scene3d>
+      <a:camera prst="orthographicFront"/>
+      <a:lightRig rig="threePt" dir="t"/>
+    </dgm:scene3d>
+    <dgm:sp3d/>
+    <dgm:txPr/>
+    <dgm:style>
+      <a:lnRef idx="1">
+        <a:scrgbClr r="0" g="0" b="0"/>
+      </a:lnRef>
+      <a:fillRef idx="0">
+        <a:scrgbClr r="0" g="0" b="0"/>
+      </a:fillRef>
+      <a:effectRef idx="0">
+        <a:scrgbClr r="0" g="0" b="0"/>
+      </a:effectRef>
+      <a:fontRef idx="minor"/>
+    </dgm:style>
+  </dgm:styleLbl>
+  <dgm:styleLbl name="callout">
+    <dgm:scene3d>
+      <a:camera prst="orthographicFront"/>
+      <a:lightRig rig="threePt" dir="t"/>
+    </dgm:scene3d>
+    <dgm:sp3d/>
+    <dgm:txPr/>
+    <dgm:style>
+      <a:lnRef idx="2">
+        <a:scrgbClr r="0" g="0" b="0"/>
+      </a:lnRef>
+      <a:fillRef idx="1">
+        <a:scrgbClr r="0" g="0" b="0"/>
+      </a:fillRef>
+      <a:effectRef idx="0">
+        <a:scrgbClr r="0" g="0" b="0"/>
+      </a:effectRef>
+      <a:fontRef idx="minor"/>
+    </dgm:style>
+  </dgm:styleLbl>
+  <dgm:styleLbl name="asst0">
+    <dgm:scene3d>
+      <a:camera prst="orthographicFront"/>
+      <a:lightRig rig="threePt" dir="t"/>
+    </dgm:scene3d>
+    <dgm:sp3d/>
+    <dgm:txPr/>
+    <dgm:style>
+      <a:lnRef idx="2">
+        <a:scrgbClr r="0" g="0" b="0"/>
+      </a:lnRef>
+      <a:fillRef idx="1">
+        <a:scrgbClr r="0" g="0" b="0"/>
+      </a:fillRef>
+      <a:effectRef idx="0">
+        <a:scrgbClr r="0" g="0" b="0"/>
+      </a:effectRef>
+      <a:fontRef idx="minor">
+        <a:schemeClr val="lt1"/>
+      </a:fontRef>
+    </dgm:style>
+  </dgm:styleLbl>
+  <dgm:styleLbl name="asst1">
+    <dgm:scene3d>
+      <a:camera prst="orthographicFront"/>
+      <a:lightRig rig="threePt" dir="t"/>
+    </dgm:scene3d>
+    <dgm:sp3d/>
+    <dgm:txPr/>
+    <dgm:style>
+      <a:lnRef idx="2">
+        <a:scrgbClr r="0" g="0" b="0"/>
+      </a:lnRef>
+      <a:fillRef idx="1">
+        <a:scrgbClr r="0" g="0" b="0"/>
+      </a:fillRef>
+      <a:effectRef idx="0">
+        <a:scrgbClr r="0" g="0" b="0"/>
+      </a:effectRef>
+      <a:fontRef idx="minor">
+        <a:schemeClr val="lt1"/>
+      </a:fontRef>
+    </dgm:style>
+  </dgm:styleLbl>
+  <dgm:styleLbl name="asst2">
+    <dgm:scene3d>
+      <a:camera prst="orthographicFront"/>
+      <a:lightRig rig="threePt" dir="t"/>
+    </dgm:scene3d>
+    <dgm:sp3d/>
+    <dgm:txPr/>
+    <dgm:style>
+      <a:lnRef idx="2">
+        <a:scrgbClr r="0" g="0" b="0"/>
+      </a:lnRef>
+      <a:fillRef idx="1">
+        <a:scrgbClr r="0" g="0" b="0"/>
+      </a:fillRef>
+      <a:effectRef idx="0">
+        <a:scrgbClr r="0" g="0" b="0"/>
+      </a:effectRef>
+      <a:fontRef idx="minor">
+        <a:schemeClr val="lt1"/>
+      </a:fontRef>
+    </dgm:style>
+  </dgm:styleLbl>
+  <dgm:styleLbl name="asst3">
+    <dgm:scene3d>
+      <a:camera prst="orthographicFront"/>
+      <a:lightRig rig="threePt" dir="t"/>
+    </dgm:scene3d>
+    <dgm:sp3d/>
+    <dgm:txPr/>
+    <dgm:style>
+      <a:lnRef idx="2">
+        <a:scrgbClr r="0" g="0" b="0"/>
+      </a:lnRef>
+      <a:fillRef idx="1">
+        <a:scrgbClr r="0" g="0" b="0"/>
+      </a:fillRef>
+      <a:effectRef idx="0">
+        <a:scrgbClr r="0" g="0" b="0"/>
+      </a:effectRef>
+      <a:fontRef idx="minor">
+        <a:schemeClr val="lt1"/>
+      </a:fontRef>
+    </dgm:style>
+  </dgm:styleLbl>
+  <dgm:styleLbl name="asst4">
+    <dgm:scene3d>
+      <a:camera prst="orthographicFront"/>
+      <a:lightRig rig="threePt" dir="t"/>
+    </dgm:scene3d>
+    <dgm:sp3d/>
+    <dgm:txPr/>
+    <dgm:style>
+      <a:lnRef idx="2">
+        <a:scrgbClr r="0" g="0" b="0"/>
+      </a:lnRef>
+      <a:fillRef idx="1">
+        <a:scrgbClr r="0" g="0" b="0"/>
+      </a:fillRef>
+      <a:effectRef idx="0">
+        <a:scrgbClr r="0" g="0" b="0"/>
+      </a:effectRef>
+      <a:fontRef idx="minor">
+        <a:schemeClr val="lt1"/>
+      </a:fontRef>
+    </dgm:style>
+  </dgm:styleLbl>
+  <dgm:styleLbl name="parChTrans2D1">
+    <dgm:scene3d>
+      <a:camera prst="orthographicFront"/>
+      <a:lightRig rig="threePt" dir="t"/>
+    </dgm:scene3d>
+    <dgm:sp3d/>
+    <dgm:txPr/>
+    <dgm:style>
+      <a:lnRef idx="2">
+        <a:scrgbClr r="0" g="0" b="0"/>
+      </a:lnRef>
+      <a:fillRef idx="1">
+        <a:scrgbClr r="0" g="0" b="0"/>
+      </a:fillRef>
+      <a:effectRef idx="0">
+        <a:scrgbClr r="0" g="0" b="0"/>
+      </a:effectRef>
+      <a:fontRef idx="minor">
+        <a:schemeClr val="lt1"/>
+      </a:fontRef>
+    </dgm:style>
+  </dgm:styleLbl>
+  <dgm:styleLbl name="parChTrans2D2">
+    <dgm:scene3d>
+      <a:camera prst="orthographicFront"/>
+      <a:lightRig rig="threePt" dir="t"/>
+    </dgm:scene3d>
+    <dgm:sp3d/>
+    <dgm:txPr/>
+    <dgm:style>
+      <a:lnRef idx="2">
+        <a:scrgbClr r="0" g="0" b="0"/>
+      </a:lnRef>
+      <a:fillRef idx="1">
+        <a:scrgbClr r="0" g="0" b="0"/>
+      </a:fillRef>
+      <a:effectRef idx="0">
+        <a:scrgbClr r="0" g="0" b="0"/>
+      </a:effectRef>
+      <a:fontRef idx="minor">
+        <a:schemeClr val="lt1"/>
+      </a:fontRef>
+    </dgm:style>
+  </dgm:styleLbl>
+  <dgm:styleLbl name="parChTrans2D3">
+    <dgm:scene3d>
+      <a:camera prst="orthographicFront"/>
+      <a:lightRig rig="threePt" dir="t"/>
+    </dgm:scene3d>
+    <dgm:sp3d/>
+    <dgm:txPr/>
+    <dgm:style>
+      <a:lnRef idx="2">
+        <a:scrgbClr r="0" g="0" b="0"/>
+      </a:lnRef>
+      <a:fillRef idx="1">
+        <a:scrgbClr r="0" g="0" b="0"/>
+      </a:fillRef>
+      <a:effectRef idx="0">
+        <a:scrgbClr r="0" g="0" b="0"/>
+      </a:effectRef>
+      <a:fontRef idx="minor">
+        <a:schemeClr val="lt1"/>
+      </a:fontRef>
+    </dgm:style>
+  </dgm:styleLbl>
+  <dgm:styleLbl name="parChTrans2D4">
+    <dgm:scene3d>
+      <a:camera prst="orthographicFront"/>
+      <a:lightRig rig="threePt" dir="t"/>
+    </dgm:scene3d>
+    <dgm:sp3d/>
+    <dgm:txPr/>
+    <dgm:style>
+      <a:lnRef idx="2">
+        <a:scrgbClr r="0" g="0" b="0"/>
+      </a:lnRef>
+      <a:fillRef idx="1">
+        <a:scrgbClr r="0" g="0" b="0"/>
+      </a:fillRef>
+      <a:effectRef idx="0">
+        <a:scrgbClr r="0" g="0" b="0"/>
+      </a:effectRef>
+      <a:fontRef idx="minor">
+        <a:schemeClr val="lt1"/>
+      </a:fontRef>
+    </dgm:style>
+  </dgm:styleLbl>
+  <dgm:styleLbl name="parChTrans1D1">
+    <dgm:scene3d>
+      <a:camera prst="orthographicFront"/>
+      <a:lightRig rig="threePt" dir="t"/>
+    </dgm:scene3d>
+    <dgm:sp3d/>
+    <dgm:txPr/>
+    <dgm:style>
+      <a:lnRef idx="2">
+        <a:scrgbClr r="0" g="0" b="0"/>
+      </a:lnRef>
+      <a:fillRef idx="0">
+        <a:scrgbClr r="0" g="0" b="0"/>
+      </a:fillRef>
+      <a:effectRef idx="0">
+        <a:scrgbClr r="0" g="0" b="0"/>
+      </a:effectRef>
+      <a:fontRef idx="minor"/>
+    </dgm:style>
+  </dgm:styleLbl>
+  <dgm:styleLbl name="parChTrans1D2">
+    <dgm:scene3d>
+      <a:camera prst="orthographicFront"/>
+      <a:lightRig rig="threePt" dir="t"/>
+    </dgm:scene3d>
+    <dgm:sp3d/>
+    <dgm:txPr/>
+    <dgm:style>
+      <a:lnRef idx="2">
+        <a:scrgbClr r="0" g="0" b="0"/>
+      </a:lnRef>
+      <a:fillRef idx="0">
+        <a:scrgbClr r="0" g="0" b="0"/>
+      </a:fillRef>
+      <a:effectRef idx="0">
+        <a:scrgbClr r="0" g="0" b="0"/>
+      </a:effectRef>
+      <a:fontRef idx="minor"/>
+    </dgm:style>
+  </dgm:styleLbl>
+  <dgm:styleLbl name="parChTrans1D3">
+    <dgm:scene3d>
+      <a:camera prst="orthographicFront"/>
+      <a:lightRig rig="threePt" dir="t"/>
+    </dgm:scene3d>
+    <dgm:sp3d/>
+    <dgm:txPr/>
+    <dgm:style>
+      <a:lnRef idx="2">
+        <a:scrgbClr r="0" g="0" b="0"/>
+      </a:lnRef>
+      <a:fillRef idx="0">
+        <a:scrgbClr r="0" g="0" b="0"/>
+      </a:fillRef>
+      <a:effectRef idx="0">
+        <a:scrgbClr r="0" g="0" b="0"/>
+      </a:effectRef>
+      <a:fontRef idx="minor"/>
+    </dgm:style>
+  </dgm:styleLbl>
+  <dgm:styleLbl name="parChTrans1D4">
+    <dgm:scene3d>
+      <a:camera prst="orthographicFront"/>
+      <a:lightRig rig="threePt" dir="t"/>
+    </dgm:scene3d>
+    <dgm:sp3d/>
+    <dgm:txPr/>
+    <dgm:style>
+      <a:lnRef idx="2">
+        <a:scrgbClr r="0" g="0" b="0"/>
+      </a:lnRef>
+      <a:fillRef idx="0">
+        <a:scrgbClr r="0" g="0" b="0"/>
+      </a:fillRef>
+      <a:effectRef idx="0">
+        <a:scrgbClr r="0" g="0" b="0"/>
+      </a:effectRef>
+      <a:fontRef idx="minor"/>
+    </dgm:style>
+  </dgm:styleLbl>
+  <dgm:styleLbl name="fgAcc1">
+    <dgm:scene3d>
+      <a:camera prst="orthographicFront"/>
+      <a:lightRig rig="threePt" dir="t"/>
+    </dgm:scene3d>
+    <dgm:sp3d/>
+    <dgm:txPr/>
+    <dgm:style>
+      <a:lnRef idx="2">
+        <a:scrgbClr r="0" g="0" b="0"/>
+      </a:lnRef>
+      <a:fillRef idx="1">
+        <a:scrgbClr r="0" g="0" b="0"/>
+      </a:fillRef>
+      <a:effectRef idx="0">
+        <a:scrgbClr r="0" g="0" b="0"/>
+      </a:effectRef>
+      <a:fontRef idx="minor"/>
+    </dgm:style>
+  </dgm:styleLbl>
+  <dgm:styleLbl name="conFgAcc1">
+    <dgm:scene3d>
+      <a:camera prst="orthographicFront"/>
+      <a:lightRig rig="threePt" dir="t"/>
+    </dgm:scene3d>
+    <dgm:sp3d/>
+    <dgm:txPr/>
+    <dgm:style>
+      <a:lnRef idx="2">
+        <a:scrgbClr r="0" g="0" b="0"/>
+      </a:lnRef>
+      <a:fillRef idx="1">
+        <a:scrgbClr r="0" g="0" b="0"/>
+      </a:fillRef>
+      <a:effectRef idx="0">
+        <a:scrgbClr r="0" g="0" b="0"/>
+      </a:effectRef>
+      <a:fontRef idx="minor"/>
+    </dgm:style>
+  </dgm:styleLbl>
+  <dgm:styleLbl name="alignAcc1">
+    <dgm:scene3d>
+      <a:camera prst="orthographicFront"/>
+      <a:lightRig rig="threePt" dir="t"/>
+    </dgm:scene3d>
+    <dgm:sp3d/>
+    <dgm:txPr/>
+    <dgm:style>
+      <a:lnRef idx="2">
+        <a:scrgbClr r="0" g="0" b="0"/>
+      </a:lnRef>
+      <a:fillRef idx="1">
+        <a:scrgbClr r="0" g="0" b="0"/>
+      </a:fillRef>
+      <a:effectRef idx="0">
+        <a:scrgbClr r="0" g="0" b="0"/>
+      </a:effectRef>
+      <a:fontRef idx="minor"/>
+    </dgm:style>
+  </dgm:styleLbl>
+  <dgm:styleLbl name="trAlignAcc1">
+    <dgm:scene3d>
+      <a:camera prst="orthographicFront"/>
+      <a:lightRig rig="threePt" dir="t"/>
+    </dgm:scene3d>
+    <dgm:sp3d/>
+    <dgm:txPr/>
+    <dgm:style>
+      <a:lnRef idx="1">
+        <a:scrgbClr r="0" g="0" b="0"/>
+      </a:lnRef>
+      <a:fillRef idx="1">
+        <a:scrgbClr r="0" g="0" b="0"/>
+      </a:fillRef>
+      <a:effectRef idx="0">
+        <a:scrgbClr r="0" g="0" b="0"/>
+      </a:effectRef>
+      <a:fontRef idx="minor"/>
+    </dgm:style>
+  </dgm:styleLbl>
+  <dgm:styleLbl name="bgAcc1">
+    <dgm:scene3d>
+      <a:camera prst="orthographicFront"/>
+      <a:lightRig rig="threePt" dir="t"/>
+    </dgm:scene3d>
+    <dgm:sp3d/>
+    <dgm:txPr/>
+    <dgm:style>
+      <a:lnRef idx="2">
+        <a:scrgbClr r="0" g="0" b="0"/>
+      </a:lnRef>
+      <a:fillRef idx="1">
+        <a:scrgbClr r="0" g="0" b="0"/>
+      </a:fillRef>
+      <a:effectRef idx="0">
+        <a:scrgbClr r="0" g="0" b="0"/>
+      </a:effectRef>
+      <a:fontRef idx="minor"/>
+    </dgm:style>
+  </dgm:styleLbl>
+  <dgm:styleLbl name="solidFgAcc1">
+    <dgm:scene3d>
+      <a:camera prst="orthographicFront"/>
+      <a:lightRig rig="threePt" dir="t"/>
+    </dgm:scene3d>
+    <dgm:sp3d/>
+    <dgm:txPr/>
+    <dgm:style>
+      <a:lnRef idx="2">
+        <a:scrgbClr r="0" g="0" b="0"/>
+      </a:lnRef>
+      <a:fillRef idx="1">
+        <a:scrgbClr r="0" g="0" b="0"/>
+      </a:fillRef>
+      <a:effectRef idx="0">
+        <a:scrgbClr r="0" g="0" b="0"/>
+      </a:effectRef>
+      <a:fontRef idx="minor"/>
+    </dgm:style>
+  </dgm:styleLbl>
+  <dgm:styleLbl name="solidAlignAcc1">
+    <dgm:scene3d>
+      <a:camera prst="orthographicFront"/>
+      <a:lightRig rig="threePt" dir="t"/>
+    </dgm:scene3d>
+    <dgm:sp3d/>
+    <dgm:txPr/>
+    <dgm:style>
+      <a:lnRef idx="2">
+        <a:scrgbClr r="0" g="0" b="0"/>
+      </a:lnRef>
+      <a:fillRef idx="1">
+        <a:scrgbClr r="0" g="0" b="0"/>
+      </a:fillRef>
+      <a:effectRef idx="0">
+        <a:scrgbClr r="0" g="0" b="0"/>
+      </a:effectRef>
+      <a:fontRef idx="minor"/>
+    </dgm:style>
+  </dgm:styleLbl>
+  <dgm:styleLbl name="solidBgAcc1">
+    <dgm:scene3d>
+      <a:camera prst="orthographicFront"/>
+      <a:lightRig rig="threePt" dir="t"/>
+    </dgm:scene3d>
+    <dgm:sp3d/>
+    <dgm:txPr/>
+    <dgm:style>
+      <a:lnRef idx="2">
+        <a:scrgbClr r="0" g="0" b="0"/>
+      </a:lnRef>
+      <a:fillRef idx="1">
+        <a:scrgbClr r="0" g="0" b="0"/>
+      </a:fillRef>
+      <a:effectRef idx="0">
+        <a:scrgbClr r="0" g="0" b="0"/>
+      </a:effectRef>
+      <a:fontRef idx="minor"/>
+    </dgm:style>
+  </dgm:styleLbl>
+  <dgm:styleLbl name="fgAccFollowNode1">
+    <dgm:scene3d>
+      <a:camera prst="orthographicFront"/>
+      <a:lightRig rig="threePt" dir="t"/>
+    </dgm:scene3d>
+    <dgm:sp3d/>
+    <dgm:txPr/>
+    <dgm:style>
+      <a:lnRef idx="2">
+        <a:scrgbClr r="0" g="0" b="0"/>
+      </a:lnRef>
+      <a:fillRef idx="1">
+        <a:scrgbClr r="0" g="0" b="0"/>
+      </a:fillRef>
+      <a:effectRef idx="0">
+        <a:scrgbClr r="0" g="0" b="0"/>
+      </a:effectRef>
+      <a:fontRef idx="minor"/>
+    </dgm:style>
+  </dgm:styleLbl>
+  <dgm:styleLbl name="alignAccFollowNode1">
+    <dgm:scene3d>
+      <a:camera prst="orthographicFront"/>
+      <a:lightRig rig="threePt" dir="t"/>
+    </dgm:scene3d>
+    <dgm:sp3d/>
+    <dgm:txPr/>
+    <dgm:style>
+      <a:lnRef idx="2">
+        <a:scrgbClr r="0" g="0" b="0"/>
+      </a:lnRef>
+      <a:fillRef idx="1">
+        <a:scrgbClr r="0" g="0" b="0"/>
+      </a:fillRef>
+      <a:effectRef idx="0">
+        <a:scrgbClr r="0" g="0" b="0"/>
+      </a:effectRef>
+      <a:fontRef idx="minor"/>
+    </dgm:style>
+  </dgm:styleLbl>
+  <dgm:styleLbl name="bgAccFollowNode1">
+    <dgm:scene3d>
+      <a:camera prst="orthographicFront"/>
+      <a:lightRig rig="threePt" dir="t"/>
+    </dgm:scene3d>
+    <dgm:sp3d/>
+    <dgm:txPr/>
+    <dgm:style>
+      <a:lnRef idx="2">
+        <a:scrgbClr r="0" g="0" b="0"/>
+      </a:lnRef>
+      <a:fillRef idx="1">
+        <a:scrgbClr r="0" g="0" b="0"/>
+      </a:fillRef>
+      <a:effectRef idx="0">
+        <a:scrgbClr r="0" g="0" b="0"/>
+      </a:effectRef>
+      <a:fontRef idx="minor"/>
+    </dgm:style>
+  </dgm:styleLbl>
+  <dgm:styleLbl name="fgAcc0">
+    <dgm:scene3d>
+      <a:camera prst="orthographicFront"/>
+      <a:lightRig rig="threePt" dir="t"/>
+    </dgm:scene3d>
+    <dgm:sp3d/>
+    <dgm:txPr/>
+    <dgm:style>
+      <a:lnRef idx="2">
+        <a:scrgbClr r="0" g="0" b="0"/>
+      </a:lnRef>
+      <a:fillRef idx="1">
+        <a:scrgbClr r="0" g="0" b="0"/>
+      </a:fillRef>
+      <a:effectRef idx="0">
+        <a:scrgbClr r="0" g="0" b="0"/>
+      </a:effectRef>
+      <a:fontRef idx="minor"/>
+    </dgm:style>
+  </dgm:styleLbl>
+  <dgm:styleLbl name="fgAcc2">
+    <dgm:scene3d>
+      <a:camera prst="orthographicFront"/>
+      <a:lightRig rig="threePt" dir="t"/>
+    </dgm:scene3d>
+    <dgm:sp3d/>
+    <dgm:txPr/>
+    <dgm:style>
+      <a:lnRef idx="2">
+        <a:scrgbClr r="0" g="0" b="0"/>
+      </a:lnRef>
+      <a:fillRef idx="1">
+        <a:scrgbClr r="0" g="0" b="0"/>
+      </a:fillRef>
+      <a:effectRef idx="0">
+        <a:scrgbClr r="0" g="0" b="0"/>
+      </a:effectRef>
+      <a:fontRef idx="minor"/>
+    </dgm:style>
+  </dgm:styleLbl>
+  <dgm:styleLbl name="fgAcc3">
+    <dgm:scene3d>
+      <a:camera prst="orthographicFront"/>
+      <a:lightRig rig="threePt" dir="t"/>
+    </dgm:scene3d>
+    <dgm:sp3d/>
+    <dgm:txPr/>
+    <dgm:style>
+      <a:lnRef idx="2">
+        <a:scrgbClr r="0" g="0" b="0"/>
+      </a:lnRef>
+      <a:fillRef idx="1">
+        <a:scrgbClr r="0" g="0" b="0"/>
+      </a:fillRef>
+      <a:effectRef idx="0">
+        <a:scrgbClr r="0" g="0" b="0"/>
+      </a:effectRef>
+      <a:fontRef idx="minor"/>
+    </dgm:style>
+  </dgm:styleLbl>
+  <dgm:styleLbl name="fgAcc4">
+    <dgm:scene3d>
+      <a:camera prst="orthographicFront"/>
+      <a:lightRig rig="threePt" dir="t"/>
+    </dgm:scene3d>
+    <dgm:sp3d/>
+    <dgm:txPr/>
+    <dgm:style>
+      <a:lnRef idx="2">
+        <a:scrgbClr r="0" g="0" b="0"/>
+      </a:lnRef>
+      <a:fillRef idx="1">
+        <a:scrgbClr r="0" g="0" b="0"/>
+      </a:fillRef>
+      <a:effectRef idx="0">
+        <a:scrgbClr r="0" g="0" b="0"/>
+      </a:effectRef>
+      <a:fontRef idx="minor"/>
+    </dgm:style>
+  </dgm:styleLbl>
+  <dgm:styleLbl name="bgShp">
+    <dgm:scene3d>
+      <a:camera prst="orthographicFront"/>
+      <a:lightRig rig="threePt" dir="t"/>
+    </dgm:scene3d>
+    <dgm:sp3d/>
+    <dgm:txPr/>
+    <dgm:style>
+      <a:lnRef idx="0">
+        <a:scrgbClr r="0" g="0" b="0"/>
+      </a:lnRef>
+      <a:fillRef idx="1">
+        <a:scrgbClr r="0" g="0" b="0"/>
+      </a:fillRef>
+      <a:effectRef idx="0">
+        <a:scrgbClr r="0" g="0" b="0"/>
+      </a:effectRef>
+      <a:fontRef idx="minor"/>
+    </dgm:style>
+  </dgm:styleLbl>
+  <dgm:styleLbl name="dkBgShp">
+    <dgm:scene3d>
+      <a:camera prst="orthographicFront"/>
+      <a:lightRig rig="threePt" dir="t"/>
+    </dgm:scene3d>
+    <dgm:sp3d/>
+    <dgm:txPr/>
+    <dgm:style>
+      <a:lnRef idx="0">
+        <a:scrgbClr r="0" g="0" b="0"/>
+      </a:lnRef>
+      <a:fillRef idx="1">
+        <a:scrgbClr r="0" g="0" b="0"/>
+      </a:fillRef>
+      <a:effectRef idx="0">
+        <a:scrgbClr r="0" g="0" b="0"/>
+      </a:effectRef>
+      <a:fontRef idx="minor"/>
+    </dgm:style>
+  </dgm:styleLbl>
+  <dgm:styleLbl name="trBgShp">
+    <dgm:scene3d>
+      <a:camera prst="orthographicFront"/>
+      <a:lightRig rig="threePt" dir="t"/>
+    </dgm:scene3d>
+    <dgm:sp3d/>
+    <dgm:txPr/>
+    <dgm:style>
+      <a:lnRef idx="0">
+        <a:scrgbClr r="0" g="0" b="0"/>
+      </a:lnRef>
+      <a:fillRef idx="1">
+        <a:scrgbClr r="0" g="0" b="0"/>
+      </a:fillRef>
+      <a:effectRef idx="0">
+        <a:scrgbClr r="0" g="0" b="0"/>
+      </a:effectRef>
+      <a:fontRef idx="minor"/>
+    </dgm:style>
+  </dgm:styleLbl>
+  <dgm:styleLbl name="fgShp">
+    <dgm:scene3d>
+      <a:camera prst="orthographicFront"/>
+      <a:lightRig rig="threePt" dir="t"/>
+    </dgm:scene3d>
+    <dgm:sp3d/>
+    <dgm:txPr/>
+    <dgm:style>
+      <a:lnRef idx="2">
+        <a:scrgbClr r="0" g="0" b="0"/>
+      </a:lnRef>
+      <a:fillRef idx="1">
+        <a:scrgbClr r="0" g="0" b="0"/>
+      </a:fillRef>
+      <a:effectRef idx="0">
+        <a:scrgbClr r="0" g="0" b="0"/>
+      </a:effectRef>
+      <a:fontRef idx="minor"/>
+    </dgm:style>
+  </dgm:styleLbl>
+  <dgm:styleLbl name="revTx">
+    <dgm:scene3d>
+      <a:camera prst="orthographicFront"/>
+      <a:lightRig rig="threePt" dir="t"/>
+    </dgm:scene3d>
+    <dgm:sp3d/>
+    <dgm:txPr/>
+    <dgm:style>
+      <a:lnRef idx="0">
+        <a:scrgbClr r="0" g="0" b="0"/>
+      </a:lnRef>
+      <a:fillRef idx="0">
+        <a:scrgbClr r="0" g="0" b="0"/>
+      </a:fillRef>
+      <a:effectRef idx="0">
+        <a:scrgbClr r="0" g="0" b="0"/>
+      </a:effectRef>
+      <a:fontRef idx="minor"/>
+    </dgm:style>
+  </dgm:styleLbl>
+</dgm:styleDef>
 </file>
 
 <file path=ppt/slideLayouts/slideLayout1.xml><?xml version="1.0" encoding="utf-8"?>
@@ -337,7 +7329,7 @@
           <a:p>
             <a:fld id="{63D0EED3-A97F-46C8-8846-7CA2EF30E171}" type="datetimeFigureOut">
               <a:rPr lang="en-US" smtClean="0"/>
-              <a:t>7/8/2014</a:t>
+              <a:t>7/12/2014</a:t>
             </a:fld>
             <a:endParaRPr lang="en-US"/>
           </a:p>
@@ -507,7 +7499,7 @@
           <a:p>
             <a:fld id="{63D0EED3-A97F-46C8-8846-7CA2EF30E171}" type="datetimeFigureOut">
               <a:rPr lang="en-US" smtClean="0"/>
-              <a:t>7/8/2014</a:t>
+              <a:t>7/12/2014</a:t>
             </a:fld>
             <a:endParaRPr lang="en-US"/>
           </a:p>
@@ -687,7 +7679,7 @@
           <a:p>
             <a:fld id="{63D0EED3-A97F-46C8-8846-7CA2EF30E171}" type="datetimeFigureOut">
               <a:rPr lang="en-US" smtClean="0"/>
-              <a:t>7/8/2014</a:t>
+              <a:t>7/12/2014</a:t>
             </a:fld>
             <a:endParaRPr lang="en-US"/>
           </a:p>
@@ -857,7 +7849,7 @@
           <a:p>
             <a:fld id="{63D0EED3-A97F-46C8-8846-7CA2EF30E171}" type="datetimeFigureOut">
               <a:rPr lang="en-US" smtClean="0"/>
-              <a:t>7/8/2014</a:t>
+              <a:t>7/12/2014</a:t>
             </a:fld>
             <a:endParaRPr lang="en-US"/>
           </a:p>
@@ -1115,7 +8107,7 @@
           <a:p>
             <a:fld id="{63D0EED3-A97F-46C8-8846-7CA2EF30E171}" type="datetimeFigureOut">
               <a:rPr lang="en-US" smtClean="0"/>
-              <a:t>7/8/2014</a:t>
+              <a:t>7/12/2014</a:t>
             </a:fld>
             <a:endParaRPr lang="en-US"/>
           </a:p>
@@ -1403,7 +8395,7 @@
           <a:p>
             <a:fld id="{63D0EED3-A97F-46C8-8846-7CA2EF30E171}" type="datetimeFigureOut">
               <a:rPr lang="en-US" smtClean="0"/>
-              <a:t>7/8/2014</a:t>
+              <a:t>7/12/2014</a:t>
             </a:fld>
             <a:endParaRPr lang="en-US"/>
           </a:p>
@@ -1845,7 +8837,7 @@
           <a:p>
             <a:fld id="{63D0EED3-A97F-46C8-8846-7CA2EF30E171}" type="datetimeFigureOut">
               <a:rPr lang="en-US" smtClean="0"/>
-              <a:t>7/8/2014</a:t>
+              <a:t>7/12/2014</a:t>
             </a:fld>
             <a:endParaRPr lang="en-US"/>
           </a:p>
@@ -1963,7 +8955,7 @@
           <a:p>
             <a:fld id="{63D0EED3-A97F-46C8-8846-7CA2EF30E171}" type="datetimeFigureOut">
               <a:rPr lang="en-US" smtClean="0"/>
-              <a:t>7/8/2014</a:t>
+              <a:t>7/12/2014</a:t>
             </a:fld>
             <a:endParaRPr lang="en-US"/>
           </a:p>
@@ -2058,7 +9050,7 @@
           <a:p>
             <a:fld id="{63D0EED3-A97F-46C8-8846-7CA2EF30E171}" type="datetimeFigureOut">
               <a:rPr lang="en-US" smtClean="0"/>
-              <a:t>7/8/2014</a:t>
+              <a:t>7/12/2014</a:t>
             </a:fld>
             <a:endParaRPr lang="en-US"/>
           </a:p>
@@ -2346,7 +9338,7 @@
           <a:p>
             <a:fld id="{63D0EED3-A97F-46C8-8846-7CA2EF30E171}" type="datetimeFigureOut">
               <a:rPr lang="en-US" smtClean="0"/>
-              <a:t>7/8/2014</a:t>
+              <a:t>7/12/2014</a:t>
             </a:fld>
             <a:endParaRPr lang="en-US"/>
           </a:p>
@@ -2619,7 +9611,7 @@
           <a:p>
             <a:fld id="{63D0EED3-A97F-46C8-8846-7CA2EF30E171}" type="datetimeFigureOut">
               <a:rPr lang="en-US" smtClean="0"/>
-              <a:t>7/8/2014</a:t>
+              <a:t>7/12/2014</a:t>
             </a:fld>
             <a:endParaRPr lang="en-US"/>
           </a:p>
@@ -2916,7 +9908,7 @@
           <a:p>
             <a:fld id="{63D0EED3-A97F-46C8-8846-7CA2EF30E171}" type="datetimeFigureOut">
               <a:rPr lang="en-US" smtClean="0"/>
-              <a:t>7/8/2014</a:t>
+              <a:t>7/12/2014</a:t>
             </a:fld>
             <a:endParaRPr lang="en-US"/>
           </a:p>
@@ -3470,6 +10462,1066 @@
 </p:sld>
 </file>
 
+<file path=ppt/slides/slide10.xml><?xml version="1.0" encoding="utf-8"?>
+<p:sld xmlns:a="http://schemas.openxmlformats.org/drawingml/2006/main" xmlns:r="http://schemas.openxmlformats.org/officeDocument/2006/relationships" xmlns:p="http://schemas.openxmlformats.org/presentationml/2006/main">
+  <p:cSld>
+    <p:spTree>
+      <p:nvGrpSpPr>
+        <p:cNvPr id="1" name=""/>
+        <p:cNvGrpSpPr/>
+        <p:nvPr/>
+      </p:nvGrpSpPr>
+      <p:grpSpPr>
+        <a:xfrm>
+          <a:off x="0" y="0"/>
+          <a:ext cx="0" cy="0"/>
+          <a:chOff x="0" y="0"/>
+          <a:chExt cx="0" cy="0"/>
+        </a:xfrm>
+      </p:grpSpPr>
+      <p:sp>
+        <p:nvSpPr>
+          <p:cNvPr id="4" name="Title 3"/>
+          <p:cNvSpPr>
+            <a:spLocks noGrp="1"/>
+          </p:cNvSpPr>
+          <p:nvPr>
+            <p:ph type="title"/>
+          </p:nvPr>
+        </p:nvSpPr>
+        <p:spPr/>
+        <p:txBody>
+          <a:bodyPr/>
+          <a:lstStyle/>
+          <a:p>
+            <a:r>
+              <a:rPr lang="en-US" dirty="0" smtClean="0"/>
+              <a:t>Node.js &amp; </a:t>
+            </a:r>
+            <a:r>
+              <a:rPr lang="en-US" dirty="0" err="1" smtClean="0"/>
+              <a:t>MongoDB</a:t>
+            </a:r>
+            <a:endParaRPr lang="en-US" dirty="0"/>
+          </a:p>
+        </p:txBody>
+      </p:sp>
+      <p:sp>
+        <p:nvSpPr>
+          <p:cNvPr id="5" name="Text Placeholder 4"/>
+          <p:cNvSpPr>
+            <a:spLocks noGrp="1"/>
+          </p:cNvSpPr>
+          <p:nvPr>
+            <p:ph type="body" idx="1"/>
+          </p:nvPr>
+        </p:nvSpPr>
+        <p:spPr/>
+        <p:txBody>
+          <a:bodyPr/>
+          <a:lstStyle/>
+          <a:p>
+            <a:r>
+              <a:rPr lang="en-US" dirty="0" smtClean="0"/>
+              <a:t>The JavaScript Stack</a:t>
+            </a:r>
+            <a:endParaRPr lang="en-US" dirty="0"/>
+          </a:p>
+        </p:txBody>
+      </p:sp>
+    </p:spTree>
+    <p:extLst>
+      <p:ext uri="{BB962C8B-B14F-4D97-AF65-F5344CB8AC3E}">
+        <p14:creationId xmlns:p14="http://schemas.microsoft.com/office/powerpoint/2010/main" val="3694200312"/>
+      </p:ext>
+    </p:extLst>
+  </p:cSld>
+  <p:clrMapOvr>
+    <a:masterClrMapping/>
+  </p:clrMapOvr>
+  <p:timing>
+    <p:tnLst>
+      <p:par>
+        <p:cTn id="1" dur="indefinite" restart="never" nodeType="tmRoot"/>
+      </p:par>
+    </p:tnLst>
+  </p:timing>
+</p:sld>
+</file>
+
+<file path=ppt/slides/slide11.xml><?xml version="1.0" encoding="utf-8"?>
+<p:sld xmlns:a="http://schemas.openxmlformats.org/drawingml/2006/main" xmlns:r="http://schemas.openxmlformats.org/officeDocument/2006/relationships" xmlns:p="http://schemas.openxmlformats.org/presentationml/2006/main">
+  <p:cSld>
+    <p:spTree>
+      <p:nvGrpSpPr>
+        <p:cNvPr id="1" name=""/>
+        <p:cNvGrpSpPr/>
+        <p:nvPr/>
+      </p:nvGrpSpPr>
+      <p:grpSpPr>
+        <a:xfrm>
+          <a:off x="0" y="0"/>
+          <a:ext cx="0" cy="0"/>
+          <a:chOff x="0" y="0"/>
+          <a:chExt cx="0" cy="0"/>
+        </a:xfrm>
+      </p:grpSpPr>
+      <p:sp>
+        <p:nvSpPr>
+          <p:cNvPr id="2" name="Title 1"/>
+          <p:cNvSpPr>
+            <a:spLocks noGrp="1"/>
+          </p:cNvSpPr>
+          <p:nvPr>
+            <p:ph type="title"/>
+          </p:nvPr>
+        </p:nvSpPr>
+        <p:spPr/>
+        <p:txBody>
+          <a:bodyPr/>
+          <a:lstStyle/>
+          <a:p>
+            <a:r>
+              <a:rPr lang="en-US" dirty="0" smtClean="0"/>
+              <a:t>Node.js</a:t>
+            </a:r>
+            <a:endParaRPr lang="en-US" dirty="0"/>
+          </a:p>
+        </p:txBody>
+      </p:sp>
+      <p:sp>
+        <p:nvSpPr>
+          <p:cNvPr id="3" name="Content Placeholder 2"/>
+          <p:cNvSpPr>
+            <a:spLocks noGrp="1"/>
+          </p:cNvSpPr>
+          <p:nvPr>
+            <p:ph idx="1"/>
+          </p:nvPr>
+        </p:nvSpPr>
+        <p:spPr/>
+        <p:txBody>
+          <a:bodyPr>
+            <a:normAutofit/>
+          </a:bodyPr>
+          <a:lstStyle/>
+          <a:p>
+            <a:r>
+              <a:rPr lang="en-US" dirty="0"/>
+              <a:t>Node.js is a software platform for </a:t>
+            </a:r>
+            <a:r>
+              <a:rPr lang="en-US" dirty="0" smtClean="0"/>
+              <a:t>scalable</a:t>
+            </a:r>
+            <a:r>
+              <a:rPr lang="en-US" dirty="0"/>
+              <a:t> server-side and networking applications. Node.js applications are written in </a:t>
+            </a:r>
+            <a:r>
+              <a:rPr lang="en-US" dirty="0" smtClean="0"/>
+              <a:t>JavaScript. </a:t>
+            </a:r>
+          </a:p>
+          <a:p>
+            <a:r>
+              <a:rPr lang="en-US" dirty="0" smtClean="0"/>
+              <a:t>Single threaded environment</a:t>
+            </a:r>
+            <a:r>
+              <a:rPr lang="en-US" dirty="0" smtClean="0"/>
+              <a:t>.</a:t>
+            </a:r>
+          </a:p>
+          <a:p>
+            <a:r>
+              <a:rPr lang="en-US" dirty="0" smtClean="0"/>
+              <a:t>Written in C++</a:t>
+            </a:r>
+            <a:endParaRPr lang="en-US" dirty="0" smtClean="0"/>
+          </a:p>
+          <a:p>
+            <a:r>
+              <a:rPr lang="en-US" dirty="0" smtClean="0"/>
+              <a:t>Uses an asynchronous event driven model for processing requests.</a:t>
+            </a:r>
+            <a:endParaRPr lang="en-US" dirty="0"/>
+          </a:p>
+        </p:txBody>
+      </p:sp>
+    </p:spTree>
+    <p:extLst>
+      <p:ext uri="{BB962C8B-B14F-4D97-AF65-F5344CB8AC3E}">
+        <p14:creationId xmlns:p14="http://schemas.microsoft.com/office/powerpoint/2010/main" val="896635000"/>
+      </p:ext>
+    </p:extLst>
+  </p:cSld>
+  <p:clrMapOvr>
+    <a:masterClrMapping/>
+  </p:clrMapOvr>
+  <p:timing>
+    <p:tnLst>
+      <p:par>
+        <p:cTn id="1" dur="indefinite" restart="never" nodeType="tmRoot"/>
+      </p:par>
+    </p:tnLst>
+  </p:timing>
+</p:sld>
+</file>
+
+<file path=ppt/slides/slide12.xml><?xml version="1.0" encoding="utf-8"?>
+<p:sld xmlns:a="http://schemas.openxmlformats.org/drawingml/2006/main" xmlns:r="http://schemas.openxmlformats.org/officeDocument/2006/relationships" xmlns:p="http://schemas.openxmlformats.org/presentationml/2006/main">
+  <p:cSld>
+    <p:spTree>
+      <p:nvGrpSpPr>
+        <p:cNvPr id="1" name=""/>
+        <p:cNvGrpSpPr/>
+        <p:nvPr/>
+      </p:nvGrpSpPr>
+      <p:grpSpPr>
+        <a:xfrm>
+          <a:off x="0" y="0"/>
+          <a:ext cx="0" cy="0"/>
+          <a:chOff x="0" y="0"/>
+          <a:chExt cx="0" cy="0"/>
+        </a:xfrm>
+      </p:grpSpPr>
+      <p:sp>
+        <p:nvSpPr>
+          <p:cNvPr id="2" name="Title 1"/>
+          <p:cNvSpPr>
+            <a:spLocks noGrp="1"/>
+          </p:cNvSpPr>
+          <p:nvPr>
+            <p:ph type="title"/>
+          </p:nvPr>
+        </p:nvSpPr>
+        <p:spPr/>
+        <p:txBody>
+          <a:bodyPr/>
+          <a:lstStyle/>
+          <a:p>
+            <a:r>
+              <a:rPr lang="en-US" smtClean="0"/>
+              <a:t>Node.js</a:t>
+            </a:r>
+            <a:endParaRPr lang="en-US" dirty="0"/>
+          </a:p>
+        </p:txBody>
+      </p:sp>
+      <p:graphicFrame>
+        <p:nvGraphicFramePr>
+          <p:cNvPr id="6" name="Content Placeholder 5"/>
+          <p:cNvGraphicFramePr>
+            <a:graphicFrameLocks noGrp="1"/>
+          </p:cNvGraphicFramePr>
+          <p:nvPr>
+            <p:ph idx="1"/>
+            <p:extLst>
+              <p:ext uri="{D42A27DB-BD31-4B8C-83A1-F6EECF244321}">
+                <p14:modId xmlns:p14="http://schemas.microsoft.com/office/powerpoint/2010/main" val="3317350383"/>
+              </p:ext>
+            </p:extLst>
+          </p:nvPr>
+        </p:nvGraphicFramePr>
+        <p:xfrm>
+          <a:off x="3868737" y="637309"/>
+          <a:ext cx="7953808" cy="6012873"/>
+        </p:xfrm>
+        <a:graphic>
+          <a:graphicData uri="http://schemas.openxmlformats.org/drawingml/2006/diagram">
+            <dgm:relIds xmlns:dgm="http://schemas.openxmlformats.org/drawingml/2006/diagram" xmlns:r="http://schemas.openxmlformats.org/officeDocument/2006/relationships" r:dm="rId2" r:lo="rId3" r:qs="rId4" r:cs="rId5"/>
+          </a:graphicData>
+        </a:graphic>
+      </p:graphicFrame>
+    </p:spTree>
+    <p:extLst>
+      <p:ext uri="{BB962C8B-B14F-4D97-AF65-F5344CB8AC3E}">
+        <p14:creationId xmlns:p14="http://schemas.microsoft.com/office/powerpoint/2010/main" val="374802533"/>
+      </p:ext>
+    </p:extLst>
+  </p:cSld>
+  <p:clrMapOvr>
+    <a:masterClrMapping/>
+  </p:clrMapOvr>
+  <p:timing>
+    <p:tnLst>
+      <p:par>
+        <p:cTn id="1" dur="indefinite" restart="never" nodeType="tmRoot"/>
+      </p:par>
+    </p:tnLst>
+  </p:timing>
+</p:sld>
+</file>
+
+<file path=ppt/slides/slide13.xml><?xml version="1.0" encoding="utf-8"?>
+<p:sld xmlns:a="http://schemas.openxmlformats.org/drawingml/2006/main" xmlns:r="http://schemas.openxmlformats.org/officeDocument/2006/relationships" xmlns:p="http://schemas.openxmlformats.org/presentationml/2006/main">
+  <p:cSld>
+    <p:spTree>
+      <p:nvGrpSpPr>
+        <p:cNvPr id="1" name=""/>
+        <p:cNvGrpSpPr/>
+        <p:nvPr/>
+      </p:nvGrpSpPr>
+      <p:grpSpPr>
+        <a:xfrm>
+          <a:off x="0" y="0"/>
+          <a:ext cx="0" cy="0"/>
+          <a:chOff x="0" y="0"/>
+          <a:chExt cx="0" cy="0"/>
+        </a:xfrm>
+      </p:grpSpPr>
+      <p:sp>
+        <p:nvSpPr>
+          <p:cNvPr id="2" name="Title 1"/>
+          <p:cNvSpPr>
+            <a:spLocks noGrp="1"/>
+          </p:cNvSpPr>
+          <p:nvPr>
+            <p:ph type="title"/>
+          </p:nvPr>
+        </p:nvSpPr>
+        <p:spPr/>
+        <p:txBody>
+          <a:bodyPr/>
+          <a:lstStyle/>
+          <a:p>
+            <a:r>
+              <a:rPr lang="en-US" dirty="0" err="1" smtClean="0"/>
+              <a:t>MongoDB</a:t>
+            </a:r>
+            <a:endParaRPr lang="en-US" dirty="0"/>
+          </a:p>
+        </p:txBody>
+      </p:sp>
+      <p:sp>
+        <p:nvSpPr>
+          <p:cNvPr id="3" name="Content Placeholder 2"/>
+          <p:cNvSpPr>
+            <a:spLocks noGrp="1"/>
+          </p:cNvSpPr>
+          <p:nvPr>
+            <p:ph idx="1"/>
+          </p:nvPr>
+        </p:nvSpPr>
+        <p:spPr/>
+        <p:txBody>
+          <a:bodyPr/>
+          <a:lstStyle/>
+          <a:p>
+            <a:r>
+              <a:rPr lang="en-US" dirty="0" smtClean="0"/>
+              <a:t>NoSQL Database</a:t>
+            </a:r>
+          </a:p>
+          <a:p>
+            <a:r>
+              <a:rPr lang="en-US" dirty="0" smtClean="0"/>
+              <a:t>Written in C++</a:t>
+            </a:r>
+          </a:p>
+          <a:p>
+            <a:r>
+              <a:rPr lang="en-US" dirty="0" smtClean="0"/>
+              <a:t>Database entries are stored in collections call Document Collections where each entry is called a Document</a:t>
+            </a:r>
+          </a:p>
+          <a:p>
+            <a:r>
+              <a:rPr lang="en-US" dirty="0" smtClean="0"/>
+              <a:t>Documents are stored in JavaScript Object Notation (JSON) format</a:t>
+            </a:r>
+          </a:p>
+          <a:p>
+            <a:pPr lvl="1"/>
+            <a:r>
+              <a:rPr lang="en-US" dirty="0" smtClean="0"/>
+              <a:t>This allows for storage of hierarchical structures (i.e., objects)</a:t>
+            </a:r>
+          </a:p>
+          <a:p>
+            <a:pPr lvl="1"/>
+            <a:r>
+              <a:rPr lang="en-US" dirty="0" smtClean="0"/>
+              <a:t>Data does not have to be normalized (i.e., split up between various tables)</a:t>
+            </a:r>
+          </a:p>
+          <a:p>
+            <a:pPr lvl="1"/>
+            <a:r>
+              <a:rPr lang="en-US" dirty="0" smtClean="0"/>
+              <a:t>No schema for document keys</a:t>
+            </a:r>
+          </a:p>
+          <a:p>
+            <a:pPr lvl="1"/>
+            <a:r>
+              <a:rPr lang="en-US" dirty="0" smtClean="0"/>
+              <a:t>Maintains much of the query functionality of relational database systems</a:t>
+            </a:r>
+          </a:p>
+          <a:p>
+            <a:pPr lvl="2"/>
+            <a:r>
+              <a:rPr lang="en-US" dirty="0" err="1"/>
+              <a:t>db.posts.find</a:t>
+            </a:r>
+            <a:r>
+              <a:rPr lang="en-US" dirty="0"/>
+              <a:t>({'tags': 'politics', '</a:t>
+            </a:r>
+            <a:r>
+              <a:rPr lang="en-US" dirty="0" err="1"/>
+              <a:t>vote_count</a:t>
+            </a:r>
+            <a:r>
+              <a:rPr lang="en-US" dirty="0"/>
+              <a:t>': {'$</a:t>
+            </a:r>
+            <a:r>
+              <a:rPr lang="en-US" dirty="0" err="1"/>
+              <a:t>gt</a:t>
+            </a:r>
+            <a:r>
+              <a:rPr lang="en-US" dirty="0"/>
+              <a:t>': 10}});</a:t>
+            </a:r>
+            <a:endParaRPr lang="en-US" dirty="0"/>
+          </a:p>
+        </p:txBody>
+      </p:sp>
+    </p:spTree>
+    <p:extLst>
+      <p:ext uri="{BB962C8B-B14F-4D97-AF65-F5344CB8AC3E}">
+        <p14:creationId xmlns:p14="http://schemas.microsoft.com/office/powerpoint/2010/main" val="1947882147"/>
+      </p:ext>
+    </p:extLst>
+  </p:cSld>
+  <p:clrMapOvr>
+    <a:masterClrMapping/>
+  </p:clrMapOvr>
+  <p:timing>
+    <p:tnLst>
+      <p:par>
+        <p:cTn id="1" dur="indefinite" restart="never" nodeType="tmRoot"/>
+      </p:par>
+    </p:tnLst>
+  </p:timing>
+</p:sld>
+</file>
+
+<file path=ppt/slides/slide14.xml><?xml version="1.0" encoding="utf-8"?>
+<p:sld xmlns:a="http://schemas.openxmlformats.org/drawingml/2006/main" xmlns:r="http://schemas.openxmlformats.org/officeDocument/2006/relationships" xmlns:p="http://schemas.openxmlformats.org/presentationml/2006/main">
+  <p:cSld>
+    <p:spTree>
+      <p:nvGrpSpPr>
+        <p:cNvPr id="1" name=""/>
+        <p:cNvGrpSpPr/>
+        <p:nvPr/>
+      </p:nvGrpSpPr>
+      <p:grpSpPr>
+        <a:xfrm>
+          <a:off x="0" y="0"/>
+          <a:ext cx="0" cy="0"/>
+          <a:chOff x="0" y="0"/>
+          <a:chExt cx="0" cy="0"/>
+        </a:xfrm>
+      </p:grpSpPr>
+      <p:sp>
+        <p:nvSpPr>
+          <p:cNvPr id="2" name="Title 1"/>
+          <p:cNvSpPr>
+            <a:spLocks noGrp="1"/>
+          </p:cNvSpPr>
+          <p:nvPr>
+            <p:ph type="title"/>
+          </p:nvPr>
+        </p:nvSpPr>
+        <p:spPr/>
+        <p:txBody>
+          <a:bodyPr/>
+          <a:lstStyle/>
+          <a:p>
+            <a:r>
+              <a:rPr lang="en-US" dirty="0" err="1" smtClean="0"/>
+              <a:t>MongoDB</a:t>
+            </a:r>
+            <a:endParaRPr lang="en-US" dirty="0"/>
+          </a:p>
+        </p:txBody>
+      </p:sp>
+      <p:sp>
+        <p:nvSpPr>
+          <p:cNvPr id="6" name="Rectangle 4"/>
+          <p:cNvSpPr>
+            <a:spLocks noChangeArrowheads="1"/>
+          </p:cNvSpPr>
+          <p:nvPr/>
+        </p:nvSpPr>
+        <p:spPr bwMode="auto">
+          <a:xfrm flipV="1">
+            <a:off x="4092166" y="2957331"/>
+            <a:ext cx="12698025" cy="48870"/>
+          </a:xfrm>
+          <a:prstGeom prst="rect">
+            <a:avLst/>
+          </a:prstGeom>
+          <a:noFill/>
+          <a:ln>
+            <a:noFill/>
+          </a:ln>
+          <a:effectLst/>
+          <a:extLst>
+            <a:ext uri="{909E8E84-426E-40DD-AFC4-6F175D3DCCD1}">
+              <a14:hiddenFill xmlns:a14="http://schemas.microsoft.com/office/drawing/2010/main">
+                <a:solidFill>
+                  <a:schemeClr val="accent1"/>
+                </a:solidFill>
+              </a14:hiddenFill>
+            </a:ext>
+            <a:ext uri="{91240B29-F687-4F45-9708-019B960494DF}">
+              <a14:hiddenLine xmlns:a14="http://schemas.microsoft.com/office/drawing/2010/main" w="9525">
+                <a:solidFill>
+                  <a:schemeClr val="tx1"/>
+                </a:solidFill>
+                <a:miter lim="800000"/>
+                <a:headEnd/>
+                <a:tailEnd/>
+              </a14:hiddenLine>
+            </a:ext>
+            <a:ext uri="{AF507438-7753-43E0-B8FC-AC1667EBCBE1}">
+              <a14:hiddenEffects xmlns:a14="http://schemas.microsoft.com/office/drawing/2010/main">
+                <a:effectLst>
+                  <a:outerShdw dist="35921" dir="2700000" algn="ctr" rotWithShape="0">
+                    <a:schemeClr val="bg2"/>
+                  </a:outerShdw>
+                </a:effectLst>
+              </a14:hiddenEffects>
+            </a:ext>
+          </a:extLst>
+        </p:spPr>
+        <p:txBody>
+          <a:bodyPr vert="horz" wrap="square" lIns="91440" tIns="45720" rIns="91440" bIns="45720" numCol="1" anchor="ctr" anchorCtr="0" compatLnSpc="1">
+            <a:prstTxWarp prst="textNoShape">
+              <a:avLst/>
+            </a:prstTxWarp>
+            <a:spAutoFit/>
+          </a:bodyPr>
+          <a:lstStyle/>
+          <a:p>
+            <a:endParaRPr lang="en-US"/>
+          </a:p>
+        </p:txBody>
+      </p:sp>
+      <p:graphicFrame>
+        <p:nvGraphicFramePr>
+          <p:cNvPr id="8" name="Content Placeholder 5"/>
+          <p:cNvGraphicFramePr>
+            <a:graphicFrameLocks noGrp="1"/>
+          </p:cNvGraphicFramePr>
+          <p:nvPr>
+            <p:ph idx="1"/>
+            <p:extLst>
+              <p:ext uri="{D42A27DB-BD31-4B8C-83A1-F6EECF244321}">
+                <p14:modId xmlns:p14="http://schemas.microsoft.com/office/powerpoint/2010/main" val="3894237803"/>
+              </p:ext>
+            </p:extLst>
+          </p:nvPr>
+        </p:nvGraphicFramePr>
+        <p:xfrm>
+          <a:off x="3732935" y="311384"/>
+          <a:ext cx="7953808" cy="6012873"/>
+        </p:xfrm>
+        <a:graphic>
+          <a:graphicData uri="http://schemas.openxmlformats.org/drawingml/2006/diagram">
+            <dgm:relIds xmlns:dgm="http://schemas.openxmlformats.org/drawingml/2006/diagram" xmlns:r="http://schemas.openxmlformats.org/officeDocument/2006/relationships" r:dm="rId2" r:lo="rId3" r:qs="rId4" r:cs="rId5"/>
+          </a:graphicData>
+        </a:graphic>
+      </p:graphicFrame>
+    </p:spTree>
+    <p:extLst>
+      <p:ext uri="{BB962C8B-B14F-4D97-AF65-F5344CB8AC3E}">
+        <p14:creationId xmlns:p14="http://schemas.microsoft.com/office/powerpoint/2010/main" val="2626294995"/>
+      </p:ext>
+    </p:extLst>
+  </p:cSld>
+  <p:clrMapOvr>
+    <a:masterClrMapping/>
+  </p:clrMapOvr>
+  <p:timing>
+    <p:tnLst>
+      <p:par>
+        <p:cTn id="1" dur="indefinite" restart="never" nodeType="tmRoot"/>
+      </p:par>
+    </p:tnLst>
+  </p:timing>
+</p:sld>
+</file>
+
+<file path=ppt/slides/slide15.xml><?xml version="1.0" encoding="utf-8"?>
+<p:sld xmlns:a="http://schemas.openxmlformats.org/drawingml/2006/main" xmlns:r="http://schemas.openxmlformats.org/officeDocument/2006/relationships" xmlns:p="http://schemas.openxmlformats.org/presentationml/2006/main">
+  <p:cSld>
+    <p:spTree>
+      <p:nvGrpSpPr>
+        <p:cNvPr id="1" name=""/>
+        <p:cNvGrpSpPr/>
+        <p:nvPr/>
+      </p:nvGrpSpPr>
+      <p:grpSpPr>
+        <a:xfrm>
+          <a:off x="0" y="0"/>
+          <a:ext cx="0" cy="0"/>
+          <a:chOff x="0" y="0"/>
+          <a:chExt cx="0" cy="0"/>
+        </a:xfrm>
+      </p:grpSpPr>
+      <p:sp>
+        <p:nvSpPr>
+          <p:cNvPr id="2" name="Title 1"/>
+          <p:cNvSpPr>
+            <a:spLocks noGrp="1"/>
+          </p:cNvSpPr>
+          <p:nvPr>
+            <p:ph type="title"/>
+          </p:nvPr>
+        </p:nvSpPr>
+        <p:spPr/>
+        <p:txBody>
+          <a:bodyPr/>
+          <a:lstStyle/>
+          <a:p>
+            <a:r>
+              <a:rPr lang="en-US" dirty="0" smtClean="0"/>
+              <a:t>Demo</a:t>
+            </a:r>
+            <a:endParaRPr lang="en-US" dirty="0"/>
+          </a:p>
+        </p:txBody>
+      </p:sp>
+      <p:sp>
+        <p:nvSpPr>
+          <p:cNvPr id="3" name="Content Placeholder 2"/>
+          <p:cNvSpPr>
+            <a:spLocks noGrp="1"/>
+          </p:cNvSpPr>
+          <p:nvPr>
+            <p:ph idx="1"/>
+          </p:nvPr>
+        </p:nvSpPr>
+        <p:spPr/>
+        <p:txBody>
+          <a:bodyPr/>
+          <a:lstStyle/>
+          <a:p>
+            <a:r>
+              <a:rPr lang="en-US" dirty="0" smtClean="0"/>
+              <a:t>Account Management</a:t>
+            </a:r>
+          </a:p>
+          <a:p>
+            <a:r>
+              <a:rPr lang="en-US" dirty="0" smtClean="0"/>
+              <a:t>Graphing Mechanics</a:t>
+            </a:r>
+          </a:p>
+          <a:p>
+            <a:pPr lvl="1"/>
+            <a:r>
+              <a:rPr lang="en-US" dirty="0" smtClean="0"/>
+              <a:t>Drawing</a:t>
+            </a:r>
+          </a:p>
+          <a:p>
+            <a:pPr lvl="1"/>
+            <a:r>
+              <a:rPr lang="en-US" dirty="0" smtClean="0"/>
+              <a:t>Interaction</a:t>
+            </a:r>
+          </a:p>
+          <a:p>
+            <a:pPr lvl="1"/>
+            <a:r>
+              <a:rPr lang="en-US" dirty="0" smtClean="0"/>
+              <a:t>Navigation Map</a:t>
+            </a:r>
+          </a:p>
+          <a:p>
+            <a:r>
+              <a:rPr lang="en-US" dirty="0" smtClean="0"/>
+              <a:t>Graph Management</a:t>
+            </a:r>
+          </a:p>
+        </p:txBody>
+      </p:sp>
+    </p:spTree>
+    <p:extLst>
+      <p:ext uri="{BB962C8B-B14F-4D97-AF65-F5344CB8AC3E}">
+        <p14:creationId xmlns:p14="http://schemas.microsoft.com/office/powerpoint/2010/main" val="1785721529"/>
+      </p:ext>
+    </p:extLst>
+  </p:cSld>
+  <p:clrMapOvr>
+    <a:masterClrMapping/>
+  </p:clrMapOvr>
+  <p:timing>
+    <p:tnLst>
+      <p:par>
+        <p:cTn id="1" dur="indefinite" restart="never" nodeType="tmRoot"/>
+      </p:par>
+    </p:tnLst>
+  </p:timing>
+</p:sld>
+</file>
+
+<file path=ppt/slides/slide16.xml><?xml version="1.0" encoding="utf-8"?>
+<p:sld xmlns:a="http://schemas.openxmlformats.org/drawingml/2006/main" xmlns:r="http://schemas.openxmlformats.org/officeDocument/2006/relationships" xmlns:p="http://schemas.openxmlformats.org/presentationml/2006/main">
+  <p:cSld>
+    <p:spTree>
+      <p:nvGrpSpPr>
+        <p:cNvPr id="1" name=""/>
+        <p:cNvGrpSpPr/>
+        <p:nvPr/>
+      </p:nvGrpSpPr>
+      <p:grpSpPr>
+        <a:xfrm>
+          <a:off x="0" y="0"/>
+          <a:ext cx="0" cy="0"/>
+          <a:chOff x="0" y="0"/>
+          <a:chExt cx="0" cy="0"/>
+        </a:xfrm>
+      </p:grpSpPr>
+      <p:sp>
+        <p:nvSpPr>
+          <p:cNvPr id="2" name="Title 1"/>
+          <p:cNvSpPr>
+            <a:spLocks noGrp="1"/>
+          </p:cNvSpPr>
+          <p:nvPr>
+            <p:ph type="title"/>
+          </p:nvPr>
+        </p:nvSpPr>
+        <p:spPr/>
+        <p:txBody>
+          <a:bodyPr/>
+          <a:lstStyle/>
+          <a:p>
+            <a:r>
+              <a:rPr lang="en-US" dirty="0" smtClean="0"/>
+              <a:t>Issues</a:t>
+            </a:r>
+            <a:endParaRPr lang="en-US" dirty="0"/>
+          </a:p>
+        </p:txBody>
+      </p:sp>
+      <p:sp>
+        <p:nvSpPr>
+          <p:cNvPr id="3" name="Content Placeholder 2"/>
+          <p:cNvSpPr>
+            <a:spLocks noGrp="1"/>
+          </p:cNvSpPr>
+          <p:nvPr>
+            <p:ph idx="1"/>
+          </p:nvPr>
+        </p:nvSpPr>
+        <p:spPr/>
+        <p:txBody>
+          <a:bodyPr/>
+          <a:lstStyle/>
+          <a:p>
+            <a:r>
+              <a:rPr lang="en-US" dirty="0" smtClean="0"/>
+              <a:t>Graphing</a:t>
+            </a:r>
+          </a:p>
+          <a:p>
+            <a:pPr lvl="1"/>
+            <a:r>
+              <a:rPr lang="en-US" dirty="0" smtClean="0"/>
+              <a:t>Arched transitions</a:t>
+            </a:r>
+          </a:p>
+          <a:p>
+            <a:pPr lvl="2"/>
+            <a:r>
+              <a:rPr lang="en-US" dirty="0" smtClean="0"/>
+              <a:t>Sizing &amp; interactions</a:t>
+            </a:r>
+          </a:p>
+          <a:p>
+            <a:pPr lvl="2"/>
+            <a:r>
+              <a:rPr lang="en-US" dirty="0" smtClean="0"/>
+              <a:t>End arrows</a:t>
+            </a:r>
+          </a:p>
+          <a:p>
+            <a:r>
+              <a:rPr lang="en-US" dirty="0" smtClean="0"/>
+              <a:t>Navigation Map</a:t>
+            </a:r>
+          </a:p>
+          <a:p>
+            <a:pPr lvl="1"/>
+            <a:r>
+              <a:rPr lang="en-US" dirty="0" smtClean="0"/>
+              <a:t>Zoom-in/Zoom-out offset</a:t>
+            </a:r>
+          </a:p>
+          <a:p>
+            <a:pPr lvl="1"/>
+            <a:r>
+              <a:rPr lang="en-US" dirty="0" smtClean="0"/>
+              <a:t>1:1 scaling with canvas</a:t>
+            </a:r>
+          </a:p>
+          <a:p>
+            <a:endParaRPr lang="en-US" dirty="0" smtClean="0"/>
+          </a:p>
+          <a:p>
+            <a:pPr lvl="1"/>
+            <a:endParaRPr lang="en-US" dirty="0" smtClean="0"/>
+          </a:p>
+        </p:txBody>
+      </p:sp>
+    </p:spTree>
+    <p:extLst>
+      <p:ext uri="{BB962C8B-B14F-4D97-AF65-F5344CB8AC3E}">
+        <p14:creationId xmlns:p14="http://schemas.microsoft.com/office/powerpoint/2010/main" val="1490723505"/>
+      </p:ext>
+    </p:extLst>
+  </p:cSld>
+  <p:clrMapOvr>
+    <a:masterClrMapping/>
+  </p:clrMapOvr>
+  <p:timing>
+    <p:tnLst>
+      <p:par>
+        <p:cTn id="1" dur="indefinite" restart="never" nodeType="tmRoot"/>
+      </p:par>
+    </p:tnLst>
+  </p:timing>
+</p:sld>
+</file>
+
+<file path=ppt/slides/slide17.xml><?xml version="1.0" encoding="utf-8"?>
+<p:sld xmlns:a="http://schemas.openxmlformats.org/drawingml/2006/main" xmlns:r="http://schemas.openxmlformats.org/officeDocument/2006/relationships" xmlns:p="http://schemas.openxmlformats.org/presentationml/2006/main">
+  <p:cSld>
+    <p:spTree>
+      <p:nvGrpSpPr>
+        <p:cNvPr id="1" name=""/>
+        <p:cNvGrpSpPr/>
+        <p:nvPr/>
+      </p:nvGrpSpPr>
+      <p:grpSpPr>
+        <a:xfrm>
+          <a:off x="0" y="0"/>
+          <a:ext cx="0" cy="0"/>
+          <a:chOff x="0" y="0"/>
+          <a:chExt cx="0" cy="0"/>
+        </a:xfrm>
+      </p:grpSpPr>
+      <p:sp>
+        <p:nvSpPr>
+          <p:cNvPr id="2" name="Title 1"/>
+          <p:cNvSpPr>
+            <a:spLocks noGrp="1"/>
+          </p:cNvSpPr>
+          <p:nvPr>
+            <p:ph type="title"/>
+          </p:nvPr>
+        </p:nvSpPr>
+        <p:spPr/>
+        <p:txBody>
+          <a:bodyPr/>
+          <a:lstStyle/>
+          <a:p>
+            <a:r>
+              <a:rPr lang="en-US" dirty="0" smtClean="0"/>
+              <a:t>Path Forward</a:t>
+            </a:r>
+            <a:endParaRPr lang="en-US" dirty="0"/>
+          </a:p>
+        </p:txBody>
+      </p:sp>
+      <p:sp>
+        <p:nvSpPr>
+          <p:cNvPr id="3" name="Content Placeholder 2"/>
+          <p:cNvSpPr>
+            <a:spLocks noGrp="1"/>
+          </p:cNvSpPr>
+          <p:nvPr>
+            <p:ph idx="1"/>
+          </p:nvPr>
+        </p:nvSpPr>
+        <p:spPr/>
+        <p:txBody>
+          <a:bodyPr/>
+          <a:lstStyle/>
+          <a:p>
+            <a:r>
+              <a:rPr lang="en-US" dirty="0" smtClean="0"/>
+              <a:t>Finish graphing mechanics</a:t>
+            </a:r>
+          </a:p>
+          <a:p>
+            <a:pPr lvl="1"/>
+            <a:r>
+              <a:rPr lang="en-US" dirty="0" smtClean="0"/>
+              <a:t>Arched transition’s arrow caps</a:t>
+            </a:r>
+          </a:p>
+          <a:p>
+            <a:pPr lvl="1"/>
+            <a:r>
+              <a:rPr lang="en-US" dirty="0" smtClean="0"/>
+              <a:t>Self transition’s arrow caps</a:t>
+            </a:r>
+          </a:p>
+          <a:p>
+            <a:pPr lvl="1"/>
+            <a:r>
+              <a:rPr lang="en-US" dirty="0" smtClean="0"/>
+              <a:t>Dynamically Resize Graph</a:t>
+            </a:r>
+          </a:p>
+          <a:p>
+            <a:r>
+              <a:rPr lang="en-US" dirty="0" smtClean="0"/>
+              <a:t>Cloud Integration</a:t>
+            </a:r>
+          </a:p>
+          <a:p>
+            <a:pPr lvl="1"/>
+            <a:r>
+              <a:rPr lang="en-US" dirty="0" smtClean="0"/>
+              <a:t>Integrate Dropbox</a:t>
+            </a:r>
+          </a:p>
+          <a:p>
+            <a:pPr lvl="1"/>
+            <a:r>
+              <a:rPr lang="en-US" dirty="0" smtClean="0"/>
+              <a:t>Integrate Google Drive</a:t>
+            </a:r>
+          </a:p>
+          <a:p>
+            <a:r>
+              <a:rPr lang="en-US" dirty="0" smtClean="0"/>
+              <a:t>Graph Management</a:t>
+            </a:r>
+          </a:p>
+          <a:p>
+            <a:pPr lvl="1"/>
+            <a:r>
+              <a:rPr lang="en-US" dirty="0" smtClean="0"/>
+              <a:t>Rename/Delete</a:t>
+            </a:r>
+          </a:p>
+          <a:p>
+            <a:r>
+              <a:rPr lang="en-US" dirty="0" smtClean="0"/>
+              <a:t>Import/Export JSON</a:t>
+            </a:r>
+          </a:p>
+          <a:p>
+            <a:r>
+              <a:rPr lang="en-US" dirty="0" smtClean="0"/>
+              <a:t>Performance Improvements</a:t>
+            </a:r>
+          </a:p>
+          <a:p>
+            <a:r>
+              <a:rPr lang="en-US" dirty="0" smtClean="0"/>
+              <a:t>Adobe </a:t>
+            </a:r>
+            <a:r>
+              <a:rPr lang="en-US" dirty="0" err="1" smtClean="0"/>
+              <a:t>PhoneGap</a:t>
+            </a:r>
+            <a:endParaRPr lang="en-US" dirty="0"/>
+          </a:p>
+        </p:txBody>
+      </p:sp>
+    </p:spTree>
+    <p:extLst>
+      <p:ext uri="{BB962C8B-B14F-4D97-AF65-F5344CB8AC3E}">
+        <p14:creationId xmlns:p14="http://schemas.microsoft.com/office/powerpoint/2010/main" val="2773294064"/>
+      </p:ext>
+    </p:extLst>
+  </p:cSld>
+  <p:clrMapOvr>
+    <a:masterClrMapping/>
+  </p:clrMapOvr>
+  <p:timing>
+    <p:tnLst>
+      <p:par>
+        <p:cTn id="1" dur="indefinite" restart="never" nodeType="tmRoot"/>
+      </p:par>
+    </p:tnLst>
+  </p:timing>
+</p:sld>
+</file>
+
+<file path=ppt/slides/slide18.xml><?xml version="1.0" encoding="utf-8"?>
+<p:sld xmlns:a="http://schemas.openxmlformats.org/drawingml/2006/main" xmlns:r="http://schemas.openxmlformats.org/officeDocument/2006/relationships" xmlns:p="http://schemas.openxmlformats.org/presentationml/2006/main">
+  <p:cSld>
+    <p:spTree>
+      <p:nvGrpSpPr>
+        <p:cNvPr id="1" name=""/>
+        <p:cNvGrpSpPr/>
+        <p:nvPr/>
+      </p:nvGrpSpPr>
+      <p:grpSpPr>
+        <a:xfrm>
+          <a:off x="0" y="0"/>
+          <a:ext cx="0" cy="0"/>
+          <a:chOff x="0" y="0"/>
+          <a:chExt cx="0" cy="0"/>
+        </a:xfrm>
+      </p:grpSpPr>
+      <p:sp>
+        <p:nvSpPr>
+          <p:cNvPr id="4" name="Title 3"/>
+          <p:cNvSpPr>
+            <a:spLocks noGrp="1"/>
+          </p:cNvSpPr>
+          <p:nvPr>
+            <p:ph type="title"/>
+          </p:nvPr>
+        </p:nvSpPr>
+        <p:spPr/>
+        <p:txBody>
+          <a:bodyPr/>
+          <a:lstStyle/>
+          <a:p>
+            <a:r>
+              <a:rPr lang="en-US" dirty="0" smtClean="0"/>
+              <a:t>Questions &amp; Comments</a:t>
+            </a:r>
+            <a:endParaRPr lang="en-US" dirty="0"/>
+          </a:p>
+        </p:txBody>
+      </p:sp>
+    </p:spTree>
+    <p:extLst>
+      <p:ext uri="{BB962C8B-B14F-4D97-AF65-F5344CB8AC3E}">
+        <p14:creationId xmlns:p14="http://schemas.microsoft.com/office/powerpoint/2010/main" val="4133033203"/>
+      </p:ext>
+    </p:extLst>
+  </p:cSld>
+  <p:clrMapOvr>
+    <a:masterClrMapping/>
+  </p:clrMapOvr>
+  <p:timing>
+    <p:tnLst>
+      <p:par>
+        <p:cTn id="1" dur="indefinite" restart="never" nodeType="tmRoot"/>
+      </p:par>
+    </p:tnLst>
+  </p:timing>
+</p:sld>
+</file>
+
 <file path=ppt/slides/slide2.xml><?xml version="1.0" encoding="utf-8"?>
 <p:sld xmlns:a="http://schemas.openxmlformats.org/drawingml/2006/main" xmlns:r="http://schemas.openxmlformats.org/officeDocument/2006/relationships" xmlns:p="http://schemas.openxmlformats.org/presentationml/2006/main">
   <p:cSld>
@@ -3527,19 +11579,39 @@
           <a:p>
             <a:r>
               <a:rPr lang="en-US" dirty="0" smtClean="0"/>
-              <a:t>Finite State Machines</a:t>
-            </a:r>
+              <a:t>Objectives</a:t>
+            </a:r>
+            <a:endParaRPr lang="en-US" dirty="0" smtClean="0"/>
           </a:p>
           <a:p>
             <a:r>
               <a:rPr lang="en-US" dirty="0" smtClean="0"/>
-              <a:t>Objective</a:t>
-            </a:r>
-          </a:p>
-          <a:p>
+              <a:t>Finite </a:t>
+            </a:r>
             <a:r>
               <a:rPr lang="en-US" dirty="0" smtClean="0"/>
-              <a:t>Application Overview</a:t>
+              <a:t>State </a:t>
+            </a:r>
+            <a:r>
+              <a:rPr lang="en-US" dirty="0" smtClean="0"/>
+              <a:t>Machines</a:t>
+            </a:r>
+          </a:p>
+          <a:p>
+            <a:r>
+              <a:rPr lang="en-US" dirty="0" smtClean="0"/>
+              <a:t>Why?</a:t>
+            </a:r>
+            <a:endParaRPr lang="en-US" dirty="0" smtClean="0"/>
+          </a:p>
+          <a:p>
+            <a:r>
+              <a:rPr lang="en-US" dirty="0" smtClean="0"/>
+              <a:t>Application </a:t>
+            </a:r>
+            <a:r>
+              <a:rPr lang="en-US" dirty="0" smtClean="0"/>
+              <a:t>Overview</a:t>
             </a:r>
           </a:p>
           <a:p>
@@ -3554,6 +11626,21 @@
             <a:r>
               <a:rPr lang="en-US" dirty="0" smtClean="0"/>
               <a:t>Server &amp; Database Application</a:t>
+            </a:r>
+          </a:p>
+          <a:p>
+            <a:pPr lvl="2"/>
+            <a:r>
+              <a:rPr lang="en-US" dirty="0" smtClean="0"/>
+              <a:t>Node.js &amp; </a:t>
+            </a:r>
+            <a:r>
+              <a:rPr lang="en-US" dirty="0" err="1" smtClean="0"/>
+              <a:t>MongoDB</a:t>
+            </a:r>
+            <a:r>
+              <a:rPr lang="en-US" dirty="0" smtClean="0"/>
+              <a:t> Stack</a:t>
             </a:r>
           </a:p>
           <a:p>
@@ -3632,7 +11719,7 @@
           <a:p>
             <a:r>
               <a:rPr lang="en-US" dirty="0" smtClean="0"/>
-              <a:t>Finite State Machines</a:t>
+              <a:t>Objectives</a:t>
             </a:r>
             <a:endParaRPr lang="en-US" dirty="0"/>
           </a:p>
@@ -3653,14 +11740,32 @@
           <a:bodyPr/>
           <a:lstStyle/>
           <a:p>
-            <a:endParaRPr lang="en-US" dirty="0"/>
+            <a:r>
+              <a:rPr lang="en-US" dirty="0" smtClean="0"/>
+              <a:t>Create an application that allows developers to easily graph state machines.</a:t>
+            </a:r>
+          </a:p>
+          <a:p>
+            <a:r>
+              <a:rPr lang="en-US" dirty="0" smtClean="0"/>
+              <a:t>Allow graphs to </a:t>
+            </a:r>
+            <a:r>
+              <a:rPr lang="en-US" dirty="0" smtClean="0"/>
+              <a:t>be accessible from </a:t>
+            </a:r>
+            <a:r>
+              <a:rPr lang="en-US" smtClean="0"/>
+              <a:t>any medium.</a:t>
+            </a:r>
+            <a:endParaRPr lang="en-US" dirty="0" smtClean="0"/>
           </a:p>
         </p:txBody>
       </p:sp>
     </p:spTree>
     <p:extLst>
       <p:ext uri="{BB962C8B-B14F-4D97-AF65-F5344CB8AC3E}">
-        <p14:creationId xmlns:p14="http://schemas.microsoft.com/office/powerpoint/2010/main" val="893967909"/>
+        <p14:creationId xmlns:p14="http://schemas.microsoft.com/office/powerpoint/2010/main" val="2375060061"/>
       </p:ext>
     </p:extLst>
   </p:cSld>
@@ -3711,7 +11816,7 @@
           <a:p>
             <a:r>
               <a:rPr lang="en-US" dirty="0" smtClean="0"/>
-              <a:t>Objective</a:t>
+              <a:t>Finite State Machines</a:t>
             </a:r>
             <a:endParaRPr lang="en-US" dirty="0"/>
           </a:p>
@@ -3732,14 +11837,82 @@
           <a:bodyPr/>
           <a:lstStyle/>
           <a:p>
-            <a:endParaRPr lang="en-US"/>
+            <a:r>
+              <a:rPr lang="en-US" dirty="0" smtClean="0"/>
+              <a:t>The </a:t>
+            </a:r>
+            <a:r>
+              <a:rPr lang="en-US" i="1" dirty="0" smtClean="0"/>
+              <a:t>state </a:t>
+            </a:r>
+            <a:r>
+              <a:rPr lang="en-US" dirty="0" smtClean="0"/>
+              <a:t>of a system is an instantaneous description of that system, a snapshot of reality frozen in time.  A state gives all relevant information to determine how the system can evolve from that point on.</a:t>
+            </a:r>
+          </a:p>
+          <a:p>
+            <a:r>
+              <a:rPr lang="en-US" i="1" dirty="0" smtClean="0"/>
+              <a:t>Transitions</a:t>
+            </a:r>
+            <a:r>
+              <a:rPr lang="en-US" dirty="0" smtClean="0"/>
+              <a:t> are changes of state; they can happen spontaneously or in response to external inputs.  </a:t>
+            </a:r>
+            <a:endParaRPr lang="en-US" i="1" dirty="0" smtClean="0"/>
+          </a:p>
+          <a:p>
+            <a:r>
+              <a:rPr lang="en-US" dirty="0" smtClean="0"/>
+              <a:t>A system that consists of </a:t>
+            </a:r>
+            <a:r>
+              <a:rPr lang="en-US" dirty="0" smtClean="0"/>
+              <a:t>a </a:t>
+            </a:r>
+            <a:r>
+              <a:rPr lang="en-US" dirty="0" smtClean="0"/>
+              <a:t>finite </a:t>
+            </a:r>
+            <a:r>
+              <a:rPr lang="en-US" dirty="0" smtClean="0"/>
+              <a:t>number of states </a:t>
+            </a:r>
+            <a:r>
+              <a:rPr lang="en-US" dirty="0" smtClean="0"/>
+              <a:t>and </a:t>
+            </a:r>
+            <a:r>
+              <a:rPr lang="en-US" dirty="0" smtClean="0"/>
+              <a:t>transitions is </a:t>
+            </a:r>
+            <a:r>
+              <a:rPr lang="en-US" dirty="0" smtClean="0"/>
+              <a:t>called a </a:t>
+            </a:r>
+            <a:r>
+              <a:rPr lang="en-US" i="1" dirty="0" smtClean="0"/>
+              <a:t>finite-state transition system.  </a:t>
+            </a:r>
+            <a:r>
+              <a:rPr lang="en-US" dirty="0" smtClean="0"/>
+              <a:t>We model these abstractly by a mathematical model called a </a:t>
+            </a:r>
+            <a:r>
+              <a:rPr lang="en-US" i="1" dirty="0" smtClean="0"/>
+              <a:t>finite automaton</a:t>
+            </a:r>
+            <a:r>
+              <a:rPr lang="en-US" dirty="0" smtClean="0"/>
+              <a:t>.</a:t>
+            </a:r>
           </a:p>
         </p:txBody>
       </p:sp>
     </p:spTree>
     <p:extLst>
       <p:ext uri="{BB962C8B-B14F-4D97-AF65-F5344CB8AC3E}">
-        <p14:creationId xmlns:p14="http://schemas.microsoft.com/office/powerpoint/2010/main" val="2375060061"/>
+        <p14:creationId xmlns:p14="http://schemas.microsoft.com/office/powerpoint/2010/main" val="893967909"/>
       </p:ext>
     </p:extLst>
   </p:cSld>
@@ -3790,35 +11963,41 @@
           <a:p>
             <a:r>
               <a:rPr lang="en-US" dirty="0" smtClean="0"/>
-              <a:t>Application Overview</a:t>
+              <a:t>Finite State Machines</a:t>
             </a:r>
             <a:endParaRPr lang="en-US" dirty="0"/>
           </a:p>
         </p:txBody>
       </p:sp>
-      <p:sp>
-        <p:nvSpPr>
-          <p:cNvPr id="4" name="Text Placeholder 3"/>
-          <p:cNvSpPr>
-            <a:spLocks noGrp="1"/>
-          </p:cNvSpPr>
+      <p:graphicFrame>
+        <p:nvGraphicFramePr>
+          <p:cNvPr id="4" name="Content Placeholder 3"/>
+          <p:cNvGraphicFramePr>
+            <a:graphicFrameLocks noGrp="1"/>
+          </p:cNvGraphicFramePr>
           <p:nvPr>
-            <p:ph type="body" idx="1"/>
+            <p:ph idx="1"/>
+            <p:extLst>
+              <p:ext uri="{D42A27DB-BD31-4B8C-83A1-F6EECF244321}">
+                <p14:modId xmlns:p14="http://schemas.microsoft.com/office/powerpoint/2010/main" val="4059658655"/>
+              </p:ext>
+            </p:extLst>
           </p:nvPr>
-        </p:nvSpPr>
-        <p:spPr/>
-        <p:txBody>
-          <a:bodyPr/>
-          <a:lstStyle/>
-          <a:p>
-            <a:endParaRPr lang="en-US" dirty="0"/>
-          </a:p>
-        </p:txBody>
-      </p:sp>
+        </p:nvGraphicFramePr>
+        <p:xfrm>
+          <a:off x="3461657" y="391887"/>
+          <a:ext cx="8284029" cy="5617028"/>
+        </p:xfrm>
+        <a:graphic>
+          <a:graphicData uri="http://schemas.openxmlformats.org/drawingml/2006/diagram">
+            <dgm:relIds xmlns:dgm="http://schemas.openxmlformats.org/drawingml/2006/diagram" xmlns:r="http://schemas.openxmlformats.org/officeDocument/2006/relationships" r:dm="rId2" r:lo="rId3" r:qs="rId4" r:cs="rId5"/>
+          </a:graphicData>
+        </a:graphic>
+      </p:graphicFrame>
     </p:spTree>
     <p:extLst>
       <p:ext uri="{BB962C8B-B14F-4D97-AF65-F5344CB8AC3E}">
-        <p14:creationId xmlns:p14="http://schemas.microsoft.com/office/powerpoint/2010/main" val="3438552119"/>
+        <p14:creationId xmlns:p14="http://schemas.microsoft.com/office/powerpoint/2010/main" val="2692756298"/>
       </p:ext>
     </p:extLst>
   </p:cSld>
@@ -3854,6 +12033,184 @@
       </p:grpSpPr>
       <p:sp>
         <p:nvSpPr>
+          <p:cNvPr id="2" name="Title 1"/>
+          <p:cNvSpPr>
+            <a:spLocks noGrp="1"/>
+          </p:cNvSpPr>
+          <p:nvPr>
+            <p:ph type="title"/>
+          </p:nvPr>
+        </p:nvSpPr>
+        <p:spPr/>
+        <p:txBody>
+          <a:bodyPr/>
+          <a:lstStyle/>
+          <a:p>
+            <a:r>
+              <a:rPr lang="en-US" dirty="0" smtClean="0"/>
+              <a:t>Why?</a:t>
+            </a:r>
+            <a:endParaRPr lang="en-US" dirty="0"/>
+          </a:p>
+        </p:txBody>
+      </p:sp>
+      <p:sp>
+        <p:nvSpPr>
+          <p:cNvPr id="3" name="Content Placeholder 2"/>
+          <p:cNvSpPr>
+            <a:spLocks noGrp="1"/>
+          </p:cNvSpPr>
+          <p:nvPr>
+            <p:ph idx="1"/>
+          </p:nvPr>
+        </p:nvSpPr>
+        <p:spPr/>
+        <p:txBody>
+          <a:bodyPr/>
+          <a:lstStyle/>
+          <a:p>
+            <a:r>
+              <a:rPr lang="en-US" dirty="0" smtClean="0"/>
+              <a:t>Lack of cross-platform solutions to graph state machines from any device.</a:t>
+            </a:r>
+          </a:p>
+          <a:p>
+            <a:r>
+              <a:rPr lang="en-US" dirty="0" smtClean="0"/>
+              <a:t>Ability to retrieve graphs from the cloud.</a:t>
+            </a:r>
+          </a:p>
+          <a:p>
+            <a:r>
+              <a:rPr lang="en-US" dirty="0" smtClean="0"/>
+              <a:t>Quick and easy way to graph without bloated software.</a:t>
+            </a:r>
+            <a:endParaRPr lang="en-US" dirty="0"/>
+          </a:p>
+        </p:txBody>
+      </p:sp>
+    </p:spTree>
+    <p:extLst>
+      <p:ext uri="{BB962C8B-B14F-4D97-AF65-F5344CB8AC3E}">
+        <p14:creationId xmlns:p14="http://schemas.microsoft.com/office/powerpoint/2010/main" val="977612745"/>
+      </p:ext>
+    </p:extLst>
+  </p:cSld>
+  <p:clrMapOvr>
+    <a:masterClrMapping/>
+  </p:clrMapOvr>
+  <p:timing>
+    <p:tnLst>
+      <p:par>
+        <p:cTn id="1" dur="indefinite" restart="never" nodeType="tmRoot"/>
+      </p:par>
+    </p:tnLst>
+  </p:timing>
+</p:sld>
+</file>
+
+<file path=ppt/slides/slide7.xml><?xml version="1.0" encoding="utf-8"?>
+<p:sld xmlns:a="http://schemas.openxmlformats.org/drawingml/2006/main" xmlns:r="http://schemas.openxmlformats.org/officeDocument/2006/relationships" xmlns:p="http://schemas.openxmlformats.org/presentationml/2006/main">
+  <p:cSld>
+    <p:spTree>
+      <p:nvGrpSpPr>
+        <p:cNvPr id="1" name=""/>
+        <p:cNvGrpSpPr/>
+        <p:nvPr/>
+      </p:nvGrpSpPr>
+      <p:grpSpPr>
+        <a:xfrm>
+          <a:off x="0" y="0"/>
+          <a:ext cx="0" cy="0"/>
+          <a:chOff x="0" y="0"/>
+          <a:chExt cx="0" cy="0"/>
+        </a:xfrm>
+      </p:grpSpPr>
+      <p:sp>
+        <p:nvSpPr>
+          <p:cNvPr id="2" name="Title 1"/>
+          <p:cNvSpPr>
+            <a:spLocks noGrp="1"/>
+          </p:cNvSpPr>
+          <p:nvPr>
+            <p:ph type="title"/>
+          </p:nvPr>
+        </p:nvSpPr>
+        <p:spPr/>
+        <p:txBody>
+          <a:bodyPr/>
+          <a:lstStyle/>
+          <a:p>
+            <a:r>
+              <a:rPr lang="en-US" dirty="0" smtClean="0"/>
+              <a:t>Application Overview</a:t>
+            </a:r>
+            <a:endParaRPr lang="en-US" dirty="0"/>
+          </a:p>
+        </p:txBody>
+      </p:sp>
+      <p:sp>
+        <p:nvSpPr>
+          <p:cNvPr id="4" name="Text Placeholder 3"/>
+          <p:cNvSpPr>
+            <a:spLocks noGrp="1"/>
+          </p:cNvSpPr>
+          <p:nvPr>
+            <p:ph type="body" idx="1"/>
+          </p:nvPr>
+        </p:nvSpPr>
+        <p:spPr/>
+        <p:txBody>
+          <a:bodyPr/>
+          <a:lstStyle/>
+          <a:p>
+            <a:r>
+              <a:rPr lang="en-US" dirty="0" smtClean="0"/>
+              <a:t>Host and Server Implementations</a:t>
+            </a:r>
+            <a:endParaRPr lang="en-US" dirty="0"/>
+          </a:p>
+        </p:txBody>
+      </p:sp>
+    </p:spTree>
+    <p:extLst>
+      <p:ext uri="{BB962C8B-B14F-4D97-AF65-F5344CB8AC3E}">
+        <p14:creationId xmlns:p14="http://schemas.microsoft.com/office/powerpoint/2010/main" val="3438552119"/>
+      </p:ext>
+    </p:extLst>
+  </p:cSld>
+  <p:clrMapOvr>
+    <a:masterClrMapping/>
+  </p:clrMapOvr>
+  <p:timing>
+    <p:tnLst>
+      <p:par>
+        <p:cTn id="1" dur="indefinite" restart="never" nodeType="tmRoot"/>
+      </p:par>
+    </p:tnLst>
+  </p:timing>
+</p:sld>
+</file>
+
+<file path=ppt/slides/slide8.xml><?xml version="1.0" encoding="utf-8"?>
+<p:sld xmlns:a="http://schemas.openxmlformats.org/drawingml/2006/main" xmlns:r="http://schemas.openxmlformats.org/officeDocument/2006/relationships" xmlns:p="http://schemas.openxmlformats.org/presentationml/2006/main">
+  <p:cSld>
+    <p:spTree>
+      <p:nvGrpSpPr>
+        <p:cNvPr id="1" name=""/>
+        <p:cNvGrpSpPr/>
+        <p:nvPr/>
+      </p:nvGrpSpPr>
+      <p:grpSpPr>
+        <a:xfrm>
+          <a:off x="0" y="0"/>
+          <a:ext cx="0" cy="0"/>
+          <a:chOff x="0" y="0"/>
+          <a:chExt cx="0" cy="0"/>
+        </a:xfrm>
+      </p:grpSpPr>
+      <p:sp>
+        <p:nvSpPr>
           <p:cNvPr id="4" name="Title 3"/>
           <p:cNvSpPr>
             <a:spLocks noGrp="1"/>
@@ -3966,7 +12323,7 @@
 </p:sld>
 </file>
 
-<file path=ppt/slides/slide7.xml><?xml version="1.0" encoding="utf-8"?>
+<file path=ppt/slides/slide9.xml><?xml version="1.0" encoding="utf-8"?>
 <p:sld xmlns:a="http://schemas.openxmlformats.org/drawingml/2006/main" xmlns:r="http://schemas.openxmlformats.org/officeDocument/2006/relationships" xmlns:p="http://schemas.openxmlformats.org/presentationml/2006/main">
   <p:cSld>
     <p:spTree>

--- a/Presentation.pptx
+++ b/Presentation.pptx
@@ -2590,6 +2590,13 @@
           </a:stretch>
         </a:blipFill>
       </dgm:spPr>
+      <dgm:t>
+        <a:bodyPr/>
+        <a:lstStyle/>
+        <a:p>
+          <a:endParaRPr lang="en-US"/>
+        </a:p>
+      </dgm:t>
       <dgm:extLst>
         <a:ext uri="{E40237B7-FDA0-4F09-8148-C483321AD2D9}">
           <dgm14:cNvPr xmlns:dgm14="http://schemas.microsoft.com/office/drawing/2010/diagram" id="0" name="" descr="C:\Users\Dustin\Desktop\Node Event Processing.png"/>
@@ -2642,11 +2649,7 @@
         <a:p>
           <a:r>
             <a:rPr lang="en-US" dirty="0" smtClean="0"/>
-            <a:t>Figure </a:t>
-          </a:r>
-          <a:r>
-            <a:rPr lang="en-US" dirty="0" smtClean="0"/>
-            <a:t>3 – FSM User &amp; Graph Documents</a:t>
+            <a:t>Figure 3 – FSM User &amp; Graph Documents</a:t>
           </a:r>
           <a:endParaRPr lang="en-US" dirty="0"/>
         </a:p>
@@ -3148,11 +3151,7 @@
           </a:pPr>
           <a:r>
             <a:rPr lang="en-US" sz="2100" kern="1200" dirty="0" smtClean="0"/>
-            <a:t>Figure </a:t>
-          </a:r>
-          <a:r>
-            <a:rPr lang="en-US" sz="2100" kern="1200" dirty="0" smtClean="0"/>
-            <a:t>3 – FSM User &amp; Graph Documents</a:t>
+            <a:t>Figure 3 – FSM User &amp; Graph Documents</a:t>
           </a:r>
           <a:endParaRPr lang="en-US" sz="2100" kern="1200" dirty="0"/>
         </a:p>
@@ -7329,7 +7328,7 @@
           <a:p>
             <a:fld id="{63D0EED3-A97F-46C8-8846-7CA2EF30E171}" type="datetimeFigureOut">
               <a:rPr lang="en-US" smtClean="0"/>
-              <a:t>7/12/2014</a:t>
+              <a:t>8/22/2014</a:t>
             </a:fld>
             <a:endParaRPr lang="en-US"/>
           </a:p>
@@ -7499,7 +7498,7 @@
           <a:p>
             <a:fld id="{63D0EED3-A97F-46C8-8846-7CA2EF30E171}" type="datetimeFigureOut">
               <a:rPr lang="en-US" smtClean="0"/>
-              <a:t>7/12/2014</a:t>
+              <a:t>8/22/2014</a:t>
             </a:fld>
             <a:endParaRPr lang="en-US"/>
           </a:p>
@@ -7679,7 +7678,7 @@
           <a:p>
             <a:fld id="{63D0EED3-A97F-46C8-8846-7CA2EF30E171}" type="datetimeFigureOut">
               <a:rPr lang="en-US" smtClean="0"/>
-              <a:t>7/12/2014</a:t>
+              <a:t>8/22/2014</a:t>
             </a:fld>
             <a:endParaRPr lang="en-US"/>
           </a:p>
@@ -7849,7 +7848,7 @@
           <a:p>
             <a:fld id="{63D0EED3-A97F-46C8-8846-7CA2EF30E171}" type="datetimeFigureOut">
               <a:rPr lang="en-US" smtClean="0"/>
-              <a:t>7/12/2014</a:t>
+              <a:t>8/22/2014</a:t>
             </a:fld>
             <a:endParaRPr lang="en-US"/>
           </a:p>
@@ -8107,7 +8106,7 @@
           <a:p>
             <a:fld id="{63D0EED3-A97F-46C8-8846-7CA2EF30E171}" type="datetimeFigureOut">
               <a:rPr lang="en-US" smtClean="0"/>
-              <a:t>7/12/2014</a:t>
+              <a:t>8/22/2014</a:t>
             </a:fld>
             <a:endParaRPr lang="en-US"/>
           </a:p>
@@ -8395,7 +8394,7 @@
           <a:p>
             <a:fld id="{63D0EED3-A97F-46C8-8846-7CA2EF30E171}" type="datetimeFigureOut">
               <a:rPr lang="en-US" smtClean="0"/>
-              <a:t>7/12/2014</a:t>
+              <a:t>8/22/2014</a:t>
             </a:fld>
             <a:endParaRPr lang="en-US"/>
           </a:p>
@@ -8837,7 +8836,7 @@
           <a:p>
             <a:fld id="{63D0EED3-A97F-46C8-8846-7CA2EF30E171}" type="datetimeFigureOut">
               <a:rPr lang="en-US" smtClean="0"/>
-              <a:t>7/12/2014</a:t>
+              <a:t>8/22/2014</a:t>
             </a:fld>
             <a:endParaRPr lang="en-US"/>
           </a:p>
@@ -8955,7 +8954,7 @@
           <a:p>
             <a:fld id="{63D0EED3-A97F-46C8-8846-7CA2EF30E171}" type="datetimeFigureOut">
               <a:rPr lang="en-US" smtClean="0"/>
-              <a:t>7/12/2014</a:t>
+              <a:t>8/22/2014</a:t>
             </a:fld>
             <a:endParaRPr lang="en-US"/>
           </a:p>
@@ -9050,7 +9049,7 @@
           <a:p>
             <a:fld id="{63D0EED3-A97F-46C8-8846-7CA2EF30E171}" type="datetimeFigureOut">
               <a:rPr lang="en-US" smtClean="0"/>
-              <a:t>7/12/2014</a:t>
+              <a:t>8/22/2014</a:t>
             </a:fld>
             <a:endParaRPr lang="en-US"/>
           </a:p>
@@ -9338,7 +9337,7 @@
           <a:p>
             <a:fld id="{63D0EED3-A97F-46C8-8846-7CA2EF30E171}" type="datetimeFigureOut">
               <a:rPr lang="en-US" smtClean="0"/>
-              <a:t>7/12/2014</a:t>
+              <a:t>8/22/2014</a:t>
             </a:fld>
             <a:endParaRPr lang="en-US"/>
           </a:p>
@@ -9611,7 +9610,7 @@
           <a:p>
             <a:fld id="{63D0EED3-A97F-46C8-8846-7CA2EF30E171}" type="datetimeFigureOut">
               <a:rPr lang="en-US" smtClean="0"/>
-              <a:t>7/12/2014</a:t>
+              <a:t>8/22/2014</a:t>
             </a:fld>
             <a:endParaRPr lang="en-US"/>
           </a:p>
@@ -9908,7 +9907,7 @@
           <a:p>
             <a:fld id="{63D0EED3-A97F-46C8-8846-7CA2EF30E171}" type="datetimeFigureOut">
               <a:rPr lang="en-US" smtClean="0"/>
-              <a:t>7/12/2014</a:t>
+              <a:t>8/22/2014</a:t>
             </a:fld>
             <a:endParaRPr lang="en-US"/>
           </a:p>
@@ -10616,11 +10615,17 @@
             </a:r>
             <a:r>
               <a:rPr lang="en-US" dirty="0"/>
-              <a:t> server-side and networking applications. Node.js applications are written in </a:t>
+              <a:t> server-side and networking </a:t>
             </a:r>
             <a:r>
               <a:rPr lang="en-US" dirty="0" smtClean="0"/>
-              <a:t>JavaScript. </a:t>
+              <a:t>applications</a:t>
+            </a:r>
+          </a:p>
+          <a:p>
+            <a:r>
+              <a:rPr lang="en-US" dirty="0" smtClean="0"/>
+              <a:t>Applications written in JavaScript</a:t>
             </a:r>
           </a:p>
           <a:p>
@@ -10628,22 +10633,11 @@
               <a:rPr lang="en-US" dirty="0" smtClean="0"/>
               <a:t>Single threaded environment</a:t>
             </a:r>
+          </a:p>
+          <a:p>
             <a:r>
               <a:rPr lang="en-US" dirty="0" smtClean="0"/>
-              <a:t>.</a:t>
-            </a:r>
-          </a:p>
-          <a:p>
-            <a:r>
-              <a:rPr lang="en-US" dirty="0" smtClean="0"/>
-              <a:t>Written in C++</a:t>
-            </a:r>
-            <a:endParaRPr lang="en-US" dirty="0" smtClean="0"/>
-          </a:p>
-          <a:p>
-            <a:r>
-              <a:rPr lang="en-US" dirty="0" smtClean="0"/>
-              <a:t>Uses an asynchronous event driven model for processing requests.</a:t>
+              <a:t>Asynchronous event driven model for processing requests</a:t>
             </a:r>
             <a:endParaRPr lang="en-US" dirty="0"/>
           </a:p>
@@ -10817,33 +10811,27 @@
           <a:p>
             <a:r>
               <a:rPr lang="en-US" dirty="0" smtClean="0"/>
-              <a:t>Written in C++</a:t>
+              <a:t>Document Collections</a:t>
             </a:r>
           </a:p>
           <a:p>
             <a:r>
               <a:rPr lang="en-US" dirty="0" smtClean="0"/>
-              <a:t>Database entries are stored in collections call Document Collections where each entry is called a Document</a:t>
-            </a:r>
-          </a:p>
-          <a:p>
+              <a:t>JavaScript Object Notation (JSON) format</a:t>
+            </a:r>
+          </a:p>
+          <a:p>
+            <a:pPr lvl="1"/>
             <a:r>
               <a:rPr lang="en-US" dirty="0" smtClean="0"/>
-              <a:t>Documents are stored in JavaScript Object Notation (JSON) format</a:t>
+              <a:t>Hierarchical structures (i.e., objects)</a:t>
             </a:r>
           </a:p>
           <a:p>
             <a:pPr lvl="1"/>
             <a:r>
               <a:rPr lang="en-US" dirty="0" smtClean="0"/>
-              <a:t>This allows for storage of hierarchical structures (i.e., objects)</a:t>
-            </a:r>
-          </a:p>
-          <a:p>
-            <a:pPr lvl="1"/>
-            <a:r>
-              <a:rPr lang="en-US" dirty="0" smtClean="0"/>
-              <a:t>Data does not have to be normalized (i.e., split up between various tables)</a:t>
+              <a:t>No normalization needed</a:t>
             </a:r>
           </a:p>
           <a:p>
@@ -10857,7 +10845,7 @@
             <a:pPr lvl="1"/>
             <a:r>
               <a:rPr lang="en-US" dirty="0" smtClean="0"/>
-              <a:t>Maintains much of the query functionality of relational database systems</a:t>
+              <a:t>Query Functionality</a:t>
             </a:r>
           </a:p>
           <a:p>
@@ -10886,7 +10874,6 @@
               <a:rPr lang="en-US" dirty="0"/>
               <a:t>': 10}});</a:t>
             </a:r>
-            <a:endParaRPr lang="en-US" dirty="0"/>
           </a:p>
         </p:txBody>
       </p:sp>
@@ -11146,9 +11133,29 @@
             </a:r>
           </a:p>
           <a:p>
+            <a:pPr lvl="1"/>
+            <a:r>
+              <a:rPr lang="en-US" dirty="0" smtClean="0"/>
+              <a:t>Print</a:t>
+            </a:r>
+          </a:p>
+          <a:p>
+            <a:pPr lvl="1"/>
+            <a:r>
+              <a:rPr lang="en-US" dirty="0" smtClean="0"/>
+              <a:t>Export JSON</a:t>
+            </a:r>
+          </a:p>
+          <a:p>
             <a:r>
               <a:rPr lang="en-US" dirty="0" smtClean="0"/>
               <a:t>Graph Management</a:t>
+            </a:r>
+          </a:p>
+          <a:p>
+            <a:r>
+              <a:rPr lang="en-US" dirty="0" smtClean="0"/>
+              <a:t>Applying State Machines</a:t>
             </a:r>
           </a:p>
         </p:txBody>
@@ -11394,14 +11401,14 @@
             <a:pPr lvl="1"/>
             <a:r>
               <a:rPr lang="en-US" dirty="0" smtClean="0"/>
-              <a:t>Integrate Dropbox</a:t>
+              <a:t>Dropbox</a:t>
             </a:r>
           </a:p>
           <a:p>
             <a:pPr lvl="1"/>
             <a:r>
               <a:rPr lang="en-US" dirty="0" smtClean="0"/>
-              <a:t>Integrate Google Drive</a:t>
+              <a:t>Google Drive</a:t>
             </a:r>
           </a:p>
           <a:p>
@@ -11420,13 +11427,13 @@
           <a:p>
             <a:r>
               <a:rPr lang="en-US" dirty="0" smtClean="0"/>
-              <a:t>Import/Export JSON</a:t>
+              <a:t>Import JSON</a:t>
             </a:r>
           </a:p>
           <a:p>
             <a:r>
               <a:rPr lang="en-US" dirty="0" smtClean="0"/>
-              <a:t>Performance Improvements</a:t>
+              <a:t>Performance Improvements </a:t>
             </a:r>
           </a:p>
           <a:p>
@@ -11581,20 +11588,11 @@
               <a:rPr lang="en-US" dirty="0" smtClean="0"/>
               <a:t>Objectives</a:t>
             </a:r>
-            <a:endParaRPr lang="en-US" dirty="0" smtClean="0"/>
           </a:p>
           <a:p>
             <a:r>
               <a:rPr lang="en-US" dirty="0" smtClean="0"/>
-              <a:t>Finite </a:t>
-            </a:r>
-            <a:r>
-              <a:rPr lang="en-US" dirty="0" smtClean="0"/>
-              <a:t>State </a:t>
-            </a:r>
-            <a:r>
-              <a:rPr lang="en-US" dirty="0" smtClean="0"/>
-              <a:t>Machines</a:t>
+              <a:t>Finite State Machines</a:t>
             </a:r>
           </a:p>
           <a:p>
@@ -11602,24 +11600,20 @@
               <a:rPr lang="en-US" dirty="0" smtClean="0"/>
               <a:t>Why?</a:t>
             </a:r>
+          </a:p>
+          <a:p>
+            <a:r>
+              <a:rPr lang="en-US" dirty="0" smtClean="0"/>
+              <a:t>Application Overview</a:t>
+            </a:r>
+          </a:p>
+          <a:p>
+            <a:pPr lvl="1"/>
+            <a:r>
+              <a:rPr lang="en-US" smtClean="0"/>
+              <a:t>Front-End Application</a:t>
+            </a:r>
             <a:endParaRPr lang="en-US" dirty="0" smtClean="0"/>
-          </a:p>
-          <a:p>
-            <a:r>
-              <a:rPr lang="en-US" dirty="0" smtClean="0"/>
-              <a:t>Application </a:t>
-            </a:r>
-            <a:r>
-              <a:rPr lang="en-US" dirty="0" smtClean="0"/>
-              <a:t>Overview</a:t>
-            </a:r>
-          </a:p>
-          <a:p>
-            <a:pPr lvl="1"/>
-            <a:r>
-              <a:rPr lang="en-US" dirty="0" smtClean="0"/>
-              <a:t>Host Application</a:t>
-            </a:r>
           </a:p>
           <a:p>
             <a:pPr lvl="1"/>
@@ -11742,23 +11736,14 @@
           <a:p>
             <a:r>
               <a:rPr lang="en-US" dirty="0" smtClean="0"/>
-              <a:t>Create an application that allows developers to easily graph state machines.</a:t>
+              <a:t>Quickly and easily graph state machines.</a:t>
             </a:r>
           </a:p>
           <a:p>
             <a:r>
               <a:rPr lang="en-US" dirty="0" smtClean="0"/>
-              <a:t>Allow graphs to </a:t>
-            </a:r>
-            <a:r>
-              <a:rPr lang="en-US" dirty="0" smtClean="0"/>
-              <a:t>be accessible from </a:t>
-            </a:r>
-            <a:r>
-              <a:rPr lang="en-US" smtClean="0"/>
-              <a:t>any medium.</a:t>
-            </a:r>
-            <a:endParaRPr lang="en-US" dirty="0" smtClean="0"/>
+              <a:t>Allow graphs to be accessible from any medium.</a:t>
+            </a:r>
           </a:p>
         </p:txBody>
       </p:sp>
@@ -11834,78 +11819,40 @@
         </p:nvSpPr>
         <p:spPr/>
         <p:txBody>
-          <a:bodyPr/>
+          <a:bodyPr>
+            <a:normAutofit/>
+          </a:bodyPr>
           <a:lstStyle/>
           <a:p>
             <a:r>
               <a:rPr lang="en-US" dirty="0" smtClean="0"/>
-              <a:t>The </a:t>
+              <a:t>Essential Components</a:t>
+            </a:r>
+          </a:p>
+          <a:p>
+            <a:pPr lvl="1"/>
+            <a:r>
+              <a:rPr lang="en-US" dirty="0" smtClean="0"/>
+              <a:t>State</a:t>
+            </a:r>
+          </a:p>
+          <a:p>
+            <a:pPr lvl="1"/>
+            <a:r>
+              <a:rPr lang="en-US" dirty="0" smtClean="0"/>
+              <a:t>Transition</a:t>
+            </a:r>
+          </a:p>
+          <a:p>
+            <a:r>
+              <a:rPr lang="en-US" dirty="0" smtClean="0"/>
+              <a:t>A system that consists of a finite number of states and transitions is called a </a:t>
             </a:r>
             <a:r>
               <a:rPr lang="en-US" i="1" dirty="0" smtClean="0"/>
-              <a:t>state </a:t>
-            </a:r>
-            <a:r>
-              <a:rPr lang="en-US" dirty="0" smtClean="0"/>
-              <a:t>of a system is an instantaneous description of that system, a snapshot of reality frozen in time.  A state gives all relevant information to determine how the system can evolve from that point on.</a:t>
-            </a:r>
-          </a:p>
-          <a:p>
-            <a:r>
-              <a:rPr lang="en-US" i="1" dirty="0" smtClean="0"/>
-              <a:t>Transitions</a:t>
-            </a:r>
-            <a:r>
-              <a:rPr lang="en-US" dirty="0" smtClean="0"/>
-              <a:t> are changes of state; they can happen spontaneously or in response to external inputs.  </a:t>
-            </a:r>
-            <a:endParaRPr lang="en-US" i="1" dirty="0" smtClean="0"/>
-          </a:p>
-          <a:p>
-            <a:r>
-              <a:rPr lang="en-US" dirty="0" smtClean="0"/>
-              <a:t>A system that consists of </a:t>
-            </a:r>
-            <a:r>
-              <a:rPr lang="en-US" dirty="0" smtClean="0"/>
-              <a:t>a </a:t>
-            </a:r>
-            <a:r>
-              <a:rPr lang="en-US" dirty="0" smtClean="0"/>
-              <a:t>finite </a:t>
-            </a:r>
-            <a:r>
-              <a:rPr lang="en-US" dirty="0" smtClean="0"/>
-              <a:t>number of states </a:t>
-            </a:r>
-            <a:r>
-              <a:rPr lang="en-US" dirty="0" smtClean="0"/>
-              <a:t>and </a:t>
-            </a:r>
-            <a:r>
-              <a:rPr lang="en-US" dirty="0" smtClean="0"/>
-              <a:t>transitions is </a:t>
-            </a:r>
-            <a:r>
-              <a:rPr lang="en-US" dirty="0" smtClean="0"/>
-              <a:t>called a </a:t>
-            </a:r>
-            <a:r>
-              <a:rPr lang="en-US" i="1" dirty="0" smtClean="0"/>
-              <a:t>finite-state transition system.  </a:t>
-            </a:r>
-            <a:r>
-              <a:rPr lang="en-US" dirty="0" smtClean="0"/>
-              <a:t>We model these abstractly by a mathematical model called a </a:t>
-            </a:r>
-            <a:r>
-              <a:rPr lang="en-US" i="1" dirty="0" smtClean="0"/>
-              <a:t>finite automaton</a:t>
-            </a:r>
-            <a:r>
-              <a:rPr lang="en-US" dirty="0" smtClean="0"/>
-              <a:t>.</a:t>
-            </a:r>
+              <a:t>finite-state machine.</a:t>
+            </a:r>
+            <a:endParaRPr lang="en-US" dirty="0" smtClean="0"/>
           </a:p>
         </p:txBody>
       </p:sp>
@@ -12226,7 +12173,7 @@
           <a:p>
             <a:r>
               <a:rPr lang="en-US" dirty="0" smtClean="0"/>
-              <a:t>Host</a:t>
+              <a:t>Front-End</a:t>
             </a:r>
             <a:endParaRPr lang="en-US" dirty="0"/>
           </a:p>
@@ -12284,6 +12231,13 @@
             <a:r>
               <a:rPr lang="en-US" dirty="0" smtClean="0"/>
               <a:t>jQuery</a:t>
+            </a:r>
+          </a:p>
+          <a:p>
+            <a:pPr lvl="1"/>
+            <a:r>
+              <a:rPr lang="en-US" dirty="0" smtClean="0"/>
+              <a:t>jQuery UI</a:t>
             </a:r>
           </a:p>
           <a:p>
